--- a/doc/report/revenue-prediction.pptx
+++ b/doc/report/revenue-prediction.pptx
@@ -9,6 +9,7 @@
     <p:sldId id="257" r:id="rId3"/>
     <p:sldId id="258" r:id="rId4"/>
     <p:sldId id="259" r:id="rId5"/>
+    <p:sldId id="260" r:id="rId6"/>
   </p:sldIdLst>
   <p:sldSz cx="9144000" cy="6858000" type="screen4x3"/>
   <p:notesSz cx="6858000" cy="9144000"/>
@@ -292,7 +293,7 @@
             <a:fld id="{1D8BD707-D9CF-40AE-B4C6-C98DA3205C09}" type="datetimeFigureOut">
               <a:rPr lang="en-US" smtClean="0"/>
               <a:pPr/>
-              <a:t>4/18/2015</a:t>
+              <a:t>4/19/2015</a:t>
             </a:fld>
             <a:endParaRPr lang="en-US"/>
           </a:p>
@@ -459,7 +460,7 @@
             <a:fld id="{1D8BD707-D9CF-40AE-B4C6-C98DA3205C09}" type="datetimeFigureOut">
               <a:rPr lang="en-US" smtClean="0"/>
               <a:pPr/>
-              <a:t>4/18/2015</a:t>
+              <a:t>4/19/2015</a:t>
             </a:fld>
             <a:endParaRPr lang="en-US"/>
           </a:p>
@@ -636,7 +637,7 @@
             <a:fld id="{1D8BD707-D9CF-40AE-B4C6-C98DA3205C09}" type="datetimeFigureOut">
               <a:rPr lang="en-US" smtClean="0"/>
               <a:pPr/>
-              <a:t>4/18/2015</a:t>
+              <a:t>4/19/2015</a:t>
             </a:fld>
             <a:endParaRPr lang="en-US"/>
           </a:p>
@@ -803,7 +804,7 @@
             <a:fld id="{1D8BD707-D9CF-40AE-B4C6-C98DA3205C09}" type="datetimeFigureOut">
               <a:rPr lang="en-US" smtClean="0"/>
               <a:pPr/>
-              <a:t>4/18/2015</a:t>
+              <a:t>4/19/2015</a:t>
             </a:fld>
             <a:endParaRPr lang="en-US"/>
           </a:p>
@@ -1046,7 +1047,7 @@
             <a:fld id="{1D8BD707-D9CF-40AE-B4C6-C98DA3205C09}" type="datetimeFigureOut">
               <a:rPr lang="en-US" smtClean="0"/>
               <a:pPr/>
-              <a:t>4/18/2015</a:t>
+              <a:t>4/19/2015</a:t>
             </a:fld>
             <a:endParaRPr lang="en-US"/>
           </a:p>
@@ -1331,7 +1332,7 @@
             <a:fld id="{1D8BD707-D9CF-40AE-B4C6-C98DA3205C09}" type="datetimeFigureOut">
               <a:rPr lang="en-US" smtClean="0"/>
               <a:pPr/>
-              <a:t>4/18/2015</a:t>
+              <a:t>4/19/2015</a:t>
             </a:fld>
             <a:endParaRPr lang="en-US"/>
           </a:p>
@@ -1750,7 +1751,7 @@
             <a:fld id="{1D8BD707-D9CF-40AE-B4C6-C98DA3205C09}" type="datetimeFigureOut">
               <a:rPr lang="en-US" smtClean="0"/>
               <a:pPr/>
-              <a:t>4/18/2015</a:t>
+              <a:t>4/19/2015</a:t>
             </a:fld>
             <a:endParaRPr lang="en-US"/>
           </a:p>
@@ -1865,7 +1866,7 @@
             <a:fld id="{1D8BD707-D9CF-40AE-B4C6-C98DA3205C09}" type="datetimeFigureOut">
               <a:rPr lang="en-US" smtClean="0"/>
               <a:pPr/>
-              <a:t>4/18/2015</a:t>
+              <a:t>4/19/2015</a:t>
             </a:fld>
             <a:endParaRPr lang="en-US"/>
           </a:p>
@@ -1957,7 +1958,7 @@
             <a:fld id="{1D8BD707-D9CF-40AE-B4C6-C98DA3205C09}" type="datetimeFigureOut">
               <a:rPr lang="en-US" smtClean="0"/>
               <a:pPr/>
-              <a:t>4/18/2015</a:t>
+              <a:t>4/19/2015</a:t>
             </a:fld>
             <a:endParaRPr lang="en-US"/>
           </a:p>
@@ -2231,7 +2232,7 @@
             <a:fld id="{1D8BD707-D9CF-40AE-B4C6-C98DA3205C09}" type="datetimeFigureOut">
               <a:rPr lang="en-US" smtClean="0"/>
               <a:pPr/>
-              <a:t>4/18/2015</a:t>
+              <a:t>4/19/2015</a:t>
             </a:fld>
             <a:endParaRPr lang="en-US"/>
           </a:p>
@@ -2481,7 +2482,7 @@
             <a:fld id="{1D8BD707-D9CF-40AE-B4C6-C98DA3205C09}" type="datetimeFigureOut">
               <a:rPr lang="en-US" smtClean="0"/>
               <a:pPr/>
-              <a:t>4/18/2015</a:t>
+              <a:t>4/19/2015</a:t>
             </a:fld>
             <a:endParaRPr lang="en-US"/>
           </a:p>
@@ -2691,7 +2692,7 @@
             <a:fld id="{1D8BD707-D9CF-40AE-B4C6-C98DA3205C09}" type="datetimeFigureOut">
               <a:rPr lang="en-US" smtClean="0"/>
               <a:pPr/>
-              <a:t>4/18/2015</a:t>
+              <a:t>4/19/2015</a:t>
             </a:fld>
             <a:endParaRPr lang="en-US"/>
           </a:p>
@@ -3448,7 +3449,11 @@
           <a:bodyPr/>
           <a:lstStyle/>
           <a:p>
-            <a:endParaRPr lang="en-US"/>
+            <a:r>
+              <a:rPr lang="en-US" dirty="0" smtClean="0"/>
+              <a:t>Data Analysis</a:t>
+            </a:r>
+            <a:endParaRPr lang="en-US" dirty="0"/>
           </a:p>
         </p:txBody>
       </p:sp>
@@ -3467,7 +3472,7 @@
           <a:bodyPr/>
           <a:lstStyle/>
           <a:p>
-            <a:endParaRPr lang="en-US"/>
+            <a:endParaRPr lang="en-US" dirty="0"/>
           </a:p>
         </p:txBody>
       </p:sp>
@@ -3475,6 +3480,78 @@
     <p:extLst>
       <p:ext uri="{BB962C8B-B14F-4D97-AF65-F5344CB8AC3E}">
         <p14:creationId xmlns:p14="http://schemas.microsoft.com/office/powerpoint/2010/main" val="3388760810"/>
+      </p:ext>
+    </p:extLst>
+  </p:cSld>
+  <p:clrMapOvr>
+    <a:masterClrMapping/>
+  </p:clrMapOvr>
+</p:sld>
+</file>
+
+<file path=ppt/slides/slide5.xml><?xml version="1.0" encoding="utf-8"?>
+<p:sld xmlns:a="http://schemas.openxmlformats.org/drawingml/2006/main" xmlns:r="http://schemas.openxmlformats.org/officeDocument/2006/relationships" xmlns:p="http://schemas.openxmlformats.org/presentationml/2006/main">
+  <p:cSld>
+    <p:spTree>
+      <p:nvGrpSpPr>
+        <p:cNvPr id="1" name=""/>
+        <p:cNvGrpSpPr/>
+        <p:nvPr/>
+      </p:nvGrpSpPr>
+      <p:grpSpPr>
+        <a:xfrm>
+          <a:off x="0" y="0"/>
+          <a:ext cx="0" cy="0"/>
+          <a:chOff x="0" y="0"/>
+          <a:chExt cx="0" cy="0"/>
+        </a:xfrm>
+      </p:grpSpPr>
+      <p:sp>
+        <p:nvSpPr>
+          <p:cNvPr id="2" name="Title 1"/>
+          <p:cNvSpPr>
+            <a:spLocks noGrp="1"/>
+          </p:cNvSpPr>
+          <p:nvPr>
+            <p:ph type="title"/>
+          </p:nvPr>
+        </p:nvSpPr>
+        <p:spPr/>
+        <p:txBody>
+          <a:bodyPr/>
+          <a:lstStyle/>
+          <a:p>
+            <a:r>
+              <a:rPr lang="en-US" dirty="0" smtClean="0"/>
+              <a:t>Training</a:t>
+            </a:r>
+            <a:endParaRPr lang="en-US" dirty="0"/>
+          </a:p>
+        </p:txBody>
+      </p:sp>
+      <p:sp>
+        <p:nvSpPr>
+          <p:cNvPr id="3" name="Content Placeholder 2"/>
+          <p:cNvSpPr>
+            <a:spLocks noGrp="1"/>
+          </p:cNvSpPr>
+          <p:nvPr>
+            <p:ph idx="1"/>
+          </p:nvPr>
+        </p:nvSpPr>
+        <p:spPr/>
+        <p:txBody>
+          <a:bodyPr/>
+          <a:lstStyle/>
+          <a:p>
+            <a:endParaRPr lang="en-US"/>
+          </a:p>
+        </p:txBody>
+      </p:sp>
+    </p:spTree>
+    <p:extLst>
+      <p:ext uri="{BB962C8B-B14F-4D97-AF65-F5344CB8AC3E}">
+        <p14:creationId xmlns:p14="http://schemas.microsoft.com/office/powerpoint/2010/main" val="1917558454"/>
       </p:ext>
     </p:extLst>
   </p:cSld>

--- a/doc/report/revenue-prediction.pptx
+++ b/doc/report/revenue-prediction.pptx
@@ -293,7 +293,7 @@
             <a:fld id="{1D8BD707-D9CF-40AE-B4C6-C98DA3205C09}" type="datetimeFigureOut">
               <a:rPr lang="en-US" smtClean="0"/>
               <a:pPr/>
-              <a:t>4/19/2015</a:t>
+              <a:t>4/21/2015</a:t>
             </a:fld>
             <a:endParaRPr lang="en-US"/>
           </a:p>
@@ -460,7 +460,7 @@
             <a:fld id="{1D8BD707-D9CF-40AE-B4C6-C98DA3205C09}" type="datetimeFigureOut">
               <a:rPr lang="en-US" smtClean="0"/>
               <a:pPr/>
-              <a:t>4/19/2015</a:t>
+              <a:t>4/21/2015</a:t>
             </a:fld>
             <a:endParaRPr lang="en-US"/>
           </a:p>
@@ -637,7 +637,7 @@
             <a:fld id="{1D8BD707-D9CF-40AE-B4C6-C98DA3205C09}" type="datetimeFigureOut">
               <a:rPr lang="en-US" smtClean="0"/>
               <a:pPr/>
-              <a:t>4/19/2015</a:t>
+              <a:t>4/21/2015</a:t>
             </a:fld>
             <a:endParaRPr lang="en-US"/>
           </a:p>
@@ -804,7 +804,7 @@
             <a:fld id="{1D8BD707-D9CF-40AE-B4C6-C98DA3205C09}" type="datetimeFigureOut">
               <a:rPr lang="en-US" smtClean="0"/>
               <a:pPr/>
-              <a:t>4/19/2015</a:t>
+              <a:t>4/21/2015</a:t>
             </a:fld>
             <a:endParaRPr lang="en-US"/>
           </a:p>
@@ -1047,7 +1047,7 @@
             <a:fld id="{1D8BD707-D9CF-40AE-B4C6-C98DA3205C09}" type="datetimeFigureOut">
               <a:rPr lang="en-US" smtClean="0"/>
               <a:pPr/>
-              <a:t>4/19/2015</a:t>
+              <a:t>4/21/2015</a:t>
             </a:fld>
             <a:endParaRPr lang="en-US"/>
           </a:p>
@@ -1332,7 +1332,7 @@
             <a:fld id="{1D8BD707-D9CF-40AE-B4C6-C98DA3205C09}" type="datetimeFigureOut">
               <a:rPr lang="en-US" smtClean="0"/>
               <a:pPr/>
-              <a:t>4/19/2015</a:t>
+              <a:t>4/21/2015</a:t>
             </a:fld>
             <a:endParaRPr lang="en-US"/>
           </a:p>
@@ -1751,7 +1751,7 @@
             <a:fld id="{1D8BD707-D9CF-40AE-B4C6-C98DA3205C09}" type="datetimeFigureOut">
               <a:rPr lang="en-US" smtClean="0"/>
               <a:pPr/>
-              <a:t>4/19/2015</a:t>
+              <a:t>4/21/2015</a:t>
             </a:fld>
             <a:endParaRPr lang="en-US"/>
           </a:p>
@@ -1866,7 +1866,7 @@
             <a:fld id="{1D8BD707-D9CF-40AE-B4C6-C98DA3205C09}" type="datetimeFigureOut">
               <a:rPr lang="en-US" smtClean="0"/>
               <a:pPr/>
-              <a:t>4/19/2015</a:t>
+              <a:t>4/21/2015</a:t>
             </a:fld>
             <a:endParaRPr lang="en-US"/>
           </a:p>
@@ -1958,7 +1958,7 @@
             <a:fld id="{1D8BD707-D9CF-40AE-B4C6-C98DA3205C09}" type="datetimeFigureOut">
               <a:rPr lang="en-US" smtClean="0"/>
               <a:pPr/>
-              <a:t>4/19/2015</a:t>
+              <a:t>4/21/2015</a:t>
             </a:fld>
             <a:endParaRPr lang="en-US"/>
           </a:p>
@@ -2232,7 +2232,7 @@
             <a:fld id="{1D8BD707-D9CF-40AE-B4C6-C98DA3205C09}" type="datetimeFigureOut">
               <a:rPr lang="en-US" smtClean="0"/>
               <a:pPr/>
-              <a:t>4/19/2015</a:t>
+              <a:t>4/21/2015</a:t>
             </a:fld>
             <a:endParaRPr lang="en-US"/>
           </a:p>
@@ -2482,7 +2482,7 @@
             <a:fld id="{1D8BD707-D9CF-40AE-B4C6-C98DA3205C09}" type="datetimeFigureOut">
               <a:rPr lang="en-US" smtClean="0"/>
               <a:pPr/>
-              <a:t>4/19/2015</a:t>
+              <a:t>4/21/2015</a:t>
             </a:fld>
             <a:endParaRPr lang="en-US"/>
           </a:p>
@@ -2692,7 +2692,7 @@
             <a:fld id="{1D8BD707-D9CF-40AE-B4C6-C98DA3205C09}" type="datetimeFigureOut">
               <a:rPr lang="en-US" smtClean="0"/>
               <a:pPr/>
-              <a:t>4/19/2015</a:t>
+              <a:t>4/21/2015</a:t>
             </a:fld>
             <a:endParaRPr lang="en-US"/>
           </a:p>
@@ -3457,21 +3457,142 @@
           </a:p>
         </p:txBody>
       </p:sp>
-      <p:sp>
-        <p:nvSpPr>
-          <p:cNvPr id="3" name="Content Placeholder 2"/>
-          <p:cNvSpPr>
-            <a:spLocks noGrp="1"/>
-          </p:cNvSpPr>
+      <p:pic>
+        <p:nvPicPr>
+          <p:cNvPr id="1026" name="Picture 2"/>
+          <p:cNvPicPr>
+            <a:picLocks noGrp="1" noChangeAspect="1" noChangeArrowheads="1"/>
+          </p:cNvPicPr>
           <p:nvPr>
             <p:ph idx="1"/>
           </p:nvPr>
-        </p:nvSpPr>
-        <p:spPr/>
-        <p:txBody>
-          <a:bodyPr/>
-          <a:lstStyle/>
-          <a:p>
+        </p:nvPicPr>
+        <p:blipFill>
+          <a:blip r:embed="rId2">
+            <a:extLst>
+              <a:ext uri="{28A0092B-C50C-407E-A947-70E740481C1C}">
+                <a14:useLocalDpi xmlns:a14="http://schemas.microsoft.com/office/drawing/2010/main" val="0"/>
+              </a:ext>
+            </a:extLst>
+          </a:blip>
+          <a:srcRect/>
+          <a:stretch>
+            <a:fillRect/>
+          </a:stretch>
+        </p:blipFill>
+        <p:spPr bwMode="auto">
+          <a:xfrm>
+            <a:off x="838200" y="2133600"/>
+            <a:ext cx="6359236" cy="914400"/>
+          </a:xfrm>
+          <a:prstGeom prst="rect">
+            <a:avLst/>
+          </a:prstGeom>
+          <a:noFill/>
+          <a:ln>
+            <a:noFill/>
+          </a:ln>
+          <a:extLst>
+            <a:ext uri="{909E8E84-426E-40DD-AFC4-6F175D3DCCD1}">
+              <a14:hiddenFill xmlns:a14="http://schemas.microsoft.com/office/drawing/2010/main">
+                <a:solidFill>
+                  <a:schemeClr val="accent1"/>
+                </a:solidFill>
+              </a14:hiddenFill>
+            </a:ext>
+            <a:ext uri="{91240B29-F687-4F45-9708-019B960494DF}">
+              <a14:hiddenLine xmlns:a14="http://schemas.microsoft.com/office/drawing/2010/main" w="9525">
+                <a:solidFill>
+                  <a:schemeClr val="tx1"/>
+                </a:solidFill>
+                <a:miter lim="800000"/>
+                <a:headEnd/>
+                <a:tailEnd/>
+              </a14:hiddenLine>
+            </a:ext>
+          </a:extLst>
+        </p:spPr>
+      </p:pic>
+      <p:pic>
+        <p:nvPicPr>
+          <p:cNvPr id="1027" name="Picture 3"/>
+          <p:cNvPicPr>
+            <a:picLocks noChangeAspect="1" noChangeArrowheads="1"/>
+          </p:cNvPicPr>
+          <p:nvPr/>
+        </p:nvPicPr>
+        <p:blipFill>
+          <a:blip r:embed="rId3">
+            <a:extLst>
+              <a:ext uri="{28A0092B-C50C-407E-A947-70E740481C1C}">
+                <a14:useLocalDpi xmlns:a14="http://schemas.microsoft.com/office/drawing/2010/main" val="0"/>
+              </a:ext>
+            </a:extLst>
+          </a:blip>
+          <a:srcRect/>
+          <a:stretch>
+            <a:fillRect/>
+          </a:stretch>
+        </p:blipFill>
+        <p:spPr bwMode="auto">
+          <a:xfrm>
+            <a:off x="838200" y="3412524"/>
+            <a:ext cx="6553200" cy="1388076"/>
+          </a:xfrm>
+          <a:prstGeom prst="rect">
+            <a:avLst/>
+          </a:prstGeom>
+          <a:noFill/>
+          <a:ln>
+            <a:noFill/>
+          </a:ln>
+          <a:extLst>
+            <a:ext uri="{909E8E84-426E-40DD-AFC4-6F175D3DCCD1}">
+              <a14:hiddenFill xmlns:a14="http://schemas.microsoft.com/office/drawing/2010/main">
+                <a:solidFill>
+                  <a:schemeClr val="accent1"/>
+                </a:solidFill>
+              </a14:hiddenFill>
+            </a:ext>
+            <a:ext uri="{91240B29-F687-4F45-9708-019B960494DF}">
+              <a14:hiddenLine xmlns:a14="http://schemas.microsoft.com/office/drawing/2010/main" w="9525">
+                <a:solidFill>
+                  <a:schemeClr val="tx1"/>
+                </a:solidFill>
+                <a:miter lim="800000"/>
+                <a:headEnd/>
+                <a:tailEnd/>
+              </a14:hiddenLine>
+            </a:ext>
+          </a:extLst>
+        </p:spPr>
+      </p:pic>
+      <p:sp>
+        <p:nvSpPr>
+          <p:cNvPr id="4" name="TextBox 3"/>
+          <p:cNvSpPr txBox="1"/>
+          <p:nvPr/>
+        </p:nvSpPr>
+        <p:spPr>
+          <a:xfrm>
+            <a:off x="838200" y="1295400"/>
+            <a:ext cx="627864" cy="369332"/>
+          </a:xfrm>
+          <a:prstGeom prst="rect">
+            <a:avLst/>
+          </a:prstGeom>
+          <a:noFill/>
+        </p:spPr>
+        <p:txBody>
+          <a:bodyPr wrap="none" rtlCol="0">
+            <a:spAutoFit/>
+          </a:bodyPr>
+          <a:lstStyle/>
+          <a:p>
+            <a:r>
+              <a:rPr lang="en-US" dirty="0" smtClean="0"/>
+              <a:t>Type</a:t>
+            </a:r>
             <a:endParaRPr lang="en-US" dirty="0"/>
           </a:p>
         </p:txBody>

--- a/doc/report/revenue-prediction.pptx
+++ b/doc/report/revenue-prediction.pptx
@@ -9,7 +9,8 @@
     <p:sldId id="257" r:id="rId3"/>
     <p:sldId id="258" r:id="rId4"/>
     <p:sldId id="259" r:id="rId5"/>
-    <p:sldId id="260" r:id="rId6"/>
+    <p:sldId id="261" r:id="rId6"/>
+    <p:sldId id="260" r:id="rId7"/>
   </p:sldIdLst>
   <p:sldSz cx="9144000" cy="6858000" type="screen4x3"/>
   <p:notesSz cx="6858000" cy="9144000"/>
@@ -3611,6 +3612,74 @@
 </file>
 
 <file path=ppt/slides/slide5.xml><?xml version="1.0" encoding="utf-8"?>
+<p:sld xmlns:a="http://schemas.openxmlformats.org/drawingml/2006/main" xmlns:r="http://schemas.openxmlformats.org/officeDocument/2006/relationships" xmlns:p="http://schemas.openxmlformats.org/presentationml/2006/main">
+  <p:cSld>
+    <p:spTree>
+      <p:nvGrpSpPr>
+        <p:cNvPr id="1" name=""/>
+        <p:cNvGrpSpPr/>
+        <p:nvPr/>
+      </p:nvGrpSpPr>
+      <p:grpSpPr>
+        <a:xfrm>
+          <a:off x="0" y="0"/>
+          <a:ext cx="0" cy="0"/>
+          <a:chOff x="0" y="0"/>
+          <a:chExt cx="0" cy="0"/>
+        </a:xfrm>
+      </p:grpSpPr>
+      <p:sp>
+        <p:nvSpPr>
+          <p:cNvPr id="2" name="Title 1"/>
+          <p:cNvSpPr>
+            <a:spLocks noGrp="1"/>
+          </p:cNvSpPr>
+          <p:nvPr>
+            <p:ph type="title"/>
+          </p:nvPr>
+        </p:nvSpPr>
+        <p:spPr/>
+        <p:txBody>
+          <a:bodyPr/>
+          <a:lstStyle/>
+          <a:p>
+            <a:endParaRPr lang="en-US"/>
+          </a:p>
+        </p:txBody>
+      </p:sp>
+      <p:sp>
+        <p:nvSpPr>
+          <p:cNvPr id="3" name="Content Placeholder 2"/>
+          <p:cNvSpPr>
+            <a:spLocks noGrp="1"/>
+          </p:cNvSpPr>
+          <p:nvPr>
+            <p:ph idx="1"/>
+          </p:nvPr>
+        </p:nvSpPr>
+        <p:spPr/>
+        <p:txBody>
+          <a:bodyPr/>
+          <a:lstStyle/>
+          <a:p>
+            <a:endParaRPr lang="en-US"/>
+          </a:p>
+        </p:txBody>
+      </p:sp>
+    </p:spTree>
+    <p:extLst>
+      <p:ext uri="{BB962C8B-B14F-4D97-AF65-F5344CB8AC3E}">
+        <p14:creationId xmlns:p14="http://schemas.microsoft.com/office/powerpoint/2010/main" val="3651053048"/>
+      </p:ext>
+    </p:extLst>
+  </p:cSld>
+  <p:clrMapOvr>
+    <a:masterClrMapping/>
+  </p:clrMapOvr>
+</p:sld>
+</file>
+
+<file path=ppt/slides/slide6.xml><?xml version="1.0" encoding="utf-8"?>
 <p:sld xmlns:a="http://schemas.openxmlformats.org/drawingml/2006/main" xmlns:r="http://schemas.openxmlformats.org/officeDocument/2006/relationships" xmlns:p="http://schemas.openxmlformats.org/presentationml/2006/main">
   <p:cSld>
     <p:spTree>

--- a/doc/report/revenue-prediction.pptx
+++ b/doc/report/revenue-prediction.pptx
@@ -10,7 +10,11 @@
     <p:sldId id="258" r:id="rId4"/>
     <p:sldId id="259" r:id="rId5"/>
     <p:sldId id="261" r:id="rId6"/>
-    <p:sldId id="260" r:id="rId7"/>
+    <p:sldId id="262" r:id="rId7"/>
+    <p:sldId id="260" r:id="rId8"/>
+    <p:sldId id="263" r:id="rId9"/>
+    <p:sldId id="264" r:id="rId10"/>
+    <p:sldId id="265" r:id="rId11"/>
   </p:sldIdLst>
   <p:sldSz cx="9144000" cy="6858000" type="screen4x3"/>
   <p:notesSz cx="6858000" cy="9144000"/>
@@ -294,7 +298,7 @@
             <a:fld id="{1D8BD707-D9CF-40AE-B4C6-C98DA3205C09}" type="datetimeFigureOut">
               <a:rPr lang="en-US" smtClean="0"/>
               <a:pPr/>
-              <a:t>4/21/2015</a:t>
+              <a:t>4/27/15</a:t>
             </a:fld>
             <a:endParaRPr lang="en-US"/>
           </a:p>
@@ -461,7 +465,7 @@
             <a:fld id="{1D8BD707-D9CF-40AE-B4C6-C98DA3205C09}" type="datetimeFigureOut">
               <a:rPr lang="en-US" smtClean="0"/>
               <a:pPr/>
-              <a:t>4/21/2015</a:t>
+              <a:t>4/27/15</a:t>
             </a:fld>
             <a:endParaRPr lang="en-US"/>
           </a:p>
@@ -638,7 +642,7 @@
             <a:fld id="{1D8BD707-D9CF-40AE-B4C6-C98DA3205C09}" type="datetimeFigureOut">
               <a:rPr lang="en-US" smtClean="0"/>
               <a:pPr/>
-              <a:t>4/21/2015</a:t>
+              <a:t>4/27/15</a:t>
             </a:fld>
             <a:endParaRPr lang="en-US"/>
           </a:p>
@@ -805,7 +809,7 @@
             <a:fld id="{1D8BD707-D9CF-40AE-B4C6-C98DA3205C09}" type="datetimeFigureOut">
               <a:rPr lang="en-US" smtClean="0"/>
               <a:pPr/>
-              <a:t>4/21/2015</a:t>
+              <a:t>4/27/15</a:t>
             </a:fld>
             <a:endParaRPr lang="en-US"/>
           </a:p>
@@ -1048,7 +1052,7 @@
             <a:fld id="{1D8BD707-D9CF-40AE-B4C6-C98DA3205C09}" type="datetimeFigureOut">
               <a:rPr lang="en-US" smtClean="0"/>
               <a:pPr/>
-              <a:t>4/21/2015</a:t>
+              <a:t>4/27/15</a:t>
             </a:fld>
             <a:endParaRPr lang="en-US"/>
           </a:p>
@@ -1333,7 +1337,7 @@
             <a:fld id="{1D8BD707-D9CF-40AE-B4C6-C98DA3205C09}" type="datetimeFigureOut">
               <a:rPr lang="en-US" smtClean="0"/>
               <a:pPr/>
-              <a:t>4/21/2015</a:t>
+              <a:t>4/27/15</a:t>
             </a:fld>
             <a:endParaRPr lang="en-US"/>
           </a:p>
@@ -1752,7 +1756,7 @@
             <a:fld id="{1D8BD707-D9CF-40AE-B4C6-C98DA3205C09}" type="datetimeFigureOut">
               <a:rPr lang="en-US" smtClean="0"/>
               <a:pPr/>
-              <a:t>4/21/2015</a:t>
+              <a:t>4/27/15</a:t>
             </a:fld>
             <a:endParaRPr lang="en-US"/>
           </a:p>
@@ -1867,7 +1871,7 @@
             <a:fld id="{1D8BD707-D9CF-40AE-B4C6-C98DA3205C09}" type="datetimeFigureOut">
               <a:rPr lang="en-US" smtClean="0"/>
               <a:pPr/>
-              <a:t>4/21/2015</a:t>
+              <a:t>4/27/15</a:t>
             </a:fld>
             <a:endParaRPr lang="en-US"/>
           </a:p>
@@ -1959,7 +1963,7 @@
             <a:fld id="{1D8BD707-D9CF-40AE-B4C6-C98DA3205C09}" type="datetimeFigureOut">
               <a:rPr lang="en-US" smtClean="0"/>
               <a:pPr/>
-              <a:t>4/21/2015</a:t>
+              <a:t>4/27/15</a:t>
             </a:fld>
             <a:endParaRPr lang="en-US"/>
           </a:p>
@@ -2233,7 +2237,7 @@
             <a:fld id="{1D8BD707-D9CF-40AE-B4C6-C98DA3205C09}" type="datetimeFigureOut">
               <a:rPr lang="en-US" smtClean="0"/>
               <a:pPr/>
-              <a:t>4/21/2015</a:t>
+              <a:t>4/27/15</a:t>
             </a:fld>
             <a:endParaRPr lang="en-US"/>
           </a:p>
@@ -2483,7 +2487,7 @@
             <a:fld id="{1D8BD707-D9CF-40AE-B4C6-C98DA3205C09}" type="datetimeFigureOut">
               <a:rPr lang="en-US" smtClean="0"/>
               <a:pPr/>
-              <a:t>4/21/2015</a:t>
+              <a:t>4/27/15</a:t>
             </a:fld>
             <a:endParaRPr lang="en-US"/>
           </a:p>
@@ -2693,7 +2697,7 @@
             <a:fld id="{1D8BD707-D9CF-40AE-B4C6-C98DA3205C09}" type="datetimeFigureOut">
               <a:rPr lang="en-US" smtClean="0"/>
               <a:pPr/>
-              <a:t>4/21/2015</a:t>
+              <a:t>4/27/15</a:t>
             </a:fld>
             <a:endParaRPr lang="en-US"/>
           </a:p>
@@ -3076,17 +3080,34 @@
         </p:nvSpPr>
         <p:spPr>
           <a:xfrm>
-            <a:off x="762000" y="1295400"/>
-            <a:ext cx="7772400" cy="1470025"/>
+            <a:off x="0" y="1295400"/>
+            <a:ext cx="9144000" cy="2286000"/>
           </a:xfrm>
         </p:spPr>
         <p:txBody>
-          <a:bodyPr/>
-          <a:lstStyle/>
-          <a:p>
+          <a:bodyPr>
+            <a:normAutofit/>
+          </a:bodyPr>
+          <a:lstStyle/>
+          <a:p>
+            <a:r>
+              <a:rPr lang="en-US" sz="3600" dirty="0" smtClean="0"/>
+              <a:t>CS 659 Course Project</a:t>
+            </a:r>
             <a:r>
               <a:rPr lang="en-US" dirty="0" smtClean="0"/>
-              <a:t>Restaurant Revenue Prediction</a:t>
+              <a:t/>
+            </a:r>
+            <a:br>
+              <a:rPr lang="en-US" dirty="0" smtClean="0"/>
+            </a:br>
+            <a:r>
+              <a:rPr lang="en-US" dirty="0" smtClean="0"/>
+              <a:t>Restaurant </a:t>
+            </a:r>
+            <a:r>
+              <a:rPr lang="en-US" dirty="0" smtClean="0"/>
+              <a:t>Revenue Prediction</a:t>
             </a:r>
             <a:endParaRPr lang="en-US" dirty="0"/>
           </a:p>
@@ -3107,18 +3128,14 @@
           <a:bodyPr/>
           <a:lstStyle/>
           <a:p>
-            <a:pPr algn="r"/>
-            <a:r>
-              <a:rPr lang="en-US" dirty="0" err="1" smtClean="0"/>
-              <a:t>Zhonghua</a:t>
-            </a:r>
             <a:r>
               <a:rPr lang="en-US" dirty="0" smtClean="0"/>
-              <a:t> Xi</a:t>
-            </a:r>
-          </a:p>
-          <a:p>
-            <a:pPr algn="r"/>
+              <a:t>Zhonghua </a:t>
+            </a:r>
+            <a:r>
+              <a:rPr lang="en-US" dirty="0" smtClean="0"/>
+              <a:t>Xi and </a:t>
+            </a:r>
             <a:r>
               <a:rPr lang="en-US" dirty="0" err="1" smtClean="0"/>
               <a:t>Huangxin</a:t>
@@ -3126,6 +3143,12 @@
             <a:r>
               <a:rPr lang="en-US" dirty="0" smtClean="0"/>
               <a:t> Wang</a:t>
+            </a:r>
+          </a:p>
+          <a:p>
+            <a:r>
+              <a:rPr lang="en-US" dirty="0" smtClean="0"/>
+              <a:t>May. 2015</a:t>
             </a:r>
             <a:endParaRPr lang="en-US" dirty="0"/>
           </a:p>
@@ -3135,6 +3158,89 @@
     <p:extLst>
       <p:ext uri="{BB962C8B-B14F-4D97-AF65-F5344CB8AC3E}">
         <p14:creationId xmlns:p14="http://schemas.microsoft.com/office/powerpoint/2010/main" val="2068897922"/>
+      </p:ext>
+    </p:extLst>
+  </p:cSld>
+  <p:clrMapOvr>
+    <a:masterClrMapping/>
+  </p:clrMapOvr>
+  <p:timing>
+    <p:tnLst>
+      <p:par>
+        <p:cTn xmlns:p14="http://schemas.microsoft.com/office/powerpoint/2010/main" id="1" dur="indefinite" restart="never" nodeType="tmRoot"/>
+      </p:par>
+    </p:tnLst>
+  </p:timing>
+</p:sld>
+</file>
+
+<file path=ppt/slides/slide10.xml><?xml version="1.0" encoding="utf-8"?>
+<p:sld xmlns:a="http://schemas.openxmlformats.org/drawingml/2006/main" xmlns:r="http://schemas.openxmlformats.org/officeDocument/2006/relationships" xmlns:p="http://schemas.openxmlformats.org/presentationml/2006/main">
+  <p:cSld>
+    <p:spTree>
+      <p:nvGrpSpPr>
+        <p:cNvPr id="1" name=""/>
+        <p:cNvGrpSpPr/>
+        <p:nvPr/>
+      </p:nvGrpSpPr>
+      <p:grpSpPr>
+        <a:xfrm>
+          <a:off x="0" y="0"/>
+          <a:ext cx="0" cy="0"/>
+          <a:chOff x="0" y="0"/>
+          <a:chExt cx="0" cy="0"/>
+        </a:xfrm>
+      </p:grpSpPr>
+      <p:sp>
+        <p:nvSpPr>
+          <p:cNvPr id="2" name="标题 1"/>
+          <p:cNvSpPr>
+            <a:spLocks noGrp="1"/>
+          </p:cNvSpPr>
+          <p:nvPr>
+            <p:ph type="title"/>
+          </p:nvPr>
+        </p:nvSpPr>
+        <p:spPr/>
+        <p:txBody>
+          <a:bodyPr/>
+          <a:lstStyle/>
+          <a:p>
+            <a:r>
+              <a:rPr kumimoji="1" lang="en-US" altLang="zh-CN" dirty="0" smtClean="0"/>
+              <a:t>Conclusion</a:t>
+            </a:r>
+            <a:endParaRPr kumimoji="1" lang="zh-CN" altLang="en-US" dirty="0"/>
+          </a:p>
+        </p:txBody>
+      </p:sp>
+      <p:sp>
+        <p:nvSpPr>
+          <p:cNvPr id="3" name="内容占位符 2"/>
+          <p:cNvSpPr>
+            <a:spLocks noGrp="1"/>
+          </p:cNvSpPr>
+          <p:nvPr>
+            <p:ph idx="1"/>
+          </p:nvPr>
+        </p:nvSpPr>
+        <p:spPr/>
+        <p:txBody>
+          <a:bodyPr/>
+          <a:lstStyle/>
+          <a:p>
+            <a:r>
+              <a:rPr kumimoji="1" lang="en-US" altLang="zh-CN" dirty="0" smtClean="0"/>
+              <a:t>TODO</a:t>
+            </a:r>
+            <a:endParaRPr kumimoji="1" lang="zh-CN" altLang="en-US" dirty="0"/>
+          </a:p>
+        </p:txBody>
+      </p:sp>
+    </p:spTree>
+    <p:extLst>
+      <p:ext uri="{BB962C8B-B14F-4D97-AF65-F5344CB8AC3E}">
+        <p14:creationId xmlns:p14="http://schemas.microsoft.com/office/powerpoint/2010/main" val="2140007671"/>
       </p:ext>
     </p:extLst>
   </p:cSld>
@@ -3200,13 +3306,25 @@
           <a:lstStyle/>
           <a:p>
             <a:r>
+              <a:rPr lang="en-US" dirty="0" smtClean="0"/>
+              <a:t>A </a:t>
+            </a:r>
+            <a:r>
               <a:rPr lang="en-US" dirty="0" err="1" smtClean="0"/>
               <a:t>Kaggle</a:t>
             </a:r>
             <a:r>
               <a:rPr lang="en-US" dirty="0" smtClean="0"/>
-              <a:t> test</a:t>
-            </a:r>
+              <a:t> Competition</a:t>
+            </a:r>
+          </a:p>
+          <a:p>
+            <a:pPr lvl="1"/>
+            <a:r>
+              <a:rPr lang="en-US" dirty="0" smtClean="0"/>
+              <a:t>2292 Teams, 2499 Players, 27735 entries</a:t>
+            </a:r>
+            <a:endParaRPr lang="en-US" dirty="0" smtClean="0"/>
           </a:p>
           <a:p>
             <a:r>
@@ -3228,60 +3346,101 @@
           </a:p>
         </p:txBody>
       </p:sp>
-      <p:pic>
-        <p:nvPicPr>
-          <p:cNvPr id="1026" name="Picture 2"/>
-          <p:cNvPicPr>
-            <a:picLocks noChangeAspect="1" noChangeArrowheads="1"/>
-          </p:cNvPicPr>
+      <p:grpSp>
+        <p:nvGrpSpPr>
+          <p:cNvPr id="5" name="组 4"/>
+          <p:cNvGrpSpPr>
+            <a:grpSpLocks noChangeAspect="1"/>
+          </p:cNvGrpSpPr>
           <p:nvPr/>
-        </p:nvPicPr>
-        <p:blipFill>
-          <a:blip r:embed="rId2">
+        </p:nvGrpSpPr>
+        <p:grpSpPr>
+          <a:xfrm>
+            <a:off x="-26545" y="4343400"/>
+            <a:ext cx="9198155" cy="1755648"/>
+            <a:chOff x="-34311" y="4114800"/>
+            <a:chExt cx="8623270" cy="1645920"/>
+          </a:xfrm>
+        </p:grpSpPr>
+        <p:pic>
+          <p:nvPicPr>
+            <p:cNvPr id="1026" name="Picture 2"/>
+            <p:cNvPicPr>
+              <a:picLocks noChangeAspect="1" noChangeArrowheads="1"/>
+            </p:cNvPicPr>
+            <p:nvPr/>
+          </p:nvPicPr>
+          <p:blipFill>
+            <a:blip r:embed="rId2">
+              <a:extLst>
+                <a:ext uri="{28A0092B-C50C-407E-A947-70E740481C1C}">
+                  <a14:useLocalDpi xmlns:a14="http://schemas.microsoft.com/office/drawing/2010/main" val="0"/>
+                </a:ext>
+              </a:extLst>
+            </a:blip>
+            <a:srcRect/>
+            <a:stretch>
+              <a:fillRect/>
+            </a:stretch>
+          </p:blipFill>
+          <p:spPr bwMode="auto">
+            <a:xfrm>
+              <a:off x="3429000" y="4114800"/>
+              <a:ext cx="5159959" cy="1645920"/>
+            </a:xfrm>
+            <a:prstGeom prst="rect">
+              <a:avLst/>
+            </a:prstGeom>
+            <a:noFill/>
+            <a:ln>
+              <a:noFill/>
+            </a:ln>
             <a:extLst>
-              <a:ext uri="{28A0092B-C50C-407E-A947-70E740481C1C}">
-                <a14:useLocalDpi xmlns:a14="http://schemas.microsoft.com/office/drawing/2010/main" val="0"/>
+              <a:ext uri="{909E8E84-426E-40dd-AFC4-6F175D3DCCD1}">
+                <a14:hiddenFill xmlns:a14="http://schemas.microsoft.com/office/drawing/2010/main">
+                  <a:solidFill>
+                    <a:schemeClr val="accent1"/>
+                  </a:solidFill>
+                </a14:hiddenFill>
+              </a:ext>
+              <a:ext uri="{91240B29-F687-4f45-9708-019B960494DF}">
+                <a14:hiddenLine xmlns:a14="http://schemas.microsoft.com/office/drawing/2010/main" w="9525">
+                  <a:solidFill>
+                    <a:schemeClr val="tx1"/>
+                  </a:solidFill>
+                  <a:miter lim="800000"/>
+                  <a:headEnd/>
+                  <a:tailEnd/>
+                </a14:hiddenLine>
               </a:ext>
             </a:extLst>
-          </a:blip>
-          <a:srcRect/>
-          <a:stretch>
-            <a:fillRect/>
-          </a:stretch>
-        </p:blipFill>
-        <p:spPr bwMode="auto">
-          <a:xfrm>
-            <a:off x="990600" y="4038600"/>
-            <a:ext cx="5972175" cy="1905000"/>
-          </a:xfrm>
-          <a:prstGeom prst="rect">
-            <a:avLst/>
-          </a:prstGeom>
-          <a:noFill/>
-          <a:ln>
-            <a:noFill/>
-          </a:ln>
-          <a:extLst>
-            <a:ext uri="{909E8E84-426E-40DD-AFC4-6F175D3DCCD1}">
-              <a14:hiddenFill xmlns:a14="http://schemas.microsoft.com/office/drawing/2010/main">
-                <a:solidFill>
-                  <a:schemeClr val="accent1"/>
-                </a:solidFill>
-              </a14:hiddenFill>
-            </a:ext>
-            <a:ext uri="{91240B29-F687-4F45-9708-019B960494DF}">
-              <a14:hiddenLine xmlns:a14="http://schemas.microsoft.com/office/drawing/2010/main" w="9525">
-                <a:solidFill>
-                  <a:schemeClr val="tx1"/>
-                </a:solidFill>
-                <a:miter lim="800000"/>
-                <a:headEnd/>
-                <a:tailEnd/>
-              </a14:hiddenLine>
-            </a:ext>
-          </a:extLst>
-        </p:spPr>
-      </p:pic>
+          </p:spPr>
+        </p:pic>
+        <p:pic>
+          <p:nvPicPr>
+            <p:cNvPr id="4" name="图片 3"/>
+            <p:cNvPicPr>
+              <a:picLocks noChangeAspect="1"/>
+            </p:cNvPicPr>
+            <p:nvPr/>
+          </p:nvPicPr>
+          <p:blipFill>
+            <a:blip r:embed="rId3"/>
+            <a:stretch>
+              <a:fillRect/>
+            </a:stretch>
+          </p:blipFill>
+          <p:spPr>
+            <a:xfrm>
+              <a:off x="-34311" y="4114800"/>
+              <a:ext cx="3505809" cy="1645920"/>
+            </a:xfrm>
+            <a:prstGeom prst="rect">
+              <a:avLst/>
+            </a:prstGeom>
+          </p:spPr>
+        </p:pic>
+      </p:grpSp>
     </p:spTree>
     <p:extLst>
       <p:ext uri="{BB962C8B-B14F-4D97-AF65-F5344CB8AC3E}">
@@ -3292,6 +3451,13 @@
   <p:clrMapOvr>
     <a:masterClrMapping/>
   </p:clrMapOvr>
+  <p:timing>
+    <p:tnLst>
+      <p:par>
+        <p:cTn xmlns:p14="http://schemas.microsoft.com/office/powerpoint/2010/main" id="1" dur="indefinite" restart="never" nodeType="tmRoot"/>
+      </p:par>
+    </p:tnLst>
+  </p:timing>
 </p:sld>
 </file>
 
@@ -3329,7 +3495,7 @@
           <a:p>
             <a:r>
               <a:rPr lang="en-US" dirty="0" smtClean="0"/>
-              <a:t>Data</a:t>
+              <a:t>Dataset</a:t>
             </a:r>
             <a:endParaRPr lang="en-US" dirty="0"/>
           </a:p>
@@ -3345,9 +3511,16 @@
             <p:ph idx="1"/>
           </p:nvPr>
         </p:nvSpPr>
-        <p:spPr/>
-        <p:txBody>
-          <a:bodyPr/>
+        <p:spPr>
+          <a:xfrm>
+            <a:off x="457200" y="1600200"/>
+            <a:ext cx="8229600" cy="5029200"/>
+          </a:xfrm>
+        </p:spPr>
+        <p:txBody>
+          <a:bodyPr>
+            <a:normAutofit fontScale="92500" lnSpcReduction="20000"/>
+          </a:bodyPr>
           <a:lstStyle/>
           <a:p>
             <a:r>
@@ -3358,28 +3531,79 @@
           <a:p>
             <a:pPr lvl="1"/>
             <a:r>
+              <a:rPr lang="en-US" altLang="zh-CN" dirty="0" smtClean="0"/>
+              <a:t>T</a:t>
+            </a:r>
+            <a:r>
               <a:rPr lang="en-US" dirty="0" smtClean="0"/>
-              <a:t>training set: 137 records</a:t>
-            </a:r>
+              <a:t>raining</a:t>
+            </a:r>
+            <a:r>
+              <a:rPr lang="zh-CN" altLang="en-US" dirty="0" smtClean="0"/>
+              <a:t> </a:t>
+            </a:r>
+            <a:r>
+              <a:rPr lang="en-US" altLang="zh-CN" dirty="0" smtClean="0"/>
+              <a:t>/</a:t>
+            </a:r>
+            <a:r>
+              <a:rPr lang="en-US" dirty="0" smtClean="0"/>
+              <a:t> </a:t>
+            </a:r>
+            <a:r>
+              <a:rPr lang="en-US" altLang="zh-CN" dirty="0" smtClean="0"/>
+              <a:t>Test</a:t>
+            </a:r>
+            <a:r>
+              <a:rPr lang="zh-CN" altLang="en-US" dirty="0" smtClean="0"/>
+              <a:t> </a:t>
+            </a:r>
+            <a:r>
+              <a:rPr lang="en-US" dirty="0" smtClean="0"/>
+              <a:t>: </a:t>
+            </a:r>
+            <a:r>
+              <a:rPr lang="en-US" dirty="0" smtClean="0"/>
+              <a:t>137 </a:t>
+            </a:r>
+            <a:r>
+              <a:rPr lang="en-US" altLang="zh-CN" dirty="0" smtClean="0"/>
+              <a:t>/</a:t>
+            </a:r>
+            <a:r>
+              <a:rPr lang="zh-CN" altLang="en-US" dirty="0" smtClean="0"/>
+              <a:t> </a:t>
+            </a:r>
+            <a:r>
+              <a:rPr lang="en-US" dirty="0" smtClean="0"/>
+              <a:t>10000</a:t>
+            </a:r>
+            <a:r>
+              <a:rPr lang="en-US" altLang="zh-CN" dirty="0" smtClean="0"/>
+              <a:t>0</a:t>
+            </a:r>
+            <a:r>
+              <a:rPr lang="en-US" dirty="0" smtClean="0"/>
+              <a:t> records</a:t>
+            </a:r>
+            <a:endParaRPr lang="en-US" dirty="0" smtClean="0"/>
+          </a:p>
+          <a:p>
+            <a:r>
+              <a:rPr lang="en-US" altLang="zh-CN" dirty="0" smtClean="0"/>
+              <a:t>Attributes</a:t>
+            </a:r>
+            <a:endParaRPr lang="en-US" dirty="0" smtClean="0"/>
           </a:p>
           <a:p>
             <a:pPr lvl="1"/>
             <a:r>
               <a:rPr lang="en-US" dirty="0" smtClean="0"/>
-              <a:t>Testing set: 10000 records</a:t>
-            </a:r>
-          </a:p>
-          <a:p>
+              <a:t>Open </a:t>
+            </a:r>
             <a:r>
               <a:rPr lang="en-US" dirty="0" smtClean="0"/>
-              <a:t>Data contents</a:t>
-            </a:r>
-          </a:p>
-          <a:p>
-            <a:pPr lvl="1"/>
-            <a:r>
-              <a:rPr lang="en-US" dirty="0" smtClean="0"/>
-              <a:t>Open Date</a:t>
+              <a:t>Date</a:t>
             </a:r>
           </a:p>
           <a:p>
@@ -3388,20 +3612,118 @@
               <a:rPr lang="en-US" dirty="0" smtClean="0"/>
               <a:t>City</a:t>
             </a:r>
+            <a:r>
+              <a:rPr lang="zh-CN" altLang="en-US" dirty="0" smtClean="0"/>
+              <a:t> </a:t>
+            </a:r>
+            <a:r>
+              <a:rPr lang="en-US" altLang="zh-CN" dirty="0" smtClean="0"/>
+              <a:t>Name</a:t>
+            </a:r>
+            <a:endParaRPr lang="en-US" dirty="0" smtClean="0"/>
           </a:p>
           <a:p>
             <a:pPr lvl="1"/>
             <a:r>
               <a:rPr lang="en-US" dirty="0" smtClean="0"/>
-              <a:t>City Group: big city, not-big-city</a:t>
-            </a:r>
+              <a:t>City Group: </a:t>
+            </a:r>
+            <a:r>
+              <a:rPr lang="en-US" dirty="0" smtClean="0"/>
+              <a:t>Big </a:t>
+            </a:r>
+            <a:r>
+              <a:rPr lang="en-US" dirty="0" smtClean="0"/>
+              <a:t>city, </a:t>
+            </a:r>
+            <a:r>
+              <a:rPr lang="en-US" dirty="0" smtClean="0"/>
+              <a:t>Others</a:t>
+            </a:r>
+            <a:endParaRPr lang="en-US" dirty="0" smtClean="0"/>
           </a:p>
           <a:p>
             <a:pPr lvl="1"/>
+            <a:r>
+              <a:rPr lang="en-US" altLang="zh-CN" dirty="0" smtClean="0"/>
+              <a:t>Restaurant</a:t>
+            </a:r>
+            <a:r>
+              <a:rPr lang="zh-CN" altLang="en-US" dirty="0" smtClean="0"/>
+              <a:t> </a:t>
+            </a:r>
             <a:r>
               <a:rPr lang="en-US" dirty="0" smtClean="0"/>
               <a:t>Type</a:t>
             </a:r>
+          </a:p>
+          <a:p>
+            <a:pPr lvl="1"/>
+            <a:r>
+              <a:rPr lang="en-US" altLang="zh-CN" dirty="0" smtClean="0"/>
+              <a:t>37</a:t>
+            </a:r>
+            <a:r>
+              <a:rPr lang="zh-CN" altLang="en-US" dirty="0" smtClean="0"/>
+              <a:t> </a:t>
+            </a:r>
+            <a:r>
+              <a:rPr lang="en-US" altLang="zh-CN" dirty="0"/>
+              <a:t>obfuscated </a:t>
+            </a:r>
+            <a:r>
+              <a:rPr lang="en-US" altLang="zh-CN" dirty="0" smtClean="0"/>
+              <a:t>numeric</a:t>
+            </a:r>
+            <a:r>
+              <a:rPr lang="zh-CN" altLang="en-US" dirty="0" smtClean="0"/>
+              <a:t> </a:t>
+            </a:r>
+            <a:r>
+              <a:rPr lang="en-US" altLang="zh-CN" dirty="0" smtClean="0"/>
+              <a:t>attributes</a:t>
+            </a:r>
+          </a:p>
+          <a:p>
+            <a:pPr lvl="2"/>
+            <a:r>
+              <a:rPr lang="en-US" altLang="zh-CN" dirty="0" smtClean="0"/>
+              <a:t>Demographic</a:t>
+            </a:r>
+            <a:r>
+              <a:rPr lang="zh-CN" altLang="en-US" dirty="0" smtClean="0"/>
+              <a:t> </a:t>
+            </a:r>
+            <a:r>
+              <a:rPr lang="en-US" altLang="zh-CN" dirty="0" smtClean="0"/>
+              <a:t>data</a:t>
+            </a:r>
+          </a:p>
+          <a:p>
+            <a:pPr lvl="2"/>
+            <a:r>
+              <a:rPr lang="en-US" altLang="zh-CN" dirty="0" smtClean="0"/>
+              <a:t>Real estate data</a:t>
+            </a:r>
+          </a:p>
+          <a:p>
+            <a:pPr lvl="2"/>
+            <a:r>
+              <a:rPr lang="en-US" altLang="zh-CN" dirty="0" smtClean="0"/>
+              <a:t>Commercial data</a:t>
+            </a:r>
+          </a:p>
+          <a:p>
+            <a:pPr lvl="1"/>
+            <a:r>
+              <a:rPr lang="en-US" altLang="zh-CN" dirty="0" smtClean="0"/>
+              <a:t>Revenue (only available in training set)</a:t>
+            </a:r>
+            <a:endParaRPr lang="zh-CN" altLang="en-US" dirty="0"/>
+          </a:p>
+          <a:p>
+            <a:pPr lvl="1"/>
+            <a:endParaRPr lang="en-US" dirty="0" smtClean="0"/>
           </a:p>
         </p:txBody>
       </p:sp>
@@ -3415,6 +3737,13 @@
   <p:clrMapOvr>
     <a:masterClrMapping/>
   </p:clrMapOvr>
+  <p:timing>
+    <p:tnLst>
+      <p:par>
+        <p:cTn xmlns:p14="http://schemas.microsoft.com/office/powerpoint/2010/main" id="1" dur="indefinite" restart="never" nodeType="tmRoot"/>
+      </p:par>
+    </p:tnLst>
+  </p:timing>
 </p:sld>
 </file>
 
@@ -3452,122 +3781,12 @@
           <a:p>
             <a:r>
               <a:rPr lang="en-US" dirty="0" smtClean="0"/>
-              <a:t>Data Analysis</a:t>
+              <a:t>Pre-processing</a:t>
             </a:r>
             <a:endParaRPr lang="en-US" dirty="0"/>
           </a:p>
         </p:txBody>
       </p:sp>
-      <p:pic>
-        <p:nvPicPr>
-          <p:cNvPr id="1026" name="Picture 2"/>
-          <p:cNvPicPr>
-            <a:picLocks noGrp="1" noChangeAspect="1" noChangeArrowheads="1"/>
-          </p:cNvPicPr>
-          <p:nvPr>
-            <p:ph idx="1"/>
-          </p:nvPr>
-        </p:nvPicPr>
-        <p:blipFill>
-          <a:blip r:embed="rId2">
-            <a:extLst>
-              <a:ext uri="{28A0092B-C50C-407E-A947-70E740481C1C}">
-                <a14:useLocalDpi xmlns:a14="http://schemas.microsoft.com/office/drawing/2010/main" val="0"/>
-              </a:ext>
-            </a:extLst>
-          </a:blip>
-          <a:srcRect/>
-          <a:stretch>
-            <a:fillRect/>
-          </a:stretch>
-        </p:blipFill>
-        <p:spPr bwMode="auto">
-          <a:xfrm>
-            <a:off x="838200" y="2133600"/>
-            <a:ext cx="6359236" cy="914400"/>
-          </a:xfrm>
-          <a:prstGeom prst="rect">
-            <a:avLst/>
-          </a:prstGeom>
-          <a:noFill/>
-          <a:ln>
-            <a:noFill/>
-          </a:ln>
-          <a:extLst>
-            <a:ext uri="{909E8E84-426E-40DD-AFC4-6F175D3DCCD1}">
-              <a14:hiddenFill xmlns:a14="http://schemas.microsoft.com/office/drawing/2010/main">
-                <a:solidFill>
-                  <a:schemeClr val="accent1"/>
-                </a:solidFill>
-              </a14:hiddenFill>
-            </a:ext>
-            <a:ext uri="{91240B29-F687-4F45-9708-019B960494DF}">
-              <a14:hiddenLine xmlns:a14="http://schemas.microsoft.com/office/drawing/2010/main" w="9525">
-                <a:solidFill>
-                  <a:schemeClr val="tx1"/>
-                </a:solidFill>
-                <a:miter lim="800000"/>
-                <a:headEnd/>
-                <a:tailEnd/>
-              </a14:hiddenLine>
-            </a:ext>
-          </a:extLst>
-        </p:spPr>
-      </p:pic>
-      <p:pic>
-        <p:nvPicPr>
-          <p:cNvPr id="1027" name="Picture 3"/>
-          <p:cNvPicPr>
-            <a:picLocks noChangeAspect="1" noChangeArrowheads="1"/>
-          </p:cNvPicPr>
-          <p:nvPr/>
-        </p:nvPicPr>
-        <p:blipFill>
-          <a:blip r:embed="rId3">
-            <a:extLst>
-              <a:ext uri="{28A0092B-C50C-407E-A947-70E740481C1C}">
-                <a14:useLocalDpi xmlns:a14="http://schemas.microsoft.com/office/drawing/2010/main" val="0"/>
-              </a:ext>
-            </a:extLst>
-          </a:blip>
-          <a:srcRect/>
-          <a:stretch>
-            <a:fillRect/>
-          </a:stretch>
-        </p:blipFill>
-        <p:spPr bwMode="auto">
-          <a:xfrm>
-            <a:off x="838200" y="3412524"/>
-            <a:ext cx="6553200" cy="1388076"/>
-          </a:xfrm>
-          <a:prstGeom prst="rect">
-            <a:avLst/>
-          </a:prstGeom>
-          <a:noFill/>
-          <a:ln>
-            <a:noFill/>
-          </a:ln>
-          <a:extLst>
-            <a:ext uri="{909E8E84-426E-40DD-AFC4-6F175D3DCCD1}">
-              <a14:hiddenFill xmlns:a14="http://schemas.microsoft.com/office/drawing/2010/main">
-                <a:solidFill>
-                  <a:schemeClr val="accent1"/>
-                </a:solidFill>
-              </a14:hiddenFill>
-            </a:ext>
-            <a:ext uri="{91240B29-F687-4F45-9708-019B960494DF}">
-              <a14:hiddenLine xmlns:a14="http://schemas.microsoft.com/office/drawing/2010/main" w="9525">
-                <a:solidFill>
-                  <a:schemeClr val="tx1"/>
-                </a:solidFill>
-                <a:miter lim="800000"/>
-                <a:headEnd/>
-                <a:tailEnd/>
-              </a14:hiddenLine>
-            </a:ext>
-          </a:extLst>
-        </p:spPr>
-      </p:pic>
       <p:sp>
         <p:nvSpPr>
           <p:cNvPr id="4" name="TextBox 3"/>
@@ -3576,8 +3795,8 @@
         </p:nvSpPr>
         <p:spPr>
           <a:xfrm>
-            <a:off x="838200" y="1295400"/>
-            <a:ext cx="627864" cy="369332"/>
+            <a:off x="457200" y="1295400"/>
+            <a:ext cx="8305800" cy="1384995"/>
           </a:xfrm>
           <a:prstGeom prst="rect">
             <a:avLst/>
@@ -3585,19 +3804,183 @@
           <a:noFill/>
         </p:spPr>
         <p:txBody>
-          <a:bodyPr wrap="none" rtlCol="0">
+          <a:bodyPr wrap="square" rtlCol="0">
             <a:spAutoFit/>
           </a:bodyPr>
           <a:lstStyle/>
           <a:p>
-            <a:r>
-              <a:rPr lang="en-US" dirty="0" smtClean="0"/>
+            <a:pPr marL="457200" indent="-457200">
+              <a:buFont typeface="Arial"/>
+              <a:buChar char="•"/>
+            </a:pPr>
+            <a:r>
+              <a:rPr lang="en-US" sz="2800" dirty="0" smtClean="0"/>
+              <a:t>Missing values in categorical attributes</a:t>
+            </a:r>
+          </a:p>
+          <a:p>
+            <a:pPr marL="914400" lvl="1" indent="-457200">
+              <a:buFont typeface="Arial"/>
+              <a:buChar char="•"/>
+            </a:pPr>
+            <a:r>
+              <a:rPr lang="en-US" sz="2800" dirty="0" smtClean="0"/>
               <a:t>Type</a:t>
             </a:r>
-            <a:endParaRPr lang="en-US" dirty="0"/>
-          </a:p>
-        </p:txBody>
-      </p:sp>
+          </a:p>
+          <a:p>
+            <a:pPr marL="914400" lvl="1" indent="-457200">
+              <a:buFont typeface="Arial"/>
+              <a:buChar char="•"/>
+            </a:pPr>
+            <a:r>
+              <a:rPr lang="en-US" sz="2800" dirty="0" smtClean="0"/>
+              <a:t>City name</a:t>
+            </a:r>
+            <a:endParaRPr lang="en-US" sz="2800" dirty="0"/>
+          </a:p>
+        </p:txBody>
+      </p:sp>
+      <p:grpSp>
+        <p:nvGrpSpPr>
+          <p:cNvPr id="13" name="组 12"/>
+          <p:cNvGrpSpPr/>
+          <p:nvPr/>
+        </p:nvGrpSpPr>
+        <p:grpSpPr>
+          <a:xfrm>
+            <a:off x="4800600" y="2819400"/>
+            <a:ext cx="3309030" cy="3645932"/>
+            <a:chOff x="4800600" y="2819400"/>
+            <a:chExt cx="3309030" cy="3645932"/>
+          </a:xfrm>
+        </p:grpSpPr>
+        <p:sp>
+          <p:nvSpPr>
+            <p:cNvPr id="11" name="文本框 10"/>
+            <p:cNvSpPr txBox="1"/>
+            <p:nvPr/>
+          </p:nvSpPr>
+          <p:spPr>
+            <a:xfrm>
+              <a:off x="4800600" y="6096000"/>
+              <a:ext cx="3276600" cy="369332"/>
+            </a:xfrm>
+            <a:prstGeom prst="rect">
+              <a:avLst/>
+            </a:prstGeom>
+            <a:noFill/>
+          </p:spPr>
+          <p:txBody>
+            <a:bodyPr wrap="square" rtlCol="0">
+              <a:spAutoFit/>
+            </a:bodyPr>
+            <a:lstStyle/>
+            <a:p>
+              <a:pPr algn="ctr"/>
+              <a:r>
+                <a:rPr kumimoji="1" lang="en-US" altLang="zh-CN" dirty="0" smtClean="0"/>
+                <a:t>Test</a:t>
+              </a:r>
+              <a:endParaRPr kumimoji="1" lang="zh-CN" altLang="en-US" dirty="0"/>
+            </a:p>
+          </p:txBody>
+        </p:sp>
+        <p:pic>
+          <p:nvPicPr>
+            <p:cNvPr id="12" name="图片 11"/>
+            <p:cNvPicPr>
+              <a:picLocks noChangeAspect="1"/>
+            </p:cNvPicPr>
+            <p:nvPr/>
+          </p:nvPicPr>
+          <p:blipFill>
+            <a:blip r:embed="rId2"/>
+            <a:stretch>
+              <a:fillRect/>
+            </a:stretch>
+          </p:blipFill>
+          <p:spPr>
+            <a:xfrm>
+              <a:off x="4800600" y="2819400"/>
+              <a:ext cx="3309030" cy="3200400"/>
+            </a:xfrm>
+            <a:prstGeom prst="rect">
+              <a:avLst/>
+            </a:prstGeom>
+          </p:spPr>
+        </p:pic>
+      </p:grpSp>
+      <p:grpSp>
+        <p:nvGrpSpPr>
+          <p:cNvPr id="15" name="组 14"/>
+          <p:cNvGrpSpPr/>
+          <p:nvPr/>
+        </p:nvGrpSpPr>
+        <p:grpSpPr>
+          <a:xfrm>
+            <a:off x="990600" y="2819400"/>
+            <a:ext cx="3359512" cy="3645932"/>
+            <a:chOff x="990600" y="2819400"/>
+            <a:chExt cx="3359512" cy="3645932"/>
+          </a:xfrm>
+        </p:grpSpPr>
+        <p:sp>
+          <p:nvSpPr>
+            <p:cNvPr id="8" name="文本框 7"/>
+            <p:cNvSpPr txBox="1"/>
+            <p:nvPr/>
+          </p:nvSpPr>
+          <p:spPr>
+            <a:xfrm>
+              <a:off x="990600" y="6096000"/>
+              <a:ext cx="3276600" cy="369332"/>
+            </a:xfrm>
+            <a:prstGeom prst="rect">
+              <a:avLst/>
+            </a:prstGeom>
+            <a:noFill/>
+          </p:spPr>
+          <p:txBody>
+            <a:bodyPr wrap="square" rtlCol="0">
+              <a:spAutoFit/>
+            </a:bodyPr>
+            <a:lstStyle/>
+            <a:p>
+              <a:pPr algn="ctr"/>
+              <a:r>
+                <a:rPr kumimoji="1" lang="en-US" altLang="zh-CN" dirty="0" smtClean="0"/>
+                <a:t>Training</a:t>
+              </a:r>
+              <a:endParaRPr kumimoji="1" lang="zh-CN" altLang="en-US" dirty="0"/>
+            </a:p>
+          </p:txBody>
+        </p:sp>
+        <p:pic>
+          <p:nvPicPr>
+            <p:cNvPr id="14" name="图片 13"/>
+            <p:cNvPicPr>
+              <a:picLocks noChangeAspect="1"/>
+            </p:cNvPicPr>
+            <p:nvPr/>
+          </p:nvPicPr>
+          <p:blipFill>
+            <a:blip r:embed="rId3"/>
+            <a:stretch>
+              <a:fillRect/>
+            </a:stretch>
+          </p:blipFill>
+          <p:spPr>
+            <a:xfrm>
+              <a:off x="1066800" y="2819400"/>
+              <a:ext cx="3283312" cy="3200400"/>
+            </a:xfrm>
+            <a:prstGeom prst="rect">
+              <a:avLst/>
+            </a:prstGeom>
+          </p:spPr>
+        </p:pic>
+      </p:grpSp>
     </p:spTree>
     <p:extLst>
       <p:ext uri="{BB962C8B-B14F-4D97-AF65-F5344CB8AC3E}">
@@ -3608,6 +3991,13 @@
   <p:clrMapOvr>
     <a:masterClrMapping/>
   </p:clrMapOvr>
+  <p:timing>
+    <p:tnLst>
+      <p:par>
+        <p:cTn xmlns:p14="http://schemas.microsoft.com/office/powerpoint/2010/main" id="1" dur="indefinite" restart="never" nodeType="tmRoot"/>
+      </p:par>
+    </p:tnLst>
+  </p:timing>
 </p:sld>
 </file>
 
@@ -3643,7 +4033,15 @@
           <a:bodyPr/>
           <a:lstStyle/>
           <a:p>
-            <a:endParaRPr lang="en-US"/>
+            <a:r>
+              <a:rPr lang="en-US" altLang="zh-CN" dirty="0"/>
+              <a:t>Pre-</a:t>
+            </a:r>
+            <a:r>
+              <a:rPr lang="en-US" altLang="zh-CN" dirty="0" smtClean="0"/>
+              <a:t>processing (Cont.)</a:t>
+            </a:r>
+            <a:endParaRPr lang="en-US" dirty="0"/>
           </a:p>
         </p:txBody>
       </p:sp>
@@ -3662,7 +4060,52 @@
           <a:bodyPr/>
           <a:lstStyle/>
           <a:p>
-            <a:endParaRPr lang="en-US"/>
+            <a:r>
+              <a:rPr lang="en-US" dirty="0" smtClean="0"/>
+              <a:t>Open Date</a:t>
+            </a:r>
+          </a:p>
+          <a:p>
+            <a:pPr lvl="1"/>
+            <a:r>
+              <a:rPr lang="en-US" dirty="0" smtClean="0"/>
+              <a:t>Convert from string to numeric type</a:t>
+            </a:r>
+          </a:p>
+          <a:p>
+            <a:pPr lvl="1"/>
+            <a:r>
+              <a:rPr lang="en-US" dirty="0" smtClean="0"/>
+              <a:t>Days opened till 2/1/2014</a:t>
+            </a:r>
+          </a:p>
+          <a:p>
+            <a:r>
+              <a:rPr lang="en-US" dirty="0" smtClean="0"/>
+              <a:t>Feature Scaling</a:t>
+            </a:r>
+          </a:p>
+          <a:p>
+            <a:pPr lvl="1"/>
+            <a:r>
+              <a:rPr lang="en-US" dirty="0" smtClean="0"/>
+              <a:t>Standardize</a:t>
+            </a:r>
+          </a:p>
+          <a:p>
+            <a:pPr lvl="1"/>
+            <a:r>
+              <a:rPr lang="en-US" dirty="0" smtClean="0"/>
+              <a:t>zero mean</a:t>
+            </a:r>
+          </a:p>
+          <a:p>
+            <a:pPr lvl="1"/>
+            <a:r>
+              <a:rPr lang="en-US" dirty="0" smtClean="0"/>
+              <a:t>unit variance</a:t>
+            </a:r>
+            <a:endParaRPr lang="en-US" dirty="0" smtClean="0"/>
           </a:p>
         </p:txBody>
       </p:sp>
@@ -3676,6 +4119,13 @@
   <p:clrMapOvr>
     <a:masterClrMapping/>
   </p:clrMapOvr>
+  <p:timing>
+    <p:tnLst>
+      <p:par>
+        <p:cTn xmlns:p14="http://schemas.microsoft.com/office/powerpoint/2010/main" id="1" dur="indefinite" restart="never" nodeType="tmRoot"/>
+      </p:par>
+    </p:tnLst>
+  </p:timing>
 </p:sld>
 </file>
 
@@ -3698,6 +4148,106 @@
       </p:grpSpPr>
       <p:sp>
         <p:nvSpPr>
+          <p:cNvPr id="2" name="标题 1"/>
+          <p:cNvSpPr>
+            <a:spLocks noGrp="1"/>
+          </p:cNvSpPr>
+          <p:nvPr>
+            <p:ph type="title"/>
+          </p:nvPr>
+        </p:nvSpPr>
+        <p:spPr/>
+        <p:txBody>
+          <a:bodyPr/>
+          <a:lstStyle/>
+          <a:p>
+            <a:r>
+              <a:rPr kumimoji="1" lang="en-US" altLang="zh-CN" dirty="0" smtClean="0"/>
+              <a:t>Exploring the Data</a:t>
+            </a:r>
+            <a:endParaRPr kumimoji="1" lang="zh-CN" altLang="en-US" dirty="0"/>
+          </a:p>
+        </p:txBody>
+      </p:sp>
+      <p:sp>
+        <p:nvSpPr>
+          <p:cNvPr id="3" name="内容占位符 2"/>
+          <p:cNvSpPr>
+            <a:spLocks noGrp="1"/>
+          </p:cNvSpPr>
+          <p:nvPr>
+            <p:ph idx="1"/>
+          </p:nvPr>
+        </p:nvSpPr>
+        <p:spPr/>
+        <p:txBody>
+          <a:bodyPr/>
+          <a:lstStyle/>
+          <a:p>
+            <a:r>
+              <a:rPr kumimoji="1" lang="en-US" altLang="zh-CN" dirty="0" smtClean="0"/>
+              <a:t>Days opened is the most correlated attribute </a:t>
+            </a:r>
+            <a:endParaRPr kumimoji="1" lang="zh-CN" altLang="en-US" dirty="0"/>
+          </a:p>
+        </p:txBody>
+      </p:sp>
+      <p:pic>
+        <p:nvPicPr>
+          <p:cNvPr id="5" name="图片 4"/>
+          <p:cNvPicPr>
+            <a:picLocks noChangeAspect="1"/>
+          </p:cNvPicPr>
+          <p:nvPr/>
+        </p:nvPicPr>
+        <p:blipFill>
+          <a:blip r:embed="rId2"/>
+          <a:stretch>
+            <a:fillRect/>
+          </a:stretch>
+        </p:blipFill>
+        <p:spPr>
+          <a:xfrm>
+            <a:off x="1866056" y="2321939"/>
+            <a:ext cx="5079820" cy="4280309"/>
+          </a:xfrm>
+          <a:prstGeom prst="rect">
+            <a:avLst/>
+          </a:prstGeom>
+        </p:spPr>
+      </p:pic>
+    </p:spTree>
+    <p:extLst>
+      <p:ext uri="{BB962C8B-B14F-4D97-AF65-F5344CB8AC3E}">
+        <p14:creationId xmlns:p14="http://schemas.microsoft.com/office/powerpoint/2010/main" val="1383306667"/>
+      </p:ext>
+    </p:extLst>
+  </p:cSld>
+  <p:clrMapOvr>
+    <a:masterClrMapping/>
+  </p:clrMapOvr>
+</p:sld>
+</file>
+
+<file path=ppt/slides/slide7.xml><?xml version="1.0" encoding="utf-8"?>
+<p:sld xmlns:a="http://schemas.openxmlformats.org/drawingml/2006/main" xmlns:r="http://schemas.openxmlformats.org/officeDocument/2006/relationships" xmlns:p="http://schemas.openxmlformats.org/presentationml/2006/main">
+  <p:cSld>
+    <p:spTree>
+      <p:nvGrpSpPr>
+        <p:cNvPr id="1" name=""/>
+        <p:cNvGrpSpPr/>
+        <p:nvPr/>
+      </p:nvGrpSpPr>
+      <p:grpSpPr>
+        <a:xfrm>
+          <a:off x="0" y="0"/>
+          <a:ext cx="0" cy="0"/>
+          <a:chOff x="0" y="0"/>
+          <a:chExt cx="0" cy="0"/>
+        </a:xfrm>
+      </p:grpSpPr>
+      <p:sp>
+        <p:nvSpPr>
           <p:cNvPr id="2" name="Title 1"/>
           <p:cNvSpPr>
             <a:spLocks noGrp="1"/>
@@ -3731,10 +4281,78 @@
         </p:nvSpPr>
         <p:spPr/>
         <p:txBody>
-          <a:bodyPr/>
-          <a:lstStyle/>
-          <a:p>
-            <a:endParaRPr lang="en-US"/>
+          <a:bodyPr>
+            <a:normAutofit/>
+          </a:bodyPr>
+          <a:lstStyle/>
+          <a:p>
+            <a:r>
+              <a:rPr lang="en-US" dirty="0" smtClean="0"/>
+              <a:t>Train single model</a:t>
+            </a:r>
+          </a:p>
+          <a:p>
+            <a:pPr lvl="1"/>
+            <a:r>
+              <a:rPr lang="en-US" dirty="0" err="1" smtClean="0"/>
+              <a:t>NuSVR</a:t>
+            </a:r>
+            <a:endParaRPr lang="en-US" dirty="0" smtClean="0"/>
+          </a:p>
+          <a:p>
+            <a:pPr lvl="1"/>
+            <a:r>
+              <a:rPr lang="en-US" dirty="0" smtClean="0"/>
+              <a:t>K Nearest Neighbor</a:t>
+            </a:r>
+          </a:p>
+          <a:p>
+            <a:pPr lvl="1"/>
+            <a:r>
+              <a:rPr lang="en-US" altLang="zh-CN" dirty="0" smtClean="0"/>
+              <a:t>Gradient Boosting </a:t>
+            </a:r>
+            <a:r>
+              <a:rPr lang="en-US" altLang="zh-CN" dirty="0" err="1" smtClean="0"/>
+              <a:t>Regressor</a:t>
+            </a:r>
+            <a:endParaRPr lang="en-US" altLang="zh-CN" dirty="0" smtClean="0"/>
+          </a:p>
+          <a:p>
+            <a:r>
+              <a:rPr lang="en-US" altLang="zh-CN" dirty="0" smtClean="0"/>
+              <a:t>Parameters turned based on 5-folds cross validation</a:t>
+            </a:r>
+            <a:endParaRPr lang="en-US" altLang="zh-CN" dirty="0"/>
+          </a:p>
+          <a:p>
+            <a:r>
+              <a:rPr lang="en-US" dirty="0" smtClean="0"/>
+              <a:t>Average the prediction results</a:t>
+            </a:r>
+          </a:p>
+          <a:p>
+            <a:r>
+              <a:rPr lang="en-US" dirty="0" smtClean="0"/>
+              <a:t>Python + </a:t>
+            </a:r>
+            <a:r>
+              <a:rPr lang="en-US" altLang="zh-CN" dirty="0" err="1"/>
+              <a:t>scikit</a:t>
+            </a:r>
+            <a:r>
+              <a:rPr lang="en-US" altLang="zh-CN" dirty="0"/>
+              <a:t>-</a:t>
+            </a:r>
+            <a:r>
+              <a:rPr lang="en-US" altLang="zh-CN" dirty="0" smtClean="0"/>
+              <a:t>learn </a:t>
+            </a:r>
+            <a:r>
+              <a:rPr lang="en-US" dirty="0" smtClean="0"/>
+              <a:t>library</a:t>
+            </a:r>
+            <a:endParaRPr lang="en-US" dirty="0"/>
           </a:p>
         </p:txBody>
       </p:sp>
@@ -3748,6 +4366,445 @@
   <p:clrMapOvr>
     <a:masterClrMapping/>
   </p:clrMapOvr>
+  <p:timing>
+    <p:tnLst>
+      <p:par>
+        <p:cTn xmlns:p14="http://schemas.microsoft.com/office/powerpoint/2010/main" id="1" dur="indefinite" restart="never" nodeType="tmRoot"/>
+      </p:par>
+    </p:tnLst>
+  </p:timing>
+</p:sld>
+</file>
+
+<file path=ppt/slides/slide8.xml><?xml version="1.0" encoding="utf-8"?>
+<p:sld xmlns:a="http://schemas.openxmlformats.org/drawingml/2006/main" xmlns:r="http://schemas.openxmlformats.org/officeDocument/2006/relationships" xmlns:p="http://schemas.openxmlformats.org/presentationml/2006/main">
+  <p:cSld>
+    <p:spTree>
+      <p:nvGrpSpPr>
+        <p:cNvPr id="1" name=""/>
+        <p:cNvGrpSpPr/>
+        <p:nvPr/>
+      </p:nvGrpSpPr>
+      <p:grpSpPr>
+        <a:xfrm>
+          <a:off x="0" y="0"/>
+          <a:ext cx="0" cy="0"/>
+          <a:chOff x="0" y="0"/>
+          <a:chExt cx="0" cy="0"/>
+        </a:xfrm>
+      </p:grpSpPr>
+      <p:sp>
+        <p:nvSpPr>
+          <p:cNvPr id="2" name="标题 1"/>
+          <p:cNvSpPr>
+            <a:spLocks noGrp="1"/>
+          </p:cNvSpPr>
+          <p:nvPr>
+            <p:ph type="title"/>
+          </p:nvPr>
+        </p:nvSpPr>
+        <p:spPr>
+          <a:xfrm>
+            <a:off x="457200" y="274638"/>
+            <a:ext cx="8229600" cy="411162"/>
+          </a:xfrm>
+        </p:spPr>
+        <p:txBody>
+          <a:bodyPr>
+            <a:normAutofit fontScale="90000"/>
+          </a:bodyPr>
+          <a:lstStyle/>
+          <a:p>
+            <a:r>
+              <a:rPr kumimoji="1" lang="en-US" altLang="zh-CN" dirty="0" smtClean="0"/>
+              <a:t>Issues</a:t>
+            </a:r>
+            <a:endParaRPr kumimoji="1" lang="zh-CN" altLang="en-US" dirty="0"/>
+          </a:p>
+        </p:txBody>
+      </p:sp>
+      <p:sp>
+        <p:nvSpPr>
+          <p:cNvPr id="3" name="内容占位符 2"/>
+          <p:cNvSpPr>
+            <a:spLocks noGrp="1"/>
+          </p:cNvSpPr>
+          <p:nvPr>
+            <p:ph idx="1"/>
+          </p:nvPr>
+        </p:nvSpPr>
+        <p:spPr>
+          <a:xfrm>
+            <a:off x="533400" y="838200"/>
+            <a:ext cx="8229600" cy="4525963"/>
+          </a:xfrm>
+        </p:spPr>
+        <p:txBody>
+          <a:bodyPr/>
+          <a:lstStyle/>
+          <a:p>
+            <a:r>
+              <a:rPr kumimoji="1" lang="en-US" altLang="zh-CN" dirty="0" smtClean="0"/>
+              <a:t>Overfitting (training set is too small)</a:t>
+            </a:r>
+          </a:p>
+          <a:p>
+            <a:r>
+              <a:rPr kumimoji="1" lang="en-US" altLang="zh-CN" dirty="0" smtClean="0"/>
+              <a:t>Cross validation can not estimate the performance on test set</a:t>
+            </a:r>
+            <a:endParaRPr kumimoji="1" lang="zh-CN" altLang="en-US" dirty="0"/>
+          </a:p>
+        </p:txBody>
+      </p:sp>
+      <p:pic>
+        <p:nvPicPr>
+          <p:cNvPr id="4" name="图片 3"/>
+          <p:cNvPicPr>
+            <a:picLocks noChangeAspect="1"/>
+          </p:cNvPicPr>
+          <p:nvPr/>
+        </p:nvPicPr>
+        <p:blipFill>
+          <a:blip r:embed="rId2">
+            <a:extLst>
+              <a:ext uri="{28A0092B-C50C-407E-A947-70E740481C1C}">
+                <a14:useLocalDpi xmlns:a14="http://schemas.microsoft.com/office/drawing/2010/main" val="0"/>
+              </a:ext>
+            </a:extLst>
+          </a:blip>
+          <a:stretch>
+            <a:fillRect/>
+          </a:stretch>
+        </p:blipFill>
+        <p:spPr>
+          <a:xfrm>
+            <a:off x="1600200" y="2487928"/>
+            <a:ext cx="5826762" cy="4370072"/>
+          </a:xfrm>
+          <a:prstGeom prst="rect">
+            <a:avLst/>
+          </a:prstGeom>
+        </p:spPr>
+      </p:pic>
+      <p:sp>
+        <p:nvSpPr>
+          <p:cNvPr id="5" name="线形标注 1 4"/>
+          <p:cNvSpPr/>
+          <p:nvPr/>
+        </p:nvSpPr>
+        <p:spPr>
+          <a:xfrm>
+            <a:off x="3657600" y="4724400"/>
+            <a:ext cx="1295400" cy="457200"/>
+          </a:xfrm>
+          <a:prstGeom prst="borderCallout1">
+            <a:avLst>
+              <a:gd name="adj1" fmla="val 18750"/>
+              <a:gd name="adj2" fmla="val -8333"/>
+              <a:gd name="adj3" fmla="val 217365"/>
+              <a:gd name="adj4" fmla="val -37333"/>
+            </a:avLst>
+          </a:prstGeom>
+        </p:spPr>
+        <p:style>
+          <a:lnRef idx="2">
+            <a:schemeClr val="accent2"/>
+          </a:lnRef>
+          <a:fillRef idx="1">
+            <a:schemeClr val="lt1"/>
+          </a:fillRef>
+          <a:effectRef idx="0">
+            <a:schemeClr val="accent2"/>
+          </a:effectRef>
+          <a:fontRef idx="minor">
+            <a:schemeClr val="dk1"/>
+          </a:fontRef>
+        </p:style>
+        <p:txBody>
+          <a:bodyPr rtlCol="0" anchor="ctr"/>
+          <a:lstStyle/>
+          <a:p>
+            <a:pPr algn="ctr"/>
+            <a:r>
+              <a:rPr kumimoji="1" lang="en-US" altLang="zh-CN" dirty="0" smtClean="0"/>
+              <a:t>Rank 115</a:t>
+            </a:r>
+            <a:endParaRPr kumimoji="1" lang="zh-CN" altLang="en-US" dirty="0"/>
+          </a:p>
+        </p:txBody>
+      </p:sp>
+      <p:sp>
+        <p:nvSpPr>
+          <p:cNvPr id="6" name="线形标注 1 5"/>
+          <p:cNvSpPr/>
+          <p:nvPr/>
+        </p:nvSpPr>
+        <p:spPr>
+          <a:xfrm flipH="1">
+            <a:off x="2667000" y="3581400"/>
+            <a:ext cx="1295400" cy="457200"/>
+          </a:xfrm>
+          <a:prstGeom prst="borderCallout1">
+            <a:avLst>
+              <a:gd name="adj1" fmla="val 18750"/>
+              <a:gd name="adj2" fmla="val -8333"/>
+              <a:gd name="adj3" fmla="val -49049"/>
+              <a:gd name="adj4" fmla="val -43335"/>
+            </a:avLst>
+          </a:prstGeom>
+        </p:spPr>
+        <p:style>
+          <a:lnRef idx="2">
+            <a:schemeClr val="accent2"/>
+          </a:lnRef>
+          <a:fillRef idx="1">
+            <a:schemeClr val="lt1"/>
+          </a:fillRef>
+          <a:effectRef idx="0">
+            <a:schemeClr val="accent2"/>
+          </a:effectRef>
+          <a:fontRef idx="minor">
+            <a:schemeClr val="dk1"/>
+          </a:fontRef>
+        </p:style>
+        <p:txBody>
+          <a:bodyPr rtlCol="0" anchor="ctr"/>
+          <a:lstStyle/>
+          <a:p>
+            <a:pPr algn="ctr"/>
+            <a:r>
+              <a:rPr kumimoji="1" lang="en-US" altLang="zh-CN" dirty="0" smtClean="0"/>
+              <a:t>Rank 1890</a:t>
+            </a:r>
+            <a:endParaRPr kumimoji="1" lang="zh-CN" altLang="en-US" dirty="0"/>
+          </a:p>
+        </p:txBody>
+      </p:sp>
+      <p:sp>
+        <p:nvSpPr>
+          <p:cNvPr id="7" name="线形标注 1 6"/>
+          <p:cNvSpPr/>
+          <p:nvPr/>
+        </p:nvSpPr>
+        <p:spPr>
+          <a:xfrm>
+            <a:off x="5715000" y="4343400"/>
+            <a:ext cx="1295400" cy="457200"/>
+          </a:xfrm>
+          <a:prstGeom prst="borderCallout1">
+            <a:avLst>
+              <a:gd name="adj1" fmla="val 18750"/>
+              <a:gd name="adj2" fmla="val -8333"/>
+              <a:gd name="adj3" fmla="val 135174"/>
+              <a:gd name="adj4" fmla="val -25329"/>
+            </a:avLst>
+          </a:prstGeom>
+        </p:spPr>
+        <p:style>
+          <a:lnRef idx="2">
+            <a:schemeClr val="accent2"/>
+          </a:lnRef>
+          <a:fillRef idx="1">
+            <a:schemeClr val="lt1"/>
+          </a:fillRef>
+          <a:effectRef idx="0">
+            <a:schemeClr val="accent2"/>
+          </a:effectRef>
+          <a:fontRef idx="minor">
+            <a:schemeClr val="dk1"/>
+          </a:fontRef>
+        </p:style>
+        <p:txBody>
+          <a:bodyPr rtlCol="0" anchor="ctr"/>
+          <a:lstStyle/>
+          <a:p>
+            <a:pPr algn="ctr"/>
+            <a:r>
+              <a:rPr kumimoji="1" lang="en-US" altLang="zh-CN" dirty="0" smtClean="0"/>
+              <a:t>Rank 866</a:t>
+            </a:r>
+            <a:endParaRPr kumimoji="1" lang="zh-CN" altLang="en-US" dirty="0"/>
+          </a:p>
+        </p:txBody>
+      </p:sp>
+    </p:spTree>
+    <p:extLst>
+      <p:ext uri="{BB962C8B-B14F-4D97-AF65-F5344CB8AC3E}">
+        <p14:creationId xmlns:p14="http://schemas.microsoft.com/office/powerpoint/2010/main" val="4262006165"/>
+      </p:ext>
+    </p:extLst>
+  </p:cSld>
+  <p:clrMapOvr>
+    <a:masterClrMapping/>
+  </p:clrMapOvr>
+  <p:timing>
+    <p:tnLst>
+      <p:par>
+        <p:cTn xmlns:p14="http://schemas.microsoft.com/office/powerpoint/2010/main" id="1" dur="indefinite" restart="never" nodeType="tmRoot"/>
+      </p:par>
+    </p:tnLst>
+  </p:timing>
+</p:sld>
+</file>
+
+<file path=ppt/slides/slide9.xml><?xml version="1.0" encoding="utf-8"?>
+<p:sld xmlns:a="http://schemas.openxmlformats.org/drawingml/2006/main" xmlns:r="http://schemas.openxmlformats.org/officeDocument/2006/relationships" xmlns:p="http://schemas.openxmlformats.org/presentationml/2006/main">
+  <p:cSld>
+    <p:spTree>
+      <p:nvGrpSpPr>
+        <p:cNvPr id="1" name=""/>
+        <p:cNvGrpSpPr/>
+        <p:nvPr/>
+      </p:nvGrpSpPr>
+      <p:grpSpPr>
+        <a:xfrm>
+          <a:off x="0" y="0"/>
+          <a:ext cx="0" cy="0"/>
+          <a:chOff x="0" y="0"/>
+          <a:chExt cx="0" cy="0"/>
+        </a:xfrm>
+      </p:grpSpPr>
+      <p:sp>
+        <p:nvSpPr>
+          <p:cNvPr id="2" name="标题 1"/>
+          <p:cNvSpPr>
+            <a:spLocks noGrp="1"/>
+          </p:cNvSpPr>
+          <p:nvPr>
+            <p:ph type="title"/>
+          </p:nvPr>
+        </p:nvSpPr>
+        <p:spPr/>
+        <p:txBody>
+          <a:bodyPr/>
+          <a:lstStyle/>
+          <a:p>
+            <a:r>
+              <a:rPr kumimoji="1" lang="en-US" altLang="zh-CN" dirty="0" smtClean="0"/>
+              <a:t>Results on Public Board</a:t>
+            </a:r>
+            <a:endParaRPr kumimoji="1" lang="zh-CN" altLang="en-US" dirty="0"/>
+          </a:p>
+        </p:txBody>
+      </p:sp>
+      <p:sp>
+        <p:nvSpPr>
+          <p:cNvPr id="3" name="内容占位符 2"/>
+          <p:cNvSpPr>
+            <a:spLocks noGrp="1"/>
+          </p:cNvSpPr>
+          <p:nvPr>
+            <p:ph idx="1"/>
+          </p:nvPr>
+        </p:nvSpPr>
+        <p:spPr/>
+        <p:txBody>
+          <a:bodyPr/>
+          <a:lstStyle/>
+          <a:p>
+            <a:r>
+              <a:rPr kumimoji="1" lang="en-US" altLang="zh-CN" dirty="0" smtClean="0"/>
+              <a:t>Rank 1xx / 22xx teams</a:t>
+            </a:r>
+            <a:endParaRPr kumimoji="1" lang="zh-CN" altLang="en-US" dirty="0"/>
+          </a:p>
+        </p:txBody>
+      </p:sp>
+      <p:pic>
+        <p:nvPicPr>
+          <p:cNvPr id="4" name="图片 3"/>
+          <p:cNvPicPr>
+            <a:picLocks noChangeAspect="1"/>
+          </p:cNvPicPr>
+          <p:nvPr/>
+        </p:nvPicPr>
+        <p:blipFill>
+          <a:blip r:embed="rId2">
+            <a:extLst>
+              <a:ext uri="{28A0092B-C50C-407E-A947-70E740481C1C}">
+                <a14:useLocalDpi xmlns:a14="http://schemas.microsoft.com/office/drawing/2010/main" val="0"/>
+              </a:ext>
+            </a:extLst>
+          </a:blip>
+          <a:stretch>
+            <a:fillRect/>
+          </a:stretch>
+        </p:blipFill>
+        <p:spPr>
+          <a:xfrm>
+            <a:off x="1295400" y="2057400"/>
+            <a:ext cx="6400800" cy="4800600"/>
+          </a:xfrm>
+          <a:prstGeom prst="rect">
+            <a:avLst/>
+          </a:prstGeom>
+        </p:spPr>
+      </p:pic>
+      <p:sp>
+        <p:nvSpPr>
+          <p:cNvPr id="5" name="线形标注 1 4"/>
+          <p:cNvSpPr/>
+          <p:nvPr/>
+        </p:nvSpPr>
+        <p:spPr>
+          <a:xfrm>
+            <a:off x="3048000" y="3962400"/>
+            <a:ext cx="1905000" cy="609600"/>
+          </a:xfrm>
+          <a:prstGeom prst="borderCallout1">
+            <a:avLst>
+              <a:gd name="adj1" fmla="val 18750"/>
+              <a:gd name="adj2" fmla="val -8333"/>
+              <a:gd name="adj3" fmla="val 280426"/>
+              <a:gd name="adj4" fmla="val -40374"/>
+            </a:avLst>
+          </a:prstGeom>
+        </p:spPr>
+        <p:style>
+          <a:lnRef idx="2">
+            <a:schemeClr val="accent2"/>
+          </a:lnRef>
+          <a:fillRef idx="1">
+            <a:schemeClr val="lt1"/>
+          </a:fillRef>
+          <a:effectRef idx="0">
+            <a:schemeClr val="accent2"/>
+          </a:effectRef>
+          <a:fontRef idx="minor">
+            <a:schemeClr val="dk1"/>
+          </a:fontRef>
+        </p:style>
+        <p:txBody>
+          <a:bodyPr rtlCol="0" anchor="ctr"/>
+          <a:lstStyle/>
+          <a:p>
+            <a:pPr algn="ctr"/>
+            <a:r>
+              <a:rPr kumimoji="1" lang="en-US" altLang="zh-CN" dirty="0" smtClean="0"/>
+              <a:t>We are here</a:t>
+            </a:r>
+            <a:endParaRPr kumimoji="1" lang="zh-CN" altLang="en-US" dirty="0"/>
+          </a:p>
+        </p:txBody>
+      </p:sp>
+    </p:spTree>
+    <p:extLst>
+      <p:ext uri="{BB962C8B-B14F-4D97-AF65-F5344CB8AC3E}">
+        <p14:creationId xmlns:p14="http://schemas.microsoft.com/office/powerpoint/2010/main" val="4030098551"/>
+      </p:ext>
+    </p:extLst>
+  </p:cSld>
+  <p:clrMapOvr>
+    <a:masterClrMapping/>
+  </p:clrMapOvr>
+  <p:timing>
+    <p:tnLst>
+      <p:par>
+        <p:cTn xmlns:p14="http://schemas.microsoft.com/office/powerpoint/2010/main" id="1" dur="indefinite" restart="never" nodeType="tmRoot"/>
+      </p:par>
+    </p:tnLst>
+  </p:timing>
 </p:sld>
 </file>
 

--- a/doc/report/revenue-prediction.pptx
+++ b/doc/report/revenue-prediction.pptx
@@ -4,17 +4,25 @@
   <p:sldMasterIdLst>
     <p:sldMasterId id="2147483648" r:id="rId1"/>
   </p:sldMasterIdLst>
+  <p:notesMasterIdLst>
+    <p:notesMasterId r:id="rId17"/>
+  </p:notesMasterIdLst>
   <p:sldIdLst>
     <p:sldId id="256" r:id="rId2"/>
     <p:sldId id="257" r:id="rId3"/>
-    <p:sldId id="258" r:id="rId4"/>
-    <p:sldId id="259" r:id="rId5"/>
-    <p:sldId id="261" r:id="rId6"/>
-    <p:sldId id="262" r:id="rId7"/>
-    <p:sldId id="260" r:id="rId8"/>
-    <p:sldId id="263" r:id="rId9"/>
-    <p:sldId id="264" r:id="rId10"/>
-    <p:sldId id="265" r:id="rId11"/>
+    <p:sldId id="266" r:id="rId4"/>
+    <p:sldId id="258" r:id="rId5"/>
+    <p:sldId id="259" r:id="rId6"/>
+    <p:sldId id="261" r:id="rId7"/>
+    <p:sldId id="267" r:id="rId8"/>
+    <p:sldId id="269" r:id="rId9"/>
+    <p:sldId id="260" r:id="rId10"/>
+    <p:sldId id="270" r:id="rId11"/>
+    <p:sldId id="263" r:id="rId12"/>
+    <p:sldId id="264" r:id="rId13"/>
+    <p:sldId id="265" r:id="rId14"/>
+    <p:sldId id="271" r:id="rId15"/>
+    <p:sldId id="272" r:id="rId16"/>
   </p:sldIdLst>
   <p:sldSz cx="9144000" cy="6858000" type="screen4x3"/>
   <p:notesSz cx="6858000" cy="9144000"/>
@@ -116,6 +124,620 @@
 </p:presentation>
 </file>
 
+<file path=ppt/notesMasters/notesMaster1.xml><?xml version="1.0" encoding="utf-8"?>
+<p:notesMaster xmlns:a="http://schemas.openxmlformats.org/drawingml/2006/main" xmlns:r="http://schemas.openxmlformats.org/officeDocument/2006/relationships" xmlns:p="http://schemas.openxmlformats.org/presentationml/2006/main">
+  <p:cSld>
+    <p:bg>
+      <p:bgRef idx="1001">
+        <a:schemeClr val="bg1"/>
+      </p:bgRef>
+    </p:bg>
+    <p:spTree>
+      <p:nvGrpSpPr>
+        <p:cNvPr id="1" name=""/>
+        <p:cNvGrpSpPr/>
+        <p:nvPr/>
+      </p:nvGrpSpPr>
+      <p:grpSpPr>
+        <a:xfrm>
+          <a:off x="0" y="0"/>
+          <a:ext cx="0" cy="0"/>
+          <a:chOff x="0" y="0"/>
+          <a:chExt cx="0" cy="0"/>
+        </a:xfrm>
+      </p:grpSpPr>
+      <p:sp>
+        <p:nvSpPr>
+          <p:cNvPr id="2" name="Header Placeholder 1"/>
+          <p:cNvSpPr>
+            <a:spLocks noGrp="1"/>
+          </p:cNvSpPr>
+          <p:nvPr>
+            <p:ph type="hdr" sz="quarter"/>
+          </p:nvPr>
+        </p:nvSpPr>
+        <p:spPr>
+          <a:xfrm>
+            <a:off x="0" y="0"/>
+            <a:ext cx="2971800" cy="457200"/>
+          </a:xfrm>
+          <a:prstGeom prst="rect">
+            <a:avLst/>
+          </a:prstGeom>
+        </p:spPr>
+        <p:txBody>
+          <a:bodyPr vert="horz" lIns="91440" tIns="45720" rIns="91440" bIns="45720" rtlCol="0"/>
+          <a:lstStyle>
+            <a:lvl1pPr algn="l">
+              <a:defRPr sz="1200"/>
+            </a:lvl1pPr>
+          </a:lstStyle>
+          <a:p>
+            <a:endParaRPr lang="en-US"/>
+          </a:p>
+        </p:txBody>
+      </p:sp>
+      <p:sp>
+        <p:nvSpPr>
+          <p:cNvPr id="3" name="Date Placeholder 2"/>
+          <p:cNvSpPr>
+            <a:spLocks noGrp="1"/>
+          </p:cNvSpPr>
+          <p:nvPr>
+            <p:ph type="dt" idx="1"/>
+          </p:nvPr>
+        </p:nvSpPr>
+        <p:spPr>
+          <a:xfrm>
+            <a:off x="3884613" y="0"/>
+            <a:ext cx="2971800" cy="457200"/>
+          </a:xfrm>
+          <a:prstGeom prst="rect">
+            <a:avLst/>
+          </a:prstGeom>
+        </p:spPr>
+        <p:txBody>
+          <a:bodyPr vert="horz" lIns="91440" tIns="45720" rIns="91440" bIns="45720" rtlCol="0"/>
+          <a:lstStyle>
+            <a:lvl1pPr algn="r">
+              <a:defRPr sz="1200"/>
+            </a:lvl1pPr>
+          </a:lstStyle>
+          <a:p>
+            <a:fld id="{748AB8CE-FDAE-4CE5-A199-BD7C66646063}" type="datetimeFigureOut">
+              <a:rPr lang="en-US" smtClean="0"/>
+              <a:t>5/1/2015</a:t>
+            </a:fld>
+            <a:endParaRPr lang="en-US"/>
+          </a:p>
+        </p:txBody>
+      </p:sp>
+      <p:sp>
+        <p:nvSpPr>
+          <p:cNvPr id="4" name="Slide Image Placeholder 3"/>
+          <p:cNvSpPr>
+            <a:spLocks noGrp="1" noRot="1" noChangeAspect="1"/>
+          </p:cNvSpPr>
+          <p:nvPr>
+            <p:ph type="sldImg" idx="2"/>
+          </p:nvPr>
+        </p:nvSpPr>
+        <p:spPr>
+          <a:xfrm>
+            <a:off x="1143000" y="685800"/>
+            <a:ext cx="4572000" cy="3429000"/>
+          </a:xfrm>
+          <a:prstGeom prst="rect">
+            <a:avLst/>
+          </a:prstGeom>
+          <a:noFill/>
+          <a:ln w="12700">
+            <a:solidFill>
+              <a:prstClr val="black"/>
+            </a:solidFill>
+          </a:ln>
+        </p:spPr>
+        <p:txBody>
+          <a:bodyPr vert="horz" lIns="91440" tIns="45720" rIns="91440" bIns="45720" rtlCol="0" anchor="ctr"/>
+          <a:lstStyle/>
+          <a:p>
+            <a:endParaRPr lang="en-US"/>
+          </a:p>
+        </p:txBody>
+      </p:sp>
+      <p:sp>
+        <p:nvSpPr>
+          <p:cNvPr id="5" name="Notes Placeholder 4"/>
+          <p:cNvSpPr>
+            <a:spLocks noGrp="1"/>
+          </p:cNvSpPr>
+          <p:nvPr>
+            <p:ph type="body" sz="quarter" idx="3"/>
+          </p:nvPr>
+        </p:nvSpPr>
+        <p:spPr>
+          <a:xfrm>
+            <a:off x="685800" y="4343400"/>
+            <a:ext cx="5486400" cy="4114800"/>
+          </a:xfrm>
+          <a:prstGeom prst="rect">
+            <a:avLst/>
+          </a:prstGeom>
+        </p:spPr>
+        <p:txBody>
+          <a:bodyPr vert="horz" lIns="91440" tIns="45720" rIns="91440" bIns="45720" rtlCol="0"/>
+          <a:lstStyle/>
+          <a:p>
+            <a:pPr lvl="0"/>
+            <a:r>
+              <a:rPr lang="en-US" smtClean="0"/>
+              <a:t>Click to edit Master text styles</a:t>
+            </a:r>
+          </a:p>
+          <a:p>
+            <a:pPr lvl="1"/>
+            <a:r>
+              <a:rPr lang="en-US" smtClean="0"/>
+              <a:t>Second level</a:t>
+            </a:r>
+          </a:p>
+          <a:p>
+            <a:pPr lvl="2"/>
+            <a:r>
+              <a:rPr lang="en-US" smtClean="0"/>
+              <a:t>Third level</a:t>
+            </a:r>
+          </a:p>
+          <a:p>
+            <a:pPr lvl="3"/>
+            <a:r>
+              <a:rPr lang="en-US" smtClean="0"/>
+              <a:t>Fourth level</a:t>
+            </a:r>
+          </a:p>
+          <a:p>
+            <a:pPr lvl="4"/>
+            <a:r>
+              <a:rPr lang="en-US" smtClean="0"/>
+              <a:t>Fifth level</a:t>
+            </a:r>
+            <a:endParaRPr lang="en-US"/>
+          </a:p>
+        </p:txBody>
+      </p:sp>
+      <p:sp>
+        <p:nvSpPr>
+          <p:cNvPr id="6" name="Footer Placeholder 5"/>
+          <p:cNvSpPr>
+            <a:spLocks noGrp="1"/>
+          </p:cNvSpPr>
+          <p:nvPr>
+            <p:ph type="ftr" sz="quarter" idx="4"/>
+          </p:nvPr>
+        </p:nvSpPr>
+        <p:spPr>
+          <a:xfrm>
+            <a:off x="0" y="8685213"/>
+            <a:ext cx="2971800" cy="457200"/>
+          </a:xfrm>
+          <a:prstGeom prst="rect">
+            <a:avLst/>
+          </a:prstGeom>
+        </p:spPr>
+        <p:txBody>
+          <a:bodyPr vert="horz" lIns="91440" tIns="45720" rIns="91440" bIns="45720" rtlCol="0" anchor="b"/>
+          <a:lstStyle>
+            <a:lvl1pPr algn="l">
+              <a:defRPr sz="1200"/>
+            </a:lvl1pPr>
+          </a:lstStyle>
+          <a:p>
+            <a:endParaRPr lang="en-US"/>
+          </a:p>
+        </p:txBody>
+      </p:sp>
+      <p:sp>
+        <p:nvSpPr>
+          <p:cNvPr id="7" name="Slide Number Placeholder 6"/>
+          <p:cNvSpPr>
+            <a:spLocks noGrp="1"/>
+          </p:cNvSpPr>
+          <p:nvPr>
+            <p:ph type="sldNum" sz="quarter" idx="5"/>
+          </p:nvPr>
+        </p:nvSpPr>
+        <p:spPr>
+          <a:xfrm>
+            <a:off x="3884613" y="8685213"/>
+            <a:ext cx="2971800" cy="457200"/>
+          </a:xfrm>
+          <a:prstGeom prst="rect">
+            <a:avLst/>
+          </a:prstGeom>
+        </p:spPr>
+        <p:txBody>
+          <a:bodyPr vert="horz" lIns="91440" tIns="45720" rIns="91440" bIns="45720" rtlCol="0" anchor="b"/>
+          <a:lstStyle>
+            <a:lvl1pPr algn="r">
+              <a:defRPr sz="1200"/>
+            </a:lvl1pPr>
+          </a:lstStyle>
+          <a:p>
+            <a:fld id="{E0542D34-12F8-4BA5-8DE9-FE2BC539FB18}" type="slidenum">
+              <a:rPr lang="en-US" smtClean="0"/>
+              <a:t>‹#›</a:t>
+            </a:fld>
+            <a:endParaRPr lang="en-US"/>
+          </a:p>
+        </p:txBody>
+      </p:sp>
+    </p:spTree>
+    <p:extLst>
+      <p:ext uri="{BB962C8B-B14F-4D97-AF65-F5344CB8AC3E}">
+        <p14:creationId xmlns:p14="http://schemas.microsoft.com/office/powerpoint/2010/main" val="1834095069"/>
+      </p:ext>
+    </p:extLst>
+  </p:cSld>
+  <p:clrMap bg1="lt1" tx1="dk1" bg2="lt2" tx2="dk2" accent1="accent1" accent2="accent2" accent3="accent3" accent4="accent4" accent5="accent5" accent6="accent6" hlink="hlink" folHlink="folHlink"/>
+  <p:notesStyle>
+    <a:lvl1pPr marL="0" algn="l" defTabSz="914400" rtl="0" eaLnBrk="1" latinLnBrk="0" hangingPunct="1">
+      <a:defRPr sz="1200" kern="1200">
+        <a:solidFill>
+          <a:schemeClr val="tx1"/>
+        </a:solidFill>
+        <a:latin typeface="+mn-lt"/>
+        <a:ea typeface="+mn-ea"/>
+        <a:cs typeface="+mn-cs"/>
+      </a:defRPr>
+    </a:lvl1pPr>
+    <a:lvl2pPr marL="457200" algn="l" defTabSz="914400" rtl="0" eaLnBrk="1" latinLnBrk="0" hangingPunct="1">
+      <a:defRPr sz="1200" kern="1200">
+        <a:solidFill>
+          <a:schemeClr val="tx1"/>
+        </a:solidFill>
+        <a:latin typeface="+mn-lt"/>
+        <a:ea typeface="+mn-ea"/>
+        <a:cs typeface="+mn-cs"/>
+      </a:defRPr>
+    </a:lvl2pPr>
+    <a:lvl3pPr marL="914400" algn="l" defTabSz="914400" rtl="0" eaLnBrk="1" latinLnBrk="0" hangingPunct="1">
+      <a:defRPr sz="1200" kern="1200">
+        <a:solidFill>
+          <a:schemeClr val="tx1"/>
+        </a:solidFill>
+        <a:latin typeface="+mn-lt"/>
+        <a:ea typeface="+mn-ea"/>
+        <a:cs typeface="+mn-cs"/>
+      </a:defRPr>
+    </a:lvl3pPr>
+    <a:lvl4pPr marL="1371600" algn="l" defTabSz="914400" rtl="0" eaLnBrk="1" latinLnBrk="0" hangingPunct="1">
+      <a:defRPr sz="1200" kern="1200">
+        <a:solidFill>
+          <a:schemeClr val="tx1"/>
+        </a:solidFill>
+        <a:latin typeface="+mn-lt"/>
+        <a:ea typeface="+mn-ea"/>
+        <a:cs typeface="+mn-cs"/>
+      </a:defRPr>
+    </a:lvl4pPr>
+    <a:lvl5pPr marL="1828800" algn="l" defTabSz="914400" rtl="0" eaLnBrk="1" latinLnBrk="0" hangingPunct="1">
+      <a:defRPr sz="1200" kern="1200">
+        <a:solidFill>
+          <a:schemeClr val="tx1"/>
+        </a:solidFill>
+        <a:latin typeface="+mn-lt"/>
+        <a:ea typeface="+mn-ea"/>
+        <a:cs typeface="+mn-cs"/>
+      </a:defRPr>
+    </a:lvl5pPr>
+    <a:lvl6pPr marL="2286000" algn="l" defTabSz="914400" rtl="0" eaLnBrk="1" latinLnBrk="0" hangingPunct="1">
+      <a:defRPr sz="1200" kern="1200">
+        <a:solidFill>
+          <a:schemeClr val="tx1"/>
+        </a:solidFill>
+        <a:latin typeface="+mn-lt"/>
+        <a:ea typeface="+mn-ea"/>
+        <a:cs typeface="+mn-cs"/>
+      </a:defRPr>
+    </a:lvl6pPr>
+    <a:lvl7pPr marL="2743200" algn="l" defTabSz="914400" rtl="0" eaLnBrk="1" latinLnBrk="0" hangingPunct="1">
+      <a:defRPr sz="1200" kern="1200">
+        <a:solidFill>
+          <a:schemeClr val="tx1"/>
+        </a:solidFill>
+        <a:latin typeface="+mn-lt"/>
+        <a:ea typeface="+mn-ea"/>
+        <a:cs typeface="+mn-cs"/>
+      </a:defRPr>
+    </a:lvl7pPr>
+    <a:lvl8pPr marL="3200400" algn="l" defTabSz="914400" rtl="0" eaLnBrk="1" latinLnBrk="0" hangingPunct="1">
+      <a:defRPr sz="1200" kern="1200">
+        <a:solidFill>
+          <a:schemeClr val="tx1"/>
+        </a:solidFill>
+        <a:latin typeface="+mn-lt"/>
+        <a:ea typeface="+mn-ea"/>
+        <a:cs typeface="+mn-cs"/>
+      </a:defRPr>
+    </a:lvl8pPr>
+    <a:lvl9pPr marL="3657600" algn="l" defTabSz="914400" rtl="0" eaLnBrk="1" latinLnBrk="0" hangingPunct="1">
+      <a:defRPr sz="1200" kern="1200">
+        <a:solidFill>
+          <a:schemeClr val="tx1"/>
+        </a:solidFill>
+        <a:latin typeface="+mn-lt"/>
+        <a:ea typeface="+mn-ea"/>
+        <a:cs typeface="+mn-cs"/>
+      </a:defRPr>
+    </a:lvl9pPr>
+  </p:notesStyle>
+</p:notesMaster>
+</file>
+
+<file path=ppt/notesSlides/notesSlide1.xml><?xml version="1.0" encoding="utf-8"?>
+<p:notes xmlns:a="http://schemas.openxmlformats.org/drawingml/2006/main" xmlns:r="http://schemas.openxmlformats.org/officeDocument/2006/relationships" xmlns:p="http://schemas.openxmlformats.org/presentationml/2006/main">
+  <p:cSld>
+    <p:spTree>
+      <p:nvGrpSpPr>
+        <p:cNvPr id="1" name=""/>
+        <p:cNvGrpSpPr/>
+        <p:nvPr/>
+      </p:nvGrpSpPr>
+      <p:grpSpPr>
+        <a:xfrm>
+          <a:off x="0" y="0"/>
+          <a:ext cx="0" cy="0"/>
+          <a:chOff x="0" y="0"/>
+          <a:chExt cx="0" cy="0"/>
+        </a:xfrm>
+      </p:grpSpPr>
+      <p:sp>
+        <p:nvSpPr>
+          <p:cNvPr id="2" name="Slide Image Placeholder 1"/>
+          <p:cNvSpPr>
+            <a:spLocks noGrp="1" noRot="1" noChangeAspect="1"/>
+          </p:cNvSpPr>
+          <p:nvPr>
+            <p:ph type="sldImg"/>
+          </p:nvPr>
+        </p:nvSpPr>
+        <p:spPr/>
+      </p:sp>
+      <p:sp>
+        <p:nvSpPr>
+          <p:cNvPr id="3" name="Notes Placeholder 2"/>
+          <p:cNvSpPr>
+            <a:spLocks noGrp="1"/>
+          </p:cNvSpPr>
+          <p:nvPr>
+            <p:ph type="body" idx="1"/>
+          </p:nvPr>
+        </p:nvSpPr>
+        <p:spPr/>
+        <p:txBody>
+          <a:bodyPr/>
+          <a:lstStyle/>
+          <a:p>
+            <a:r>
+              <a:rPr lang="en-US" dirty="0" smtClean="0"/>
+              <a:t>What does missing value mean?</a:t>
+            </a:r>
+            <a:endParaRPr lang="en-US" dirty="0"/>
+          </a:p>
+        </p:txBody>
+      </p:sp>
+      <p:sp>
+        <p:nvSpPr>
+          <p:cNvPr id="4" name="Slide Number Placeholder 3"/>
+          <p:cNvSpPr>
+            <a:spLocks noGrp="1"/>
+          </p:cNvSpPr>
+          <p:nvPr>
+            <p:ph type="sldNum" sz="quarter" idx="10"/>
+          </p:nvPr>
+        </p:nvSpPr>
+        <p:spPr/>
+        <p:txBody>
+          <a:bodyPr/>
+          <a:lstStyle/>
+          <a:p>
+            <a:fld id="{E0542D34-12F8-4BA5-8DE9-FE2BC539FB18}" type="slidenum">
+              <a:rPr lang="en-US" smtClean="0"/>
+              <a:t>5</a:t>
+            </a:fld>
+            <a:endParaRPr lang="en-US"/>
+          </a:p>
+        </p:txBody>
+      </p:sp>
+    </p:spTree>
+    <p:extLst>
+      <p:ext uri="{BB962C8B-B14F-4D97-AF65-F5344CB8AC3E}">
+        <p14:creationId xmlns:p14="http://schemas.microsoft.com/office/powerpoint/2010/main" val="1995193630"/>
+      </p:ext>
+    </p:extLst>
+  </p:cSld>
+  <p:clrMapOvr>
+    <a:masterClrMapping/>
+  </p:clrMapOvr>
+</p:notes>
+</file>
+
+<file path=ppt/notesSlides/notesSlide2.xml><?xml version="1.0" encoding="utf-8"?>
+<p:notes xmlns:a="http://schemas.openxmlformats.org/drawingml/2006/main" xmlns:r="http://schemas.openxmlformats.org/officeDocument/2006/relationships" xmlns:p="http://schemas.openxmlformats.org/presentationml/2006/main">
+  <p:cSld>
+    <p:spTree>
+      <p:nvGrpSpPr>
+        <p:cNvPr id="1" name=""/>
+        <p:cNvGrpSpPr/>
+        <p:nvPr/>
+      </p:nvGrpSpPr>
+      <p:grpSpPr>
+        <a:xfrm>
+          <a:off x="0" y="0"/>
+          <a:ext cx="0" cy="0"/>
+          <a:chOff x="0" y="0"/>
+          <a:chExt cx="0" cy="0"/>
+        </a:xfrm>
+      </p:grpSpPr>
+      <p:sp>
+        <p:nvSpPr>
+          <p:cNvPr id="2" name="Slide Image Placeholder 1"/>
+          <p:cNvSpPr>
+            <a:spLocks noGrp="1" noRot="1" noChangeAspect="1"/>
+          </p:cNvSpPr>
+          <p:nvPr>
+            <p:ph type="sldImg"/>
+          </p:nvPr>
+        </p:nvSpPr>
+        <p:spPr/>
+      </p:sp>
+      <p:sp>
+        <p:nvSpPr>
+          <p:cNvPr id="3" name="Notes Placeholder 2"/>
+          <p:cNvSpPr>
+            <a:spLocks noGrp="1"/>
+          </p:cNvSpPr>
+          <p:nvPr>
+            <p:ph type="body" idx="1"/>
+          </p:nvPr>
+        </p:nvSpPr>
+        <p:spPr/>
+        <p:txBody>
+          <a:bodyPr/>
+          <a:lstStyle/>
+          <a:p>
+            <a:r>
+              <a:rPr lang="en-US" dirty="0" smtClean="0"/>
+              <a:t>Unit</a:t>
+            </a:r>
+            <a:r>
+              <a:rPr lang="en-US" baseline="0" dirty="0" smtClean="0"/>
+              <a:t> variance? Zero mean?</a:t>
+            </a:r>
+            <a:endParaRPr lang="en-US" dirty="0"/>
+          </a:p>
+        </p:txBody>
+      </p:sp>
+      <p:sp>
+        <p:nvSpPr>
+          <p:cNvPr id="4" name="Slide Number Placeholder 3"/>
+          <p:cNvSpPr>
+            <a:spLocks noGrp="1"/>
+          </p:cNvSpPr>
+          <p:nvPr>
+            <p:ph type="sldNum" sz="quarter" idx="10"/>
+          </p:nvPr>
+        </p:nvSpPr>
+        <p:spPr/>
+        <p:txBody>
+          <a:bodyPr/>
+          <a:lstStyle/>
+          <a:p>
+            <a:fld id="{E0542D34-12F8-4BA5-8DE9-FE2BC539FB18}" type="slidenum">
+              <a:rPr lang="en-US" smtClean="0"/>
+              <a:t>6</a:t>
+            </a:fld>
+            <a:endParaRPr lang="en-US"/>
+          </a:p>
+        </p:txBody>
+      </p:sp>
+    </p:spTree>
+    <p:extLst>
+      <p:ext uri="{BB962C8B-B14F-4D97-AF65-F5344CB8AC3E}">
+        <p14:creationId xmlns:p14="http://schemas.microsoft.com/office/powerpoint/2010/main" val="3717274036"/>
+      </p:ext>
+    </p:extLst>
+  </p:cSld>
+  <p:clrMapOvr>
+    <a:masterClrMapping/>
+  </p:clrMapOvr>
+</p:notes>
+</file>
+
+<file path=ppt/notesSlides/notesSlide3.xml><?xml version="1.0" encoding="utf-8"?>
+<p:notes xmlns:a="http://schemas.openxmlformats.org/drawingml/2006/main" xmlns:r="http://schemas.openxmlformats.org/officeDocument/2006/relationships" xmlns:p="http://schemas.openxmlformats.org/presentationml/2006/main">
+  <p:cSld>
+    <p:spTree>
+      <p:nvGrpSpPr>
+        <p:cNvPr id="1" name=""/>
+        <p:cNvGrpSpPr/>
+        <p:nvPr/>
+      </p:nvGrpSpPr>
+      <p:grpSpPr>
+        <a:xfrm>
+          <a:off x="0" y="0"/>
+          <a:ext cx="0" cy="0"/>
+          <a:chOff x="0" y="0"/>
+          <a:chExt cx="0" cy="0"/>
+        </a:xfrm>
+      </p:grpSpPr>
+      <p:sp>
+        <p:nvSpPr>
+          <p:cNvPr id="2" name="Slide Image Placeholder 1"/>
+          <p:cNvSpPr>
+            <a:spLocks noGrp="1" noRot="1" noChangeAspect="1"/>
+          </p:cNvSpPr>
+          <p:nvPr>
+            <p:ph type="sldImg"/>
+          </p:nvPr>
+        </p:nvSpPr>
+        <p:spPr/>
+      </p:sp>
+      <p:sp>
+        <p:nvSpPr>
+          <p:cNvPr id="3" name="Notes Placeholder 2"/>
+          <p:cNvSpPr>
+            <a:spLocks noGrp="1"/>
+          </p:cNvSpPr>
+          <p:nvPr>
+            <p:ph type="body" idx="1"/>
+          </p:nvPr>
+        </p:nvSpPr>
+        <p:spPr/>
+        <p:txBody>
+          <a:bodyPr/>
+          <a:lstStyle/>
+          <a:p>
+            <a:endParaRPr lang="en-US" dirty="0"/>
+          </a:p>
+        </p:txBody>
+      </p:sp>
+      <p:sp>
+        <p:nvSpPr>
+          <p:cNvPr id="4" name="Slide Number Placeholder 3"/>
+          <p:cNvSpPr>
+            <a:spLocks noGrp="1"/>
+          </p:cNvSpPr>
+          <p:nvPr>
+            <p:ph type="sldNum" sz="quarter" idx="10"/>
+          </p:nvPr>
+        </p:nvSpPr>
+        <p:spPr/>
+        <p:txBody>
+          <a:bodyPr/>
+          <a:lstStyle/>
+          <a:p>
+            <a:fld id="{E0542D34-12F8-4BA5-8DE9-FE2BC539FB18}" type="slidenum">
+              <a:rPr lang="en-US" smtClean="0"/>
+              <a:t>14</a:t>
+            </a:fld>
+            <a:endParaRPr lang="en-US"/>
+          </a:p>
+        </p:txBody>
+      </p:sp>
+    </p:spTree>
+    <p:extLst>
+      <p:ext uri="{BB962C8B-B14F-4D97-AF65-F5344CB8AC3E}">
+        <p14:creationId xmlns:p14="http://schemas.microsoft.com/office/powerpoint/2010/main" val="2506387212"/>
+      </p:ext>
+    </p:extLst>
+  </p:cSld>
+  <p:clrMapOvr>
+    <a:masterClrMapping/>
+  </p:clrMapOvr>
+</p:notes>
+</file>
+
 <file path=ppt/slideLayouts/slideLayout1.xml><?xml version="1.0" encoding="utf-8"?>
 <p:sldLayout xmlns:a="http://schemas.openxmlformats.org/drawingml/2006/main" xmlns:r="http://schemas.openxmlformats.org/officeDocument/2006/relationships" xmlns:p="http://schemas.openxmlformats.org/presentationml/2006/main" type="title" preserve="1">
   <p:cSld name="Title Slide">
@@ -298,7 +920,7 @@
             <a:fld id="{1D8BD707-D9CF-40AE-B4C6-C98DA3205C09}" type="datetimeFigureOut">
               <a:rPr lang="en-US" smtClean="0"/>
               <a:pPr/>
-              <a:t>4/27/15</a:t>
+              <a:t>5/1/2015</a:t>
             </a:fld>
             <a:endParaRPr lang="en-US"/>
           </a:p>
@@ -465,7 +1087,7 @@
             <a:fld id="{1D8BD707-D9CF-40AE-B4C6-C98DA3205C09}" type="datetimeFigureOut">
               <a:rPr lang="en-US" smtClean="0"/>
               <a:pPr/>
-              <a:t>4/27/15</a:t>
+              <a:t>5/1/2015</a:t>
             </a:fld>
             <a:endParaRPr lang="en-US"/>
           </a:p>
@@ -642,7 +1264,7 @@
             <a:fld id="{1D8BD707-D9CF-40AE-B4C6-C98DA3205C09}" type="datetimeFigureOut">
               <a:rPr lang="en-US" smtClean="0"/>
               <a:pPr/>
-              <a:t>4/27/15</a:t>
+              <a:t>5/1/2015</a:t>
             </a:fld>
             <a:endParaRPr lang="en-US"/>
           </a:p>
@@ -809,7 +1431,7 @@
             <a:fld id="{1D8BD707-D9CF-40AE-B4C6-C98DA3205C09}" type="datetimeFigureOut">
               <a:rPr lang="en-US" smtClean="0"/>
               <a:pPr/>
-              <a:t>4/27/15</a:t>
+              <a:t>5/1/2015</a:t>
             </a:fld>
             <a:endParaRPr lang="en-US"/>
           </a:p>
@@ -1052,7 +1674,7 @@
             <a:fld id="{1D8BD707-D9CF-40AE-B4C6-C98DA3205C09}" type="datetimeFigureOut">
               <a:rPr lang="en-US" smtClean="0"/>
               <a:pPr/>
-              <a:t>4/27/15</a:t>
+              <a:t>5/1/2015</a:t>
             </a:fld>
             <a:endParaRPr lang="en-US"/>
           </a:p>
@@ -1337,7 +1959,7 @@
             <a:fld id="{1D8BD707-D9CF-40AE-B4C6-C98DA3205C09}" type="datetimeFigureOut">
               <a:rPr lang="en-US" smtClean="0"/>
               <a:pPr/>
-              <a:t>4/27/15</a:t>
+              <a:t>5/1/2015</a:t>
             </a:fld>
             <a:endParaRPr lang="en-US"/>
           </a:p>
@@ -1756,7 +2378,7 @@
             <a:fld id="{1D8BD707-D9CF-40AE-B4C6-C98DA3205C09}" type="datetimeFigureOut">
               <a:rPr lang="en-US" smtClean="0"/>
               <a:pPr/>
-              <a:t>4/27/15</a:t>
+              <a:t>5/1/2015</a:t>
             </a:fld>
             <a:endParaRPr lang="en-US"/>
           </a:p>
@@ -1871,7 +2493,7 @@
             <a:fld id="{1D8BD707-D9CF-40AE-B4C6-C98DA3205C09}" type="datetimeFigureOut">
               <a:rPr lang="en-US" smtClean="0"/>
               <a:pPr/>
-              <a:t>4/27/15</a:t>
+              <a:t>5/1/2015</a:t>
             </a:fld>
             <a:endParaRPr lang="en-US"/>
           </a:p>
@@ -1963,7 +2585,7 @@
             <a:fld id="{1D8BD707-D9CF-40AE-B4C6-C98DA3205C09}" type="datetimeFigureOut">
               <a:rPr lang="en-US" smtClean="0"/>
               <a:pPr/>
-              <a:t>4/27/15</a:t>
+              <a:t>5/1/2015</a:t>
             </a:fld>
             <a:endParaRPr lang="en-US"/>
           </a:p>
@@ -2237,7 +2859,7 @@
             <a:fld id="{1D8BD707-D9CF-40AE-B4C6-C98DA3205C09}" type="datetimeFigureOut">
               <a:rPr lang="en-US" smtClean="0"/>
               <a:pPr/>
-              <a:t>4/27/15</a:t>
+              <a:t>5/1/2015</a:t>
             </a:fld>
             <a:endParaRPr lang="en-US"/>
           </a:p>
@@ -2487,7 +3109,7 @@
             <a:fld id="{1D8BD707-D9CF-40AE-B4C6-C98DA3205C09}" type="datetimeFigureOut">
               <a:rPr lang="en-US" smtClean="0"/>
               <a:pPr/>
-              <a:t>4/27/15</a:t>
+              <a:t>5/1/2015</a:t>
             </a:fld>
             <a:endParaRPr lang="en-US"/>
           </a:p>
@@ -2697,7 +3319,7 @@
             <a:fld id="{1D8BD707-D9CF-40AE-B4C6-C98DA3205C09}" type="datetimeFigureOut">
               <a:rPr lang="en-US" smtClean="0"/>
               <a:pPr/>
-              <a:t>4/27/15</a:t>
+              <a:t>5/1/2015</a:t>
             </a:fld>
             <a:endParaRPr lang="en-US"/>
           </a:p>
@@ -3103,38 +3725,30 @@
             </a:br>
             <a:r>
               <a:rPr lang="en-US" dirty="0" smtClean="0"/>
-              <a:t>Restaurant </a:t>
-            </a:r>
+              <a:t>Restaurant Revenue Prediction</a:t>
+            </a:r>
+            <a:endParaRPr lang="en-US" dirty="0"/>
+          </a:p>
+        </p:txBody>
+      </p:sp>
+      <p:sp>
+        <p:nvSpPr>
+          <p:cNvPr id="3" name="Subtitle 2"/>
+          <p:cNvSpPr>
+            <a:spLocks noGrp="1"/>
+          </p:cNvSpPr>
+          <p:nvPr>
+            <p:ph type="subTitle" idx="1"/>
+          </p:nvPr>
+        </p:nvSpPr>
+        <p:spPr/>
+        <p:txBody>
+          <a:bodyPr/>
+          <a:lstStyle/>
+          <a:p>
             <a:r>
               <a:rPr lang="en-US" dirty="0" smtClean="0"/>
-              <a:t>Revenue Prediction</a:t>
-            </a:r>
-            <a:endParaRPr lang="en-US" dirty="0"/>
-          </a:p>
-        </p:txBody>
-      </p:sp>
-      <p:sp>
-        <p:nvSpPr>
-          <p:cNvPr id="3" name="Subtitle 2"/>
-          <p:cNvSpPr>
-            <a:spLocks noGrp="1"/>
-          </p:cNvSpPr>
-          <p:nvPr>
-            <p:ph type="subTitle" idx="1"/>
-          </p:nvPr>
-        </p:nvSpPr>
-        <p:spPr/>
-        <p:txBody>
-          <a:bodyPr/>
-          <a:lstStyle/>
-          <a:p>
-            <a:r>
-              <a:rPr lang="en-US" dirty="0" smtClean="0"/>
-              <a:t>Zhonghua </a:t>
-            </a:r>
-            <a:r>
-              <a:rPr lang="en-US" dirty="0" smtClean="0"/>
-              <a:t>Xi and </a:t>
+              <a:t>Zhonghua Xi and </a:t>
             </a:r>
             <a:r>
               <a:rPr lang="en-US" dirty="0" err="1" smtClean="0"/>
@@ -3167,7 +3781,7 @@
   <p:timing>
     <p:tnLst>
       <p:par>
-        <p:cTn xmlns:p14="http://schemas.microsoft.com/office/powerpoint/2010/main" id="1" dur="indefinite" restart="never" nodeType="tmRoot"/>
+        <p:cTn id="1" dur="indefinite" restart="never" nodeType="tmRoot"/>
       </p:par>
     </p:tnLst>
   </p:timing>
@@ -3193,6 +3807,510 @@
       </p:grpSpPr>
       <p:sp>
         <p:nvSpPr>
+          <p:cNvPr id="2" name="Title 1"/>
+          <p:cNvSpPr>
+            <a:spLocks noGrp="1"/>
+          </p:cNvSpPr>
+          <p:nvPr>
+            <p:ph type="title"/>
+          </p:nvPr>
+        </p:nvSpPr>
+        <p:spPr/>
+        <p:txBody>
+          <a:bodyPr/>
+          <a:lstStyle/>
+          <a:p>
+            <a:r>
+              <a:rPr lang="en-US" dirty="0" smtClean="0"/>
+              <a:t>Visualize Validation</a:t>
+            </a:r>
+            <a:endParaRPr lang="en-US" dirty="0"/>
+          </a:p>
+        </p:txBody>
+      </p:sp>
+      <p:sp>
+        <p:nvSpPr>
+          <p:cNvPr id="3" name="Content Placeholder 2"/>
+          <p:cNvSpPr>
+            <a:spLocks noGrp="1"/>
+          </p:cNvSpPr>
+          <p:nvPr>
+            <p:ph idx="1"/>
+          </p:nvPr>
+        </p:nvSpPr>
+        <p:spPr/>
+        <p:txBody>
+          <a:bodyPr/>
+          <a:lstStyle/>
+          <a:p>
+            <a:endParaRPr lang="en-US"/>
+          </a:p>
+        </p:txBody>
+      </p:sp>
+    </p:spTree>
+    <p:extLst>
+      <p:ext uri="{BB962C8B-B14F-4D97-AF65-F5344CB8AC3E}">
+        <p14:creationId xmlns:p14="http://schemas.microsoft.com/office/powerpoint/2010/main" val="954433865"/>
+      </p:ext>
+    </p:extLst>
+  </p:cSld>
+  <p:clrMapOvr>
+    <a:masterClrMapping/>
+  </p:clrMapOvr>
+</p:sld>
+</file>
+
+<file path=ppt/slides/slide11.xml><?xml version="1.0" encoding="utf-8"?>
+<p:sld xmlns:a="http://schemas.openxmlformats.org/drawingml/2006/main" xmlns:r="http://schemas.openxmlformats.org/officeDocument/2006/relationships" xmlns:p="http://schemas.openxmlformats.org/presentationml/2006/main">
+  <p:cSld>
+    <p:spTree>
+      <p:nvGrpSpPr>
+        <p:cNvPr id="1" name=""/>
+        <p:cNvGrpSpPr/>
+        <p:nvPr/>
+      </p:nvGrpSpPr>
+      <p:grpSpPr>
+        <a:xfrm>
+          <a:off x="0" y="0"/>
+          <a:ext cx="0" cy="0"/>
+          <a:chOff x="0" y="0"/>
+          <a:chExt cx="0" cy="0"/>
+        </a:xfrm>
+      </p:grpSpPr>
+      <p:sp>
+        <p:nvSpPr>
+          <p:cNvPr id="2" name="标题 1"/>
+          <p:cNvSpPr>
+            <a:spLocks noGrp="1"/>
+          </p:cNvSpPr>
+          <p:nvPr>
+            <p:ph type="title"/>
+          </p:nvPr>
+        </p:nvSpPr>
+        <p:spPr>
+          <a:xfrm>
+            <a:off x="457200" y="274638"/>
+            <a:ext cx="8229600" cy="411162"/>
+          </a:xfrm>
+        </p:spPr>
+        <p:txBody>
+          <a:bodyPr>
+            <a:normAutofit fontScale="90000"/>
+          </a:bodyPr>
+          <a:lstStyle/>
+          <a:p>
+            <a:r>
+              <a:rPr kumimoji="1" lang="en-US" altLang="zh-CN" dirty="0" smtClean="0"/>
+              <a:t>Issues</a:t>
+            </a:r>
+            <a:endParaRPr kumimoji="1" lang="zh-CN" altLang="en-US" dirty="0"/>
+          </a:p>
+        </p:txBody>
+      </p:sp>
+      <p:sp>
+        <p:nvSpPr>
+          <p:cNvPr id="3" name="内容占位符 2"/>
+          <p:cNvSpPr>
+            <a:spLocks noGrp="1"/>
+          </p:cNvSpPr>
+          <p:nvPr>
+            <p:ph idx="1"/>
+          </p:nvPr>
+        </p:nvSpPr>
+        <p:spPr>
+          <a:xfrm>
+            <a:off x="533400" y="838200"/>
+            <a:ext cx="8229600" cy="4525963"/>
+          </a:xfrm>
+        </p:spPr>
+        <p:txBody>
+          <a:bodyPr/>
+          <a:lstStyle/>
+          <a:p>
+            <a:r>
+              <a:rPr kumimoji="1" lang="en-US" altLang="zh-CN" dirty="0" smtClean="0"/>
+              <a:t>Overfitting (training set is too small)</a:t>
+            </a:r>
+          </a:p>
+          <a:p>
+            <a:r>
+              <a:rPr kumimoji="1" lang="en-US" altLang="zh-CN" dirty="0" smtClean="0"/>
+              <a:t>Cross validation can not estimate the performance on test set</a:t>
+            </a:r>
+            <a:endParaRPr kumimoji="1" lang="zh-CN" altLang="en-US" dirty="0"/>
+          </a:p>
+        </p:txBody>
+      </p:sp>
+      <p:pic>
+        <p:nvPicPr>
+          <p:cNvPr id="4" name="图片 3"/>
+          <p:cNvPicPr>
+            <a:picLocks noChangeAspect="1"/>
+          </p:cNvPicPr>
+          <p:nvPr/>
+        </p:nvPicPr>
+        <p:blipFill>
+          <a:blip r:embed="rId2">
+            <a:extLst>
+              <a:ext uri="{28A0092B-C50C-407E-A947-70E740481C1C}">
+                <a14:useLocalDpi xmlns:a14="http://schemas.microsoft.com/office/drawing/2010/main" val="0"/>
+              </a:ext>
+            </a:extLst>
+          </a:blip>
+          <a:stretch>
+            <a:fillRect/>
+          </a:stretch>
+        </p:blipFill>
+        <p:spPr>
+          <a:xfrm>
+            <a:off x="1600200" y="2487928"/>
+            <a:ext cx="5826762" cy="4370072"/>
+          </a:xfrm>
+          <a:prstGeom prst="rect">
+            <a:avLst/>
+          </a:prstGeom>
+        </p:spPr>
+      </p:pic>
+      <p:sp>
+        <p:nvSpPr>
+          <p:cNvPr id="5" name="线形标注 1 4"/>
+          <p:cNvSpPr/>
+          <p:nvPr/>
+        </p:nvSpPr>
+        <p:spPr>
+          <a:xfrm>
+            <a:off x="3657600" y="4724400"/>
+            <a:ext cx="1295400" cy="457200"/>
+          </a:xfrm>
+          <a:prstGeom prst="borderCallout1">
+            <a:avLst>
+              <a:gd name="adj1" fmla="val 18750"/>
+              <a:gd name="adj2" fmla="val -8333"/>
+              <a:gd name="adj3" fmla="val 217365"/>
+              <a:gd name="adj4" fmla="val -37333"/>
+            </a:avLst>
+          </a:prstGeom>
+        </p:spPr>
+        <p:style>
+          <a:lnRef idx="2">
+            <a:schemeClr val="accent2"/>
+          </a:lnRef>
+          <a:fillRef idx="1">
+            <a:schemeClr val="lt1"/>
+          </a:fillRef>
+          <a:effectRef idx="0">
+            <a:schemeClr val="accent2"/>
+          </a:effectRef>
+          <a:fontRef idx="minor">
+            <a:schemeClr val="dk1"/>
+          </a:fontRef>
+        </p:style>
+        <p:txBody>
+          <a:bodyPr rtlCol="0" anchor="ctr"/>
+          <a:lstStyle/>
+          <a:p>
+            <a:pPr algn="ctr"/>
+            <a:r>
+              <a:rPr kumimoji="1" lang="en-US" altLang="zh-CN" dirty="0" smtClean="0"/>
+              <a:t>Rank 115</a:t>
+            </a:r>
+            <a:endParaRPr kumimoji="1" lang="zh-CN" altLang="en-US" dirty="0"/>
+          </a:p>
+        </p:txBody>
+      </p:sp>
+      <p:sp>
+        <p:nvSpPr>
+          <p:cNvPr id="6" name="线形标注 1 5"/>
+          <p:cNvSpPr/>
+          <p:nvPr/>
+        </p:nvSpPr>
+        <p:spPr>
+          <a:xfrm flipH="1">
+            <a:off x="2667000" y="3581400"/>
+            <a:ext cx="1295400" cy="457200"/>
+          </a:xfrm>
+          <a:prstGeom prst="borderCallout1">
+            <a:avLst>
+              <a:gd name="adj1" fmla="val 18750"/>
+              <a:gd name="adj2" fmla="val -8333"/>
+              <a:gd name="adj3" fmla="val -49049"/>
+              <a:gd name="adj4" fmla="val -43335"/>
+            </a:avLst>
+          </a:prstGeom>
+        </p:spPr>
+        <p:style>
+          <a:lnRef idx="2">
+            <a:schemeClr val="accent2"/>
+          </a:lnRef>
+          <a:fillRef idx="1">
+            <a:schemeClr val="lt1"/>
+          </a:fillRef>
+          <a:effectRef idx="0">
+            <a:schemeClr val="accent2"/>
+          </a:effectRef>
+          <a:fontRef idx="minor">
+            <a:schemeClr val="dk1"/>
+          </a:fontRef>
+        </p:style>
+        <p:txBody>
+          <a:bodyPr rtlCol="0" anchor="ctr"/>
+          <a:lstStyle/>
+          <a:p>
+            <a:pPr algn="ctr"/>
+            <a:r>
+              <a:rPr kumimoji="1" lang="en-US" altLang="zh-CN" dirty="0" smtClean="0"/>
+              <a:t>Rank 1890</a:t>
+            </a:r>
+            <a:endParaRPr kumimoji="1" lang="zh-CN" altLang="en-US" dirty="0"/>
+          </a:p>
+        </p:txBody>
+      </p:sp>
+      <p:sp>
+        <p:nvSpPr>
+          <p:cNvPr id="7" name="线形标注 1 6"/>
+          <p:cNvSpPr/>
+          <p:nvPr/>
+        </p:nvSpPr>
+        <p:spPr>
+          <a:xfrm>
+            <a:off x="5715000" y="4343400"/>
+            <a:ext cx="1295400" cy="457200"/>
+          </a:xfrm>
+          <a:prstGeom prst="borderCallout1">
+            <a:avLst>
+              <a:gd name="adj1" fmla="val 18750"/>
+              <a:gd name="adj2" fmla="val -8333"/>
+              <a:gd name="adj3" fmla="val 135174"/>
+              <a:gd name="adj4" fmla="val -25329"/>
+            </a:avLst>
+          </a:prstGeom>
+        </p:spPr>
+        <p:style>
+          <a:lnRef idx="2">
+            <a:schemeClr val="accent2"/>
+          </a:lnRef>
+          <a:fillRef idx="1">
+            <a:schemeClr val="lt1"/>
+          </a:fillRef>
+          <a:effectRef idx="0">
+            <a:schemeClr val="accent2"/>
+          </a:effectRef>
+          <a:fontRef idx="minor">
+            <a:schemeClr val="dk1"/>
+          </a:fontRef>
+        </p:style>
+        <p:txBody>
+          <a:bodyPr rtlCol="0" anchor="ctr"/>
+          <a:lstStyle/>
+          <a:p>
+            <a:pPr algn="ctr"/>
+            <a:r>
+              <a:rPr kumimoji="1" lang="en-US" altLang="zh-CN" dirty="0" smtClean="0"/>
+              <a:t>Rank 866</a:t>
+            </a:r>
+            <a:endParaRPr kumimoji="1" lang="zh-CN" altLang="en-US" dirty="0"/>
+          </a:p>
+        </p:txBody>
+      </p:sp>
+    </p:spTree>
+    <p:extLst>
+      <p:ext uri="{BB962C8B-B14F-4D97-AF65-F5344CB8AC3E}">
+        <p14:creationId xmlns:p14="http://schemas.microsoft.com/office/powerpoint/2010/main" val="4262006165"/>
+      </p:ext>
+    </p:extLst>
+  </p:cSld>
+  <p:clrMapOvr>
+    <a:masterClrMapping/>
+  </p:clrMapOvr>
+  <p:timing>
+    <p:tnLst>
+      <p:par>
+        <p:cTn id="1" dur="indefinite" restart="never" nodeType="tmRoot"/>
+      </p:par>
+    </p:tnLst>
+  </p:timing>
+</p:sld>
+</file>
+
+<file path=ppt/slides/slide12.xml><?xml version="1.0" encoding="utf-8"?>
+<p:sld xmlns:a="http://schemas.openxmlformats.org/drawingml/2006/main" xmlns:r="http://schemas.openxmlformats.org/officeDocument/2006/relationships" xmlns:p="http://schemas.openxmlformats.org/presentationml/2006/main">
+  <p:cSld>
+    <p:spTree>
+      <p:nvGrpSpPr>
+        <p:cNvPr id="1" name=""/>
+        <p:cNvGrpSpPr/>
+        <p:nvPr/>
+      </p:nvGrpSpPr>
+      <p:grpSpPr>
+        <a:xfrm>
+          <a:off x="0" y="0"/>
+          <a:ext cx="0" cy="0"/>
+          <a:chOff x="0" y="0"/>
+          <a:chExt cx="0" cy="0"/>
+        </a:xfrm>
+      </p:grpSpPr>
+      <p:sp>
+        <p:nvSpPr>
+          <p:cNvPr id="2" name="标题 1"/>
+          <p:cNvSpPr>
+            <a:spLocks noGrp="1"/>
+          </p:cNvSpPr>
+          <p:nvPr>
+            <p:ph type="title"/>
+          </p:nvPr>
+        </p:nvSpPr>
+        <p:spPr/>
+        <p:txBody>
+          <a:bodyPr/>
+          <a:lstStyle/>
+          <a:p>
+            <a:r>
+              <a:rPr kumimoji="1" lang="en-US" altLang="zh-CN" dirty="0" smtClean="0"/>
+              <a:t>Results on Public Board</a:t>
+            </a:r>
+            <a:endParaRPr kumimoji="1" lang="zh-CN" altLang="en-US" dirty="0"/>
+          </a:p>
+        </p:txBody>
+      </p:sp>
+      <p:sp>
+        <p:nvSpPr>
+          <p:cNvPr id="3" name="内容占位符 2"/>
+          <p:cNvSpPr>
+            <a:spLocks noGrp="1"/>
+          </p:cNvSpPr>
+          <p:nvPr>
+            <p:ph idx="1"/>
+          </p:nvPr>
+        </p:nvSpPr>
+        <p:spPr/>
+        <p:txBody>
+          <a:bodyPr/>
+          <a:lstStyle/>
+          <a:p>
+            <a:r>
+              <a:rPr kumimoji="1" lang="en-US" altLang="zh-CN" dirty="0" smtClean="0"/>
+              <a:t>Rank 1xx / 22xx teams</a:t>
+            </a:r>
+            <a:endParaRPr kumimoji="1" lang="zh-CN" altLang="en-US" dirty="0"/>
+          </a:p>
+        </p:txBody>
+      </p:sp>
+      <p:pic>
+        <p:nvPicPr>
+          <p:cNvPr id="4" name="图片 3"/>
+          <p:cNvPicPr>
+            <a:picLocks noChangeAspect="1"/>
+          </p:cNvPicPr>
+          <p:nvPr/>
+        </p:nvPicPr>
+        <p:blipFill>
+          <a:blip r:embed="rId2">
+            <a:extLst>
+              <a:ext uri="{28A0092B-C50C-407E-A947-70E740481C1C}">
+                <a14:useLocalDpi xmlns:a14="http://schemas.microsoft.com/office/drawing/2010/main" val="0"/>
+              </a:ext>
+            </a:extLst>
+          </a:blip>
+          <a:stretch>
+            <a:fillRect/>
+          </a:stretch>
+        </p:blipFill>
+        <p:spPr>
+          <a:xfrm>
+            <a:off x="1295400" y="2057400"/>
+            <a:ext cx="6400800" cy="4800600"/>
+          </a:xfrm>
+          <a:prstGeom prst="rect">
+            <a:avLst/>
+          </a:prstGeom>
+        </p:spPr>
+      </p:pic>
+      <p:sp>
+        <p:nvSpPr>
+          <p:cNvPr id="5" name="线形标注 1 4"/>
+          <p:cNvSpPr/>
+          <p:nvPr/>
+        </p:nvSpPr>
+        <p:spPr>
+          <a:xfrm>
+            <a:off x="3048000" y="3962400"/>
+            <a:ext cx="1905000" cy="609600"/>
+          </a:xfrm>
+          <a:prstGeom prst="borderCallout1">
+            <a:avLst>
+              <a:gd name="adj1" fmla="val 18750"/>
+              <a:gd name="adj2" fmla="val -8333"/>
+              <a:gd name="adj3" fmla="val 280426"/>
+              <a:gd name="adj4" fmla="val -40374"/>
+            </a:avLst>
+          </a:prstGeom>
+        </p:spPr>
+        <p:style>
+          <a:lnRef idx="2">
+            <a:schemeClr val="accent2"/>
+          </a:lnRef>
+          <a:fillRef idx="1">
+            <a:schemeClr val="lt1"/>
+          </a:fillRef>
+          <a:effectRef idx="0">
+            <a:schemeClr val="accent2"/>
+          </a:effectRef>
+          <a:fontRef idx="minor">
+            <a:schemeClr val="dk1"/>
+          </a:fontRef>
+        </p:style>
+        <p:txBody>
+          <a:bodyPr rtlCol="0" anchor="ctr"/>
+          <a:lstStyle/>
+          <a:p>
+            <a:pPr algn="ctr"/>
+            <a:r>
+              <a:rPr kumimoji="1" lang="en-US" altLang="zh-CN" dirty="0" smtClean="0"/>
+              <a:t>We are here</a:t>
+            </a:r>
+            <a:endParaRPr kumimoji="1" lang="zh-CN" altLang="en-US" dirty="0"/>
+          </a:p>
+        </p:txBody>
+      </p:sp>
+    </p:spTree>
+    <p:extLst>
+      <p:ext uri="{BB962C8B-B14F-4D97-AF65-F5344CB8AC3E}">
+        <p14:creationId xmlns:p14="http://schemas.microsoft.com/office/powerpoint/2010/main" val="4030098551"/>
+      </p:ext>
+    </p:extLst>
+  </p:cSld>
+  <p:clrMapOvr>
+    <a:masterClrMapping/>
+  </p:clrMapOvr>
+  <p:timing>
+    <p:tnLst>
+      <p:par>
+        <p:cTn id="1" dur="indefinite" restart="never" nodeType="tmRoot"/>
+      </p:par>
+    </p:tnLst>
+  </p:timing>
+</p:sld>
+</file>
+
+<file path=ppt/slides/slide13.xml><?xml version="1.0" encoding="utf-8"?>
+<p:sld xmlns:a="http://schemas.openxmlformats.org/drawingml/2006/main" xmlns:r="http://schemas.openxmlformats.org/officeDocument/2006/relationships" xmlns:p="http://schemas.openxmlformats.org/presentationml/2006/main">
+  <p:cSld>
+    <p:spTree>
+      <p:nvGrpSpPr>
+        <p:cNvPr id="1" name=""/>
+        <p:cNvGrpSpPr/>
+        <p:nvPr/>
+      </p:nvGrpSpPr>
+      <p:grpSpPr>
+        <a:xfrm>
+          <a:off x="0" y="0"/>
+          <a:ext cx="0" cy="0"/>
+          <a:chOff x="0" y="0"/>
+          <a:chExt cx="0" cy="0"/>
+        </a:xfrm>
+      </p:grpSpPr>
+      <p:sp>
+        <p:nvSpPr>
           <p:cNvPr id="2" name="标题 1"/>
           <p:cNvSpPr>
             <a:spLocks noGrp="1"/>
@@ -3241,6 +4359,790 @@
     <p:extLst>
       <p:ext uri="{BB962C8B-B14F-4D97-AF65-F5344CB8AC3E}">
         <p14:creationId xmlns:p14="http://schemas.microsoft.com/office/powerpoint/2010/main" val="2140007671"/>
+      </p:ext>
+    </p:extLst>
+  </p:cSld>
+  <p:clrMapOvr>
+    <a:masterClrMapping/>
+  </p:clrMapOvr>
+</p:sld>
+</file>
+
+<file path=ppt/slides/slide14.xml><?xml version="1.0" encoding="utf-8"?>
+<p:sld xmlns:a="http://schemas.openxmlformats.org/drawingml/2006/main" xmlns:r="http://schemas.openxmlformats.org/officeDocument/2006/relationships" xmlns:p="http://schemas.openxmlformats.org/presentationml/2006/main">
+  <p:cSld>
+    <p:spTree>
+      <p:nvGrpSpPr>
+        <p:cNvPr id="1" name=""/>
+        <p:cNvGrpSpPr/>
+        <p:nvPr/>
+      </p:nvGrpSpPr>
+      <p:grpSpPr>
+        <a:xfrm>
+          <a:off x="0" y="0"/>
+          <a:ext cx="0" cy="0"/>
+          <a:chOff x="0" y="0"/>
+          <a:chExt cx="0" cy="0"/>
+        </a:xfrm>
+      </p:grpSpPr>
+      <p:sp>
+        <p:nvSpPr>
+          <p:cNvPr id="2" name="Title 1"/>
+          <p:cNvSpPr>
+            <a:spLocks noGrp="1"/>
+          </p:cNvSpPr>
+          <p:nvPr>
+            <p:ph type="title"/>
+          </p:nvPr>
+        </p:nvSpPr>
+        <p:spPr/>
+        <p:txBody>
+          <a:bodyPr/>
+          <a:lstStyle/>
+          <a:p>
+            <a:endParaRPr lang="en-US"/>
+          </a:p>
+        </p:txBody>
+      </p:sp>
+      <p:sp>
+        <p:nvSpPr>
+          <p:cNvPr id="3" name="Content Placeholder 2"/>
+          <p:cNvSpPr>
+            <a:spLocks noGrp="1"/>
+          </p:cNvSpPr>
+          <p:nvPr>
+            <p:ph idx="1"/>
+          </p:nvPr>
+        </p:nvSpPr>
+        <p:spPr/>
+        <p:txBody>
+          <a:bodyPr/>
+          <a:lstStyle/>
+          <a:p>
+            <a:endParaRPr lang="en-US" dirty="0" smtClean="0"/>
+          </a:p>
+          <a:p>
+            <a:endParaRPr lang="en-US" dirty="0"/>
+          </a:p>
+          <a:p>
+            <a:endParaRPr lang="en-US" dirty="0" smtClean="0"/>
+          </a:p>
+        </p:txBody>
+      </p:sp>
+      <p:sp>
+        <p:nvSpPr>
+          <p:cNvPr id="4" name="Rectangle 3"/>
+          <p:cNvSpPr/>
+          <p:nvPr/>
+        </p:nvSpPr>
+        <p:spPr>
+          <a:xfrm>
+            <a:off x="2884518" y="2967335"/>
+            <a:ext cx="3374963" cy="923330"/>
+          </a:xfrm>
+          <a:prstGeom prst="rect">
+            <a:avLst/>
+          </a:prstGeom>
+          <a:noFill/>
+        </p:spPr>
+        <p:txBody>
+          <a:bodyPr wrap="none" lIns="91440" tIns="45720" rIns="91440" bIns="45720">
+            <a:spAutoFit/>
+          </a:bodyPr>
+          <a:lstStyle/>
+          <a:p>
+            <a:pPr algn="ctr"/>
+            <a:r>
+              <a:rPr lang="en-US" sz="5400" b="1" cap="none" spc="0" dirty="0" smtClean="0">
+                <a:ln w="1905"/>
+                <a:gradFill>
+                  <a:gsLst>
+                    <a:gs pos="0">
+                      <a:schemeClr val="accent6">
+                        <a:shade val="20000"/>
+                        <a:satMod val="200000"/>
+                      </a:schemeClr>
+                    </a:gs>
+                    <a:gs pos="78000">
+                      <a:schemeClr val="accent6">
+                        <a:tint val="90000"/>
+                        <a:shade val="89000"/>
+                        <a:satMod val="220000"/>
+                      </a:schemeClr>
+                    </a:gs>
+                    <a:gs pos="100000">
+                      <a:schemeClr val="accent6">
+                        <a:tint val="12000"/>
+                        <a:satMod val="255000"/>
+                      </a:schemeClr>
+                    </a:gs>
+                  </a:gsLst>
+                  <a:lin ang="5400000"/>
+                </a:gradFill>
+                <a:effectLst>
+                  <a:innerShdw blurRad="69850" dist="43180" dir="5400000">
+                    <a:srgbClr val="000000">
+                      <a:alpha val="65000"/>
+                    </a:srgbClr>
+                  </a:innerShdw>
+                </a:effectLst>
+              </a:rPr>
+              <a:t>Thank You!</a:t>
+            </a:r>
+            <a:endParaRPr lang="en-US" sz="5400" b="1" cap="none" spc="0" dirty="0">
+              <a:ln w="1905"/>
+              <a:gradFill>
+                <a:gsLst>
+                  <a:gs pos="0">
+                    <a:schemeClr val="accent6">
+                      <a:shade val="20000"/>
+                      <a:satMod val="200000"/>
+                    </a:schemeClr>
+                  </a:gs>
+                  <a:gs pos="78000">
+                    <a:schemeClr val="accent6">
+                      <a:tint val="90000"/>
+                      <a:shade val="89000"/>
+                      <a:satMod val="220000"/>
+                    </a:schemeClr>
+                  </a:gs>
+                  <a:gs pos="100000">
+                    <a:schemeClr val="accent6">
+                      <a:tint val="12000"/>
+                      <a:satMod val="255000"/>
+                    </a:schemeClr>
+                  </a:gs>
+                </a:gsLst>
+                <a:lin ang="5400000"/>
+              </a:gradFill>
+              <a:effectLst>
+                <a:innerShdw blurRad="69850" dist="43180" dir="5400000">
+                  <a:srgbClr val="000000">
+                    <a:alpha val="65000"/>
+                  </a:srgbClr>
+                </a:innerShdw>
+              </a:effectLst>
+            </a:endParaRPr>
+          </a:p>
+        </p:txBody>
+      </p:sp>
+    </p:spTree>
+    <p:extLst>
+      <p:ext uri="{BB962C8B-B14F-4D97-AF65-F5344CB8AC3E}">
+        <p14:creationId xmlns:p14="http://schemas.microsoft.com/office/powerpoint/2010/main" val="2610669709"/>
+      </p:ext>
+    </p:extLst>
+  </p:cSld>
+  <p:clrMapOvr>
+    <a:masterClrMapping/>
+  </p:clrMapOvr>
+</p:sld>
+</file>
+
+<file path=ppt/slides/slide15.xml><?xml version="1.0" encoding="utf-8"?>
+<p:sld xmlns:a="http://schemas.openxmlformats.org/drawingml/2006/main" xmlns:r="http://schemas.openxmlformats.org/officeDocument/2006/relationships" xmlns:p="http://schemas.openxmlformats.org/presentationml/2006/main">
+  <p:cSld>
+    <p:spTree>
+      <p:nvGrpSpPr>
+        <p:cNvPr id="1" name=""/>
+        <p:cNvGrpSpPr/>
+        <p:nvPr/>
+      </p:nvGrpSpPr>
+      <p:grpSpPr>
+        <a:xfrm>
+          <a:off x="0" y="0"/>
+          <a:ext cx="0" cy="0"/>
+          <a:chOff x="0" y="0"/>
+          <a:chExt cx="0" cy="0"/>
+        </a:xfrm>
+      </p:grpSpPr>
+      <p:sp>
+        <p:nvSpPr>
+          <p:cNvPr id="7" name="Rectangle 6"/>
+          <p:cNvSpPr/>
+          <p:nvPr/>
+        </p:nvSpPr>
+        <p:spPr>
+          <a:xfrm>
+            <a:off x="1676400" y="2514600"/>
+            <a:ext cx="5105400" cy="2286000"/>
+          </a:xfrm>
+          <a:prstGeom prst="rect">
+            <a:avLst/>
+          </a:prstGeom>
+          <a:solidFill>
+            <a:schemeClr val="bg1">
+              <a:lumMod val="75000"/>
+            </a:schemeClr>
+          </a:solidFill>
+          <a:ln>
+            <a:solidFill>
+              <a:schemeClr val="tx1"/>
+            </a:solidFill>
+          </a:ln>
+        </p:spPr>
+        <p:style>
+          <a:lnRef idx="2">
+            <a:schemeClr val="accent1">
+              <a:shade val="50000"/>
+            </a:schemeClr>
+          </a:lnRef>
+          <a:fillRef idx="1">
+            <a:schemeClr val="accent1"/>
+          </a:fillRef>
+          <a:effectRef idx="0">
+            <a:schemeClr val="accent1"/>
+          </a:effectRef>
+          <a:fontRef idx="minor">
+            <a:schemeClr val="lt1"/>
+          </a:fontRef>
+        </p:style>
+        <p:txBody>
+          <a:bodyPr rtlCol="0" anchor="ctr"/>
+          <a:lstStyle/>
+          <a:p>
+            <a:pPr algn="ctr"/>
+            <a:endParaRPr lang="en-US"/>
+          </a:p>
+        </p:txBody>
+      </p:sp>
+      <p:sp>
+        <p:nvSpPr>
+          <p:cNvPr id="2" name="Title 1"/>
+          <p:cNvSpPr>
+            <a:spLocks noGrp="1"/>
+          </p:cNvSpPr>
+          <p:nvPr>
+            <p:ph type="title"/>
+          </p:nvPr>
+        </p:nvSpPr>
+        <p:spPr/>
+        <p:txBody>
+          <a:bodyPr/>
+          <a:lstStyle/>
+          <a:p>
+            <a:r>
+              <a:rPr lang="en-US" dirty="0" smtClean="0"/>
+              <a:t>Backup Slides</a:t>
+            </a:r>
+            <a:endParaRPr lang="en-US" dirty="0"/>
+          </a:p>
+        </p:txBody>
+      </p:sp>
+      <p:sp>
+        <p:nvSpPr>
+          <p:cNvPr id="3" name="Content Placeholder 2"/>
+          <p:cNvSpPr>
+            <a:spLocks noGrp="1"/>
+          </p:cNvSpPr>
+          <p:nvPr>
+            <p:ph idx="1"/>
+          </p:nvPr>
+        </p:nvSpPr>
+        <p:spPr/>
+        <p:txBody>
+          <a:bodyPr/>
+          <a:lstStyle/>
+          <a:p>
+            <a:r>
+              <a:rPr lang="en-US" dirty="0" smtClean="0"/>
+              <a:t>Alternative approach tried</a:t>
+            </a:r>
+          </a:p>
+          <a:p>
+            <a:endParaRPr lang="en-US" dirty="0"/>
+          </a:p>
+        </p:txBody>
+      </p:sp>
+      <p:sp>
+        <p:nvSpPr>
+          <p:cNvPr id="4" name="Rounded Rectangle 3"/>
+          <p:cNvSpPr/>
+          <p:nvPr/>
+        </p:nvSpPr>
+        <p:spPr>
+          <a:xfrm>
+            <a:off x="2438400" y="3393989"/>
+            <a:ext cx="1295400" cy="457200"/>
+          </a:xfrm>
+          <a:prstGeom prst="roundRect">
+            <a:avLst/>
+          </a:prstGeom>
+        </p:spPr>
+        <p:style>
+          <a:lnRef idx="2">
+            <a:schemeClr val="accent1">
+              <a:shade val="50000"/>
+            </a:schemeClr>
+          </a:lnRef>
+          <a:fillRef idx="1">
+            <a:schemeClr val="accent1"/>
+          </a:fillRef>
+          <a:effectRef idx="0">
+            <a:schemeClr val="accent1"/>
+          </a:effectRef>
+          <a:fontRef idx="minor">
+            <a:schemeClr val="lt1"/>
+          </a:fontRef>
+        </p:style>
+        <p:txBody>
+          <a:bodyPr rtlCol="0" anchor="ctr"/>
+          <a:lstStyle/>
+          <a:p>
+            <a:pPr algn="ctr"/>
+            <a:r>
+              <a:rPr lang="en-US" dirty="0" smtClean="0"/>
+              <a:t>Classifier</a:t>
+            </a:r>
+            <a:endParaRPr lang="en-US" dirty="0"/>
+          </a:p>
+        </p:txBody>
+      </p:sp>
+      <p:sp>
+        <p:nvSpPr>
+          <p:cNvPr id="5" name="Rounded Rectangle 4"/>
+          <p:cNvSpPr/>
+          <p:nvPr/>
+        </p:nvSpPr>
+        <p:spPr>
+          <a:xfrm>
+            <a:off x="4572000" y="2895600"/>
+            <a:ext cx="1524000" cy="457200"/>
+          </a:xfrm>
+          <a:prstGeom prst="roundRect">
+            <a:avLst/>
+          </a:prstGeom>
+        </p:spPr>
+        <p:style>
+          <a:lnRef idx="2">
+            <a:schemeClr val="accent1">
+              <a:shade val="50000"/>
+            </a:schemeClr>
+          </a:lnRef>
+          <a:fillRef idx="1">
+            <a:schemeClr val="accent1"/>
+          </a:fillRef>
+          <a:effectRef idx="0">
+            <a:schemeClr val="accent1"/>
+          </a:effectRef>
+          <a:fontRef idx="minor">
+            <a:schemeClr val="lt1"/>
+          </a:fontRef>
+        </p:style>
+        <p:txBody>
+          <a:bodyPr rtlCol="0" anchor="ctr"/>
+          <a:lstStyle/>
+          <a:p>
+            <a:pPr algn="ctr"/>
+            <a:r>
+              <a:rPr lang="en-US" dirty="0" smtClean="0"/>
+              <a:t>Regression 1</a:t>
+            </a:r>
+            <a:endParaRPr lang="en-US" dirty="0"/>
+          </a:p>
+        </p:txBody>
+      </p:sp>
+      <p:sp>
+        <p:nvSpPr>
+          <p:cNvPr id="6" name="Rounded Rectangle 5"/>
+          <p:cNvSpPr/>
+          <p:nvPr/>
+        </p:nvSpPr>
+        <p:spPr>
+          <a:xfrm>
+            <a:off x="4572000" y="3657600"/>
+            <a:ext cx="1524000" cy="457200"/>
+          </a:xfrm>
+          <a:prstGeom prst="roundRect">
+            <a:avLst/>
+          </a:prstGeom>
+        </p:spPr>
+        <p:style>
+          <a:lnRef idx="2">
+            <a:schemeClr val="accent1">
+              <a:shade val="50000"/>
+            </a:schemeClr>
+          </a:lnRef>
+          <a:fillRef idx="1">
+            <a:schemeClr val="accent1"/>
+          </a:fillRef>
+          <a:effectRef idx="0">
+            <a:schemeClr val="accent1"/>
+          </a:effectRef>
+          <a:fontRef idx="minor">
+            <a:schemeClr val="lt1"/>
+          </a:fontRef>
+        </p:style>
+        <p:txBody>
+          <a:bodyPr rtlCol="0" anchor="ctr"/>
+          <a:lstStyle/>
+          <a:p>
+            <a:pPr algn="ctr"/>
+            <a:r>
+              <a:rPr lang="en-US" dirty="0"/>
+              <a:t>Regression </a:t>
+            </a:r>
+            <a:r>
+              <a:rPr lang="en-US" dirty="0" smtClean="0"/>
+              <a:t>2</a:t>
+            </a:r>
+            <a:endParaRPr lang="en-US" dirty="0"/>
+          </a:p>
+        </p:txBody>
+      </p:sp>
+      <p:cxnSp>
+        <p:nvCxnSpPr>
+          <p:cNvPr id="9" name="Straight Arrow Connector 8"/>
+          <p:cNvCxnSpPr/>
+          <p:nvPr/>
+        </p:nvCxnSpPr>
+        <p:spPr>
+          <a:xfrm>
+            <a:off x="609600" y="3581400"/>
+            <a:ext cx="1066800" cy="0"/>
+          </a:xfrm>
+          <a:prstGeom prst="straightConnector1">
+            <a:avLst/>
+          </a:prstGeom>
+          <a:ln w="38100">
+            <a:tailEnd type="arrow"/>
+          </a:ln>
+        </p:spPr>
+        <p:style>
+          <a:lnRef idx="1">
+            <a:schemeClr val="accent1"/>
+          </a:lnRef>
+          <a:fillRef idx="0">
+            <a:schemeClr val="accent1"/>
+          </a:fillRef>
+          <a:effectRef idx="0">
+            <a:schemeClr val="accent1"/>
+          </a:effectRef>
+          <a:fontRef idx="minor">
+            <a:schemeClr val="tx1"/>
+          </a:fontRef>
+        </p:style>
+      </p:cxnSp>
+      <p:cxnSp>
+        <p:nvCxnSpPr>
+          <p:cNvPr id="10" name="Straight Arrow Connector 9"/>
+          <p:cNvCxnSpPr/>
+          <p:nvPr/>
+        </p:nvCxnSpPr>
+        <p:spPr>
+          <a:xfrm>
+            <a:off x="6781800" y="3583459"/>
+            <a:ext cx="1066800" cy="0"/>
+          </a:xfrm>
+          <a:prstGeom prst="straightConnector1">
+            <a:avLst/>
+          </a:prstGeom>
+          <a:ln w="38100">
+            <a:tailEnd type="arrow"/>
+          </a:ln>
+        </p:spPr>
+        <p:style>
+          <a:lnRef idx="1">
+            <a:schemeClr val="accent1"/>
+          </a:lnRef>
+          <a:fillRef idx="0">
+            <a:schemeClr val="accent1"/>
+          </a:fillRef>
+          <a:effectRef idx="0">
+            <a:schemeClr val="accent1"/>
+          </a:effectRef>
+          <a:fontRef idx="minor">
+            <a:schemeClr val="tx1"/>
+          </a:fontRef>
+        </p:style>
+      </p:cxnSp>
+      <p:sp>
+        <p:nvSpPr>
+          <p:cNvPr id="11" name="TextBox 10"/>
+          <p:cNvSpPr txBox="1"/>
+          <p:nvPr/>
+        </p:nvSpPr>
+        <p:spPr>
+          <a:xfrm>
+            <a:off x="533400" y="3124200"/>
+            <a:ext cx="755335" cy="400110"/>
+          </a:xfrm>
+          <a:prstGeom prst="rect">
+            <a:avLst/>
+          </a:prstGeom>
+          <a:noFill/>
+        </p:spPr>
+        <p:txBody>
+          <a:bodyPr wrap="none" rtlCol="0">
+            <a:spAutoFit/>
+          </a:bodyPr>
+          <a:lstStyle/>
+          <a:p>
+            <a:r>
+              <a:rPr lang="en-US" sz="2000" b="1" dirty="0" smtClean="0">
+                <a:solidFill>
+                  <a:schemeClr val="accent6">
+                    <a:lumMod val="75000"/>
+                  </a:schemeClr>
+                </a:solidFill>
+              </a:rPr>
+              <a:t>Input</a:t>
+            </a:r>
+            <a:endParaRPr lang="en-US" sz="2000" b="1" dirty="0">
+              <a:solidFill>
+                <a:schemeClr val="accent6">
+                  <a:lumMod val="75000"/>
+                </a:schemeClr>
+              </a:solidFill>
+            </a:endParaRPr>
+          </a:p>
+        </p:txBody>
+      </p:sp>
+      <p:sp>
+        <p:nvSpPr>
+          <p:cNvPr id="12" name="TextBox 11"/>
+          <p:cNvSpPr txBox="1"/>
+          <p:nvPr/>
+        </p:nvSpPr>
+        <p:spPr>
+          <a:xfrm>
+            <a:off x="7852232" y="3352800"/>
+            <a:ext cx="1257460" cy="707886"/>
+          </a:xfrm>
+          <a:prstGeom prst="rect">
+            <a:avLst/>
+          </a:prstGeom>
+          <a:noFill/>
+        </p:spPr>
+        <p:txBody>
+          <a:bodyPr wrap="none" rtlCol="0">
+            <a:spAutoFit/>
+          </a:bodyPr>
+          <a:lstStyle/>
+          <a:p>
+            <a:r>
+              <a:rPr lang="en-US" sz="2000" b="1" dirty="0" smtClean="0">
+                <a:solidFill>
+                  <a:schemeClr val="accent6">
+                    <a:lumMod val="75000"/>
+                  </a:schemeClr>
+                </a:solidFill>
+              </a:rPr>
+              <a:t>Predicted </a:t>
+            </a:r>
+          </a:p>
+          <a:p>
+            <a:r>
+              <a:rPr lang="en-US" sz="2000" b="1" dirty="0" smtClean="0">
+                <a:solidFill>
+                  <a:schemeClr val="accent6">
+                    <a:lumMod val="75000"/>
+                  </a:schemeClr>
+                </a:solidFill>
+              </a:rPr>
+              <a:t>value</a:t>
+            </a:r>
+            <a:endParaRPr lang="en-US" sz="2000" b="1" dirty="0">
+              <a:solidFill>
+                <a:schemeClr val="accent6">
+                  <a:lumMod val="75000"/>
+                </a:schemeClr>
+              </a:solidFill>
+            </a:endParaRPr>
+          </a:p>
+        </p:txBody>
+      </p:sp>
+      <p:cxnSp>
+        <p:nvCxnSpPr>
+          <p:cNvPr id="13" name="Straight Arrow Connector 12"/>
+          <p:cNvCxnSpPr/>
+          <p:nvPr/>
+        </p:nvCxnSpPr>
+        <p:spPr>
+          <a:xfrm>
+            <a:off x="1676400" y="3587578"/>
+            <a:ext cx="762000" cy="0"/>
+          </a:xfrm>
+          <a:prstGeom prst="straightConnector1">
+            <a:avLst/>
+          </a:prstGeom>
+          <a:ln w="38100">
+            <a:solidFill>
+              <a:schemeClr val="tx1"/>
+            </a:solidFill>
+            <a:tailEnd type="arrow"/>
+          </a:ln>
+        </p:spPr>
+        <p:style>
+          <a:lnRef idx="1">
+            <a:schemeClr val="accent1"/>
+          </a:lnRef>
+          <a:fillRef idx="0">
+            <a:schemeClr val="accent1"/>
+          </a:fillRef>
+          <a:effectRef idx="0">
+            <a:schemeClr val="accent1"/>
+          </a:effectRef>
+          <a:fontRef idx="minor">
+            <a:schemeClr val="tx1"/>
+          </a:fontRef>
+        </p:style>
+      </p:cxnSp>
+      <p:cxnSp>
+        <p:nvCxnSpPr>
+          <p:cNvPr id="15" name="Straight Arrow Connector 14"/>
+          <p:cNvCxnSpPr>
+            <a:stCxn id="4" idx="3"/>
+            <a:endCxn id="5" idx="1"/>
+          </p:cNvCxnSpPr>
+          <p:nvPr/>
+        </p:nvCxnSpPr>
+        <p:spPr>
+          <a:xfrm flipV="1">
+            <a:off x="3733800" y="3124200"/>
+            <a:ext cx="838200" cy="498389"/>
+          </a:xfrm>
+          <a:prstGeom prst="straightConnector1">
+            <a:avLst/>
+          </a:prstGeom>
+          <a:ln w="38100">
+            <a:solidFill>
+              <a:schemeClr val="tx1"/>
+            </a:solidFill>
+            <a:tailEnd type="arrow"/>
+          </a:ln>
+        </p:spPr>
+        <p:style>
+          <a:lnRef idx="1">
+            <a:schemeClr val="accent1"/>
+          </a:lnRef>
+          <a:fillRef idx="0">
+            <a:schemeClr val="accent1"/>
+          </a:fillRef>
+          <a:effectRef idx="0">
+            <a:schemeClr val="accent1"/>
+          </a:effectRef>
+          <a:fontRef idx="minor">
+            <a:schemeClr val="tx1"/>
+          </a:fontRef>
+        </p:style>
+      </p:cxnSp>
+      <p:cxnSp>
+        <p:nvCxnSpPr>
+          <p:cNvPr id="18" name="Straight Arrow Connector 17"/>
+          <p:cNvCxnSpPr/>
+          <p:nvPr/>
+        </p:nvCxnSpPr>
+        <p:spPr>
+          <a:xfrm>
+            <a:off x="3733800" y="3657600"/>
+            <a:ext cx="838200" cy="228600"/>
+          </a:xfrm>
+          <a:prstGeom prst="straightConnector1">
+            <a:avLst/>
+          </a:prstGeom>
+          <a:ln w="38100">
+            <a:solidFill>
+              <a:schemeClr val="tx1"/>
+            </a:solidFill>
+            <a:tailEnd type="arrow"/>
+          </a:ln>
+        </p:spPr>
+        <p:style>
+          <a:lnRef idx="1">
+            <a:schemeClr val="accent1"/>
+          </a:lnRef>
+          <a:fillRef idx="0">
+            <a:schemeClr val="accent1"/>
+          </a:fillRef>
+          <a:effectRef idx="0">
+            <a:schemeClr val="accent1"/>
+          </a:effectRef>
+          <a:fontRef idx="minor">
+            <a:schemeClr val="tx1"/>
+          </a:fontRef>
+        </p:style>
+      </p:cxnSp>
+      <p:cxnSp>
+        <p:nvCxnSpPr>
+          <p:cNvPr id="21" name="Straight Arrow Connector 20"/>
+          <p:cNvCxnSpPr>
+            <a:endCxn id="7" idx="3"/>
+          </p:cNvCxnSpPr>
+          <p:nvPr/>
+        </p:nvCxnSpPr>
+        <p:spPr>
+          <a:xfrm>
+            <a:off x="6096000" y="3124200"/>
+            <a:ext cx="685800" cy="533400"/>
+          </a:xfrm>
+          <a:prstGeom prst="straightConnector1">
+            <a:avLst/>
+          </a:prstGeom>
+          <a:ln w="38100">
+            <a:solidFill>
+              <a:schemeClr val="tx1"/>
+            </a:solidFill>
+            <a:tailEnd type="arrow"/>
+          </a:ln>
+        </p:spPr>
+        <p:style>
+          <a:lnRef idx="1">
+            <a:schemeClr val="accent1"/>
+          </a:lnRef>
+          <a:fillRef idx="0">
+            <a:schemeClr val="accent1"/>
+          </a:fillRef>
+          <a:effectRef idx="0">
+            <a:schemeClr val="accent1"/>
+          </a:effectRef>
+          <a:fontRef idx="minor">
+            <a:schemeClr val="tx1"/>
+          </a:fontRef>
+        </p:style>
+      </p:cxnSp>
+      <p:cxnSp>
+        <p:nvCxnSpPr>
+          <p:cNvPr id="24" name="Straight Arrow Connector 23"/>
+          <p:cNvCxnSpPr>
+            <a:endCxn id="7" idx="3"/>
+          </p:cNvCxnSpPr>
+          <p:nvPr/>
+        </p:nvCxnSpPr>
+        <p:spPr>
+          <a:xfrm flipV="1">
+            <a:off x="6096000" y="3657600"/>
+            <a:ext cx="685800" cy="228601"/>
+          </a:xfrm>
+          <a:prstGeom prst="straightConnector1">
+            <a:avLst/>
+          </a:prstGeom>
+          <a:ln w="38100">
+            <a:solidFill>
+              <a:schemeClr val="tx1"/>
+            </a:solidFill>
+            <a:tailEnd type="arrow"/>
+          </a:ln>
+        </p:spPr>
+        <p:style>
+          <a:lnRef idx="1">
+            <a:schemeClr val="accent1"/>
+          </a:lnRef>
+          <a:fillRef idx="0">
+            <a:schemeClr val="accent1"/>
+          </a:fillRef>
+          <a:effectRef idx="0">
+            <a:schemeClr val="accent1"/>
+          </a:effectRef>
+          <a:fontRef idx="minor">
+            <a:schemeClr val="tx1"/>
+          </a:fontRef>
+        </p:style>
+      </p:cxnSp>
+    </p:spTree>
+    <p:extLst>
+      <p:ext uri="{BB962C8B-B14F-4D97-AF65-F5344CB8AC3E}">
+        <p14:creationId xmlns:p14="http://schemas.microsoft.com/office/powerpoint/2010/main" val="2558064567"/>
       </p:ext>
     </p:extLst>
   </p:cSld>
@@ -3322,9 +5224,8 @@
             <a:pPr lvl="1"/>
             <a:r>
               <a:rPr lang="en-US" dirty="0" smtClean="0"/>
-              <a:t>2292 Teams, 2499 Players, 27735 entries</a:t>
-            </a:r>
-            <a:endParaRPr lang="en-US" dirty="0" smtClean="0"/>
+              <a:t>2340 Teams, 2499 Players, 27735 entries</a:t>
+            </a:r>
           </a:p>
           <a:p>
             <a:r>
@@ -3396,14 +5297,14 @@
               <a:noFill/>
             </a:ln>
             <a:extLst>
-              <a:ext uri="{909E8E84-426E-40dd-AFC4-6F175D3DCCD1}">
+              <a:ext uri="{909E8E84-426E-40DD-AFC4-6F175D3DCCD1}">
                 <a14:hiddenFill xmlns:a14="http://schemas.microsoft.com/office/drawing/2010/main">
                   <a:solidFill>
                     <a:schemeClr val="accent1"/>
                   </a:solidFill>
                 </a14:hiddenFill>
               </a:ext>
-              <a:ext uri="{91240B29-F687-4f45-9708-019B960494DF}">
+              <a:ext uri="{91240B29-F687-4F45-9708-019B960494DF}">
                 <a14:hiddenLine xmlns:a14="http://schemas.microsoft.com/office/drawing/2010/main" w="9525">
                   <a:solidFill>
                     <a:schemeClr val="tx1"/>
@@ -3454,7 +5355,7 @@
   <p:timing>
     <p:tnLst>
       <p:par>
-        <p:cTn xmlns:p14="http://schemas.microsoft.com/office/powerpoint/2010/main" id="1" dur="indefinite" restart="never" nodeType="tmRoot"/>
+        <p:cTn id="1" dur="indefinite" restart="never" nodeType="tmRoot"/>
       </p:par>
     </p:tnLst>
   </p:timing>
@@ -3495,6 +5396,139 @@
           <a:p>
             <a:r>
               <a:rPr lang="en-US" dirty="0" smtClean="0"/>
+              <a:t>Evaluation</a:t>
+            </a:r>
+            <a:endParaRPr lang="en-US" dirty="0"/>
+          </a:p>
+        </p:txBody>
+      </p:sp>
+      <p:sp>
+        <p:nvSpPr>
+          <p:cNvPr id="3" name="Content Placeholder 2"/>
+          <p:cNvSpPr>
+            <a:spLocks noGrp="1"/>
+          </p:cNvSpPr>
+          <p:nvPr>
+            <p:ph idx="1"/>
+          </p:nvPr>
+        </p:nvSpPr>
+        <p:spPr/>
+        <p:txBody>
+          <a:bodyPr/>
+          <a:lstStyle/>
+          <a:p>
+            <a:r>
+              <a:rPr lang="en-US" dirty="0"/>
+              <a:t>Root Mean Squared Error (RMSE)</a:t>
+            </a:r>
+          </a:p>
+          <a:p>
+            <a:pPr lvl="1"/>
+            <a:endParaRPr lang="en-US" dirty="0"/>
+          </a:p>
+        </p:txBody>
+      </p:sp>
+      <p:pic>
+        <p:nvPicPr>
+          <p:cNvPr id="1027" name="Picture 3"/>
+          <p:cNvPicPr>
+            <a:picLocks noChangeAspect="1" noChangeArrowheads="1"/>
+          </p:cNvPicPr>
+          <p:nvPr/>
+        </p:nvPicPr>
+        <p:blipFill>
+          <a:blip r:embed="rId2">
+            <a:extLst>
+              <a:ext uri="{28A0092B-C50C-407E-A947-70E740481C1C}">
+                <a14:useLocalDpi xmlns:a14="http://schemas.microsoft.com/office/drawing/2010/main" val="0"/>
+              </a:ext>
+            </a:extLst>
+          </a:blip>
+          <a:srcRect/>
+          <a:stretch>
+            <a:fillRect/>
+          </a:stretch>
+        </p:blipFill>
+        <p:spPr bwMode="auto">
+          <a:xfrm>
+            <a:off x="2362200" y="2438400"/>
+            <a:ext cx="3114675" cy="857250"/>
+          </a:xfrm>
+          <a:prstGeom prst="rect">
+            <a:avLst/>
+          </a:prstGeom>
+          <a:noFill/>
+          <a:ln>
+            <a:noFill/>
+          </a:ln>
+          <a:extLst>
+            <a:ext uri="{909E8E84-426E-40DD-AFC4-6F175D3DCCD1}">
+              <a14:hiddenFill xmlns:a14="http://schemas.microsoft.com/office/drawing/2010/main">
+                <a:solidFill>
+                  <a:schemeClr val="accent1"/>
+                </a:solidFill>
+              </a14:hiddenFill>
+            </a:ext>
+            <a:ext uri="{91240B29-F687-4F45-9708-019B960494DF}">
+              <a14:hiddenLine xmlns:a14="http://schemas.microsoft.com/office/drawing/2010/main" w="9525">
+                <a:solidFill>
+                  <a:schemeClr val="tx1"/>
+                </a:solidFill>
+                <a:miter lim="800000"/>
+                <a:headEnd/>
+                <a:tailEnd/>
+              </a14:hiddenLine>
+            </a:ext>
+          </a:extLst>
+        </p:spPr>
+      </p:pic>
+    </p:spTree>
+    <p:extLst>
+      <p:ext uri="{BB962C8B-B14F-4D97-AF65-F5344CB8AC3E}">
+        <p14:creationId xmlns:p14="http://schemas.microsoft.com/office/powerpoint/2010/main" val="2705854559"/>
+      </p:ext>
+    </p:extLst>
+  </p:cSld>
+  <p:clrMapOvr>
+    <a:masterClrMapping/>
+  </p:clrMapOvr>
+</p:sld>
+</file>
+
+<file path=ppt/slides/slide4.xml><?xml version="1.0" encoding="utf-8"?>
+<p:sld xmlns:a="http://schemas.openxmlformats.org/drawingml/2006/main" xmlns:r="http://schemas.openxmlformats.org/officeDocument/2006/relationships" xmlns:p="http://schemas.openxmlformats.org/presentationml/2006/main">
+  <p:cSld>
+    <p:spTree>
+      <p:nvGrpSpPr>
+        <p:cNvPr id="1" name=""/>
+        <p:cNvGrpSpPr/>
+        <p:nvPr/>
+      </p:nvGrpSpPr>
+      <p:grpSpPr>
+        <a:xfrm>
+          <a:off x="0" y="0"/>
+          <a:ext cx="0" cy="0"/>
+          <a:chOff x="0" y="0"/>
+          <a:chExt cx="0" cy="0"/>
+        </a:xfrm>
+      </p:grpSpPr>
+      <p:sp>
+        <p:nvSpPr>
+          <p:cNvPr id="2" name="Title 1"/>
+          <p:cNvSpPr>
+            <a:spLocks noGrp="1"/>
+          </p:cNvSpPr>
+          <p:nvPr>
+            <p:ph type="title"/>
+          </p:nvPr>
+        </p:nvSpPr>
+        <p:spPr/>
+        <p:txBody>
+          <a:bodyPr/>
+          <a:lstStyle/>
+          <a:p>
+            <a:r>
+              <a:rPr lang="en-US" dirty="0" smtClean="0"/>
               <a:t>Dataset</a:t>
             </a:r>
             <a:endParaRPr lang="en-US" dirty="0"/>
@@ -3519,7 +5553,7 @@
         </p:spPr>
         <p:txBody>
           <a:bodyPr>
-            <a:normAutofit fontScale="92500" lnSpcReduction="20000"/>
+            <a:normAutofit/>
           </a:bodyPr>
           <a:lstStyle/>
           <a:p>
@@ -3560,11 +5594,7 @@
             </a:r>
             <a:r>
               <a:rPr lang="en-US" dirty="0" smtClean="0"/>
-              <a:t>: </a:t>
-            </a:r>
-            <a:r>
-              <a:rPr lang="en-US" dirty="0" smtClean="0"/>
-              <a:t>137 </a:t>
+              <a:t>: 137 </a:t>
             </a:r>
             <a:r>
               <a:rPr lang="en-US" altLang="zh-CN" dirty="0" smtClean="0"/>
@@ -3576,7 +5606,7 @@
             </a:r>
             <a:r>
               <a:rPr lang="en-US" dirty="0" smtClean="0"/>
-              <a:t>10000</a:t>
+              <a:t>1000</a:t>
             </a:r>
             <a:r>
               <a:rPr lang="en-US" altLang="zh-CN" dirty="0" smtClean="0"/>
@@ -3586,7 +5616,6 @@
               <a:rPr lang="en-US" dirty="0" smtClean="0"/>
               <a:t> records</a:t>
             </a:r>
-            <a:endParaRPr lang="en-US" dirty="0" smtClean="0"/>
           </a:p>
           <a:p>
             <a:r>
@@ -3597,133 +5626,206 @@
           </a:p>
           <a:p>
             <a:pPr lvl="1"/>
-            <a:r>
-              <a:rPr lang="en-US" dirty="0" smtClean="0"/>
-              <a:t>Open </a:t>
-            </a:r>
-            <a:r>
-              <a:rPr lang="en-US" dirty="0" smtClean="0"/>
-              <a:t>Date</a:t>
-            </a:r>
-          </a:p>
+            <a:endParaRPr lang="en-US" dirty="0" smtClean="0"/>
+          </a:p>
+        </p:txBody>
+      </p:sp>
+      <p:pic>
+        <p:nvPicPr>
+          <p:cNvPr id="4" name="Picture 2"/>
+          <p:cNvPicPr>
+            <a:picLocks noChangeAspect="1" noChangeArrowheads="1"/>
+          </p:cNvPicPr>
+          <p:nvPr/>
+        </p:nvPicPr>
+        <p:blipFill>
+          <a:blip r:embed="rId2">
+            <a:extLst>
+              <a:ext uri="{28A0092B-C50C-407E-A947-70E740481C1C}">
+                <a14:useLocalDpi xmlns:a14="http://schemas.microsoft.com/office/drawing/2010/main" val="0"/>
+              </a:ext>
+            </a:extLst>
+          </a:blip>
+          <a:srcRect/>
+          <a:stretch>
+            <a:fillRect/>
+          </a:stretch>
+        </p:blipFill>
+        <p:spPr bwMode="auto">
+          <a:xfrm>
+            <a:off x="279217" y="3200400"/>
+            <a:ext cx="8773094" cy="2286000"/>
+          </a:xfrm>
+          <a:prstGeom prst="rect">
+            <a:avLst/>
+          </a:prstGeom>
+          <a:noFill/>
+          <a:ln>
+            <a:noFill/>
+          </a:ln>
+          <a:extLst>
+            <a:ext uri="{909E8E84-426E-40DD-AFC4-6F175D3DCCD1}">
+              <a14:hiddenFill xmlns:a14="http://schemas.microsoft.com/office/drawing/2010/main">
+                <a:solidFill>
+                  <a:schemeClr val="accent1"/>
+                </a:solidFill>
+              </a14:hiddenFill>
+            </a:ext>
+            <a:ext uri="{91240B29-F687-4F45-9708-019B960494DF}">
+              <a14:hiddenLine xmlns:a14="http://schemas.microsoft.com/office/drawing/2010/main" w="9525">
+                <a:solidFill>
+                  <a:schemeClr val="tx1"/>
+                </a:solidFill>
+                <a:miter lim="800000"/>
+                <a:headEnd/>
+                <a:tailEnd/>
+              </a14:hiddenLine>
+            </a:ext>
+          </a:extLst>
+        </p:spPr>
+      </p:pic>
+      <p:sp>
+        <p:nvSpPr>
+          <p:cNvPr id="6" name="TextBox 5"/>
+          <p:cNvSpPr txBox="1"/>
+          <p:nvPr/>
+        </p:nvSpPr>
+        <p:spPr>
+          <a:xfrm>
+            <a:off x="3276600" y="4800600"/>
+            <a:ext cx="4038600" cy="1477328"/>
+          </a:xfrm>
+          <a:prstGeom prst="rect">
+            <a:avLst/>
+          </a:prstGeom>
+          <a:solidFill>
+            <a:schemeClr val="accent6">
+              <a:lumMod val="20000"/>
+              <a:lumOff val="80000"/>
+            </a:schemeClr>
+          </a:solidFill>
+          <a:ln w="38100">
+            <a:solidFill>
+              <a:schemeClr val="accent6">
+                <a:lumMod val="50000"/>
+              </a:schemeClr>
+            </a:solidFill>
+          </a:ln>
+        </p:spPr>
+        <p:txBody>
+          <a:bodyPr wrap="square" rtlCol="0">
+            <a:spAutoFit/>
+          </a:bodyPr>
+          <a:lstStyle/>
           <a:p>
             <a:pPr lvl="1"/>
             <a:r>
-              <a:rPr lang="en-US" dirty="0" smtClean="0"/>
-              <a:t>City</a:t>
-            </a:r>
-            <a:r>
-              <a:rPr lang="zh-CN" altLang="en-US" dirty="0" smtClean="0"/>
+              <a:rPr lang="en-US" altLang="zh-CN" dirty="0"/>
+              <a:t>37</a:t>
+            </a:r>
+            <a:r>
+              <a:rPr lang="zh-CN" altLang="en-US" dirty="0"/>
               <a:t> </a:t>
             </a:r>
             <a:r>
-              <a:rPr lang="en-US" altLang="zh-CN" dirty="0" smtClean="0"/>
-              <a:t>Name</a:t>
-            </a:r>
-            <a:endParaRPr lang="en-US" dirty="0" smtClean="0"/>
-          </a:p>
-          <a:p>
-            <a:pPr lvl="1"/>
-            <a:r>
-              <a:rPr lang="en-US" dirty="0" smtClean="0"/>
-              <a:t>City Group: </a:t>
-            </a:r>
-            <a:r>
-              <a:rPr lang="en-US" dirty="0" smtClean="0"/>
-              <a:t>Big </a:t>
-            </a:r>
-            <a:r>
-              <a:rPr lang="en-US" dirty="0" smtClean="0"/>
-              <a:t>city, </a:t>
-            </a:r>
-            <a:r>
-              <a:rPr lang="en-US" dirty="0" smtClean="0"/>
-              <a:t>Others</a:t>
-            </a:r>
-            <a:endParaRPr lang="en-US" dirty="0" smtClean="0"/>
-          </a:p>
-          <a:p>
-            <a:pPr lvl="1"/>
-            <a:r>
-              <a:rPr lang="en-US" altLang="zh-CN" dirty="0" smtClean="0"/>
-              <a:t>Restaurant</a:t>
-            </a:r>
-            <a:r>
-              <a:rPr lang="zh-CN" altLang="en-US" dirty="0" smtClean="0"/>
+              <a:rPr lang="en-US" altLang="zh-CN" dirty="0"/>
+              <a:t>obfuscated numeric</a:t>
+            </a:r>
+            <a:r>
+              <a:rPr lang="zh-CN" altLang="en-US" dirty="0"/>
               <a:t> </a:t>
             </a:r>
             <a:r>
-              <a:rPr lang="en-US" dirty="0" smtClean="0"/>
-              <a:t>Type</a:t>
-            </a:r>
-          </a:p>
-          <a:p>
-            <a:pPr lvl="1"/>
-            <a:r>
-              <a:rPr lang="en-US" altLang="zh-CN" dirty="0" smtClean="0"/>
-              <a:t>37</a:t>
-            </a:r>
-            <a:r>
-              <a:rPr lang="zh-CN" altLang="en-US" dirty="0" smtClean="0"/>
+              <a:rPr lang="en-US" altLang="zh-CN" dirty="0"/>
+              <a:t>attributes</a:t>
+            </a:r>
+          </a:p>
+          <a:p>
+            <a:pPr marL="742950" lvl="1" indent="-285750">
+              <a:buFont typeface="Arial" panose="020B0604020202020204" pitchFamily="34" charset="0"/>
+              <a:buChar char="•"/>
+            </a:pPr>
+            <a:r>
+              <a:rPr lang="en-US" altLang="zh-CN" dirty="0"/>
+              <a:t>Demographic</a:t>
+            </a:r>
+            <a:r>
+              <a:rPr lang="zh-CN" altLang="en-US" dirty="0"/>
               <a:t> </a:t>
             </a:r>
             <a:r>
               <a:rPr lang="en-US" altLang="zh-CN" dirty="0"/>
-              <a:t>obfuscated </a:t>
-            </a:r>
-            <a:r>
-              <a:rPr lang="en-US" altLang="zh-CN" dirty="0" smtClean="0"/>
-              <a:t>numeric</a:t>
-            </a:r>
-            <a:r>
-              <a:rPr lang="zh-CN" altLang="en-US" dirty="0" smtClean="0"/>
-              <a:t> </a:t>
-            </a:r>
-            <a:r>
-              <a:rPr lang="en-US" altLang="zh-CN" dirty="0" smtClean="0"/>
-              <a:t>attributes</a:t>
-            </a:r>
-          </a:p>
-          <a:p>
-            <a:pPr lvl="2"/>
-            <a:r>
-              <a:rPr lang="en-US" altLang="zh-CN" dirty="0" smtClean="0"/>
-              <a:t>Demographic</a:t>
-            </a:r>
-            <a:r>
-              <a:rPr lang="zh-CN" altLang="en-US" dirty="0" smtClean="0"/>
-              <a:t> </a:t>
-            </a:r>
-            <a:r>
-              <a:rPr lang="en-US" altLang="zh-CN" dirty="0" smtClean="0"/>
               <a:t>data</a:t>
             </a:r>
           </a:p>
           <a:p>
-            <a:pPr lvl="2"/>
-            <a:r>
-              <a:rPr lang="en-US" altLang="zh-CN" dirty="0" smtClean="0"/>
+            <a:pPr marL="742950" lvl="1" indent="-285750">
+              <a:buFont typeface="Arial" panose="020B0604020202020204" pitchFamily="34" charset="0"/>
+              <a:buChar char="•"/>
+            </a:pPr>
+            <a:r>
+              <a:rPr lang="en-US" altLang="zh-CN" dirty="0"/>
               <a:t>Real estate data</a:t>
             </a:r>
           </a:p>
           <a:p>
-            <a:pPr lvl="2"/>
-            <a:r>
-              <a:rPr lang="en-US" altLang="zh-CN" dirty="0" smtClean="0"/>
+            <a:pPr marL="742950" lvl="1" indent="-285750">
+              <a:buFont typeface="Arial" panose="020B0604020202020204" pitchFamily="34" charset="0"/>
+              <a:buChar char="•"/>
+            </a:pPr>
+            <a:r>
+              <a:rPr lang="en-US" altLang="zh-CN" dirty="0"/>
               <a:t>Commercial data</a:t>
             </a:r>
           </a:p>
           <a:p>
-            <a:pPr lvl="1"/>
-            <a:r>
-              <a:rPr lang="en-US" altLang="zh-CN" dirty="0" smtClean="0"/>
+            <a:endParaRPr lang="en-US" dirty="0"/>
+          </a:p>
+        </p:txBody>
+      </p:sp>
+      <p:sp>
+        <p:nvSpPr>
+          <p:cNvPr id="7" name="TextBox 6"/>
+          <p:cNvSpPr txBox="1"/>
+          <p:nvPr/>
+        </p:nvSpPr>
+        <p:spPr>
+          <a:xfrm>
+            <a:off x="5205241" y="6096000"/>
+            <a:ext cx="3810000" cy="646331"/>
+          </a:xfrm>
+          <a:prstGeom prst="rect">
+            <a:avLst/>
+          </a:prstGeom>
+          <a:solidFill>
+            <a:schemeClr val="accent6">
+              <a:lumMod val="20000"/>
+              <a:lumOff val="80000"/>
+            </a:schemeClr>
+          </a:solidFill>
+          <a:ln w="28575">
+            <a:solidFill>
+              <a:schemeClr val="accent6">
+                <a:lumMod val="50000"/>
+              </a:schemeClr>
+            </a:solidFill>
+          </a:ln>
+        </p:spPr>
+        <p:txBody>
+          <a:bodyPr wrap="square" rtlCol="0">
+            <a:spAutoFit/>
+          </a:bodyPr>
+          <a:lstStyle/>
+          <a:p>
+            <a:pPr marL="0" lvl="1"/>
+            <a:r>
+              <a:rPr lang="en-US" altLang="zh-CN" dirty="0"/>
               <a:t>Revenue (only available in training set)</a:t>
             </a:r>
             <a:endParaRPr lang="zh-CN" altLang="en-US" dirty="0"/>
           </a:p>
           <a:p>
-            <a:pPr lvl="1"/>
-            <a:endParaRPr lang="en-US" dirty="0" smtClean="0"/>
+            <a:endParaRPr lang="en-US" dirty="0"/>
           </a:p>
         </p:txBody>
       </p:sp>
@@ -3740,14 +5842,14 @@
   <p:timing>
     <p:tnLst>
       <p:par>
-        <p:cTn xmlns:p14="http://schemas.microsoft.com/office/powerpoint/2010/main" id="1" dur="indefinite" restart="never" nodeType="tmRoot"/>
+        <p:cTn id="1" dur="indefinite" restart="never" nodeType="tmRoot"/>
       </p:par>
     </p:tnLst>
   </p:timing>
 </p:sld>
 </file>
 
-<file path=ppt/slides/slide4.xml><?xml version="1.0" encoding="utf-8"?>
+<file path=ppt/slides/slide5.xml><?xml version="1.0" encoding="utf-8"?>
 <p:sld xmlns:a="http://schemas.openxmlformats.org/drawingml/2006/main" xmlns:r="http://schemas.openxmlformats.org/officeDocument/2006/relationships" xmlns:p="http://schemas.openxmlformats.org/presentationml/2006/main">
   <p:cSld>
     <p:spTree>
@@ -3895,7 +5997,7 @@
             <p:nvPr/>
           </p:nvPicPr>
           <p:blipFill>
-            <a:blip r:embed="rId2"/>
+            <a:blip r:embed="rId3"/>
             <a:stretch>
               <a:fillRect/>
             </a:stretch>
@@ -3965,7 +6067,7 @@
             <p:nvPr/>
           </p:nvPicPr>
           <p:blipFill>
-            <a:blip r:embed="rId3"/>
+            <a:blip r:embed="rId4"/>
             <a:stretch>
               <a:fillRect/>
             </a:stretch>
@@ -3994,135 +6096,7 @@
   <p:timing>
     <p:tnLst>
       <p:par>
-        <p:cTn xmlns:p14="http://schemas.microsoft.com/office/powerpoint/2010/main" id="1" dur="indefinite" restart="never" nodeType="tmRoot"/>
-      </p:par>
-    </p:tnLst>
-  </p:timing>
-</p:sld>
-</file>
-
-<file path=ppt/slides/slide5.xml><?xml version="1.0" encoding="utf-8"?>
-<p:sld xmlns:a="http://schemas.openxmlformats.org/drawingml/2006/main" xmlns:r="http://schemas.openxmlformats.org/officeDocument/2006/relationships" xmlns:p="http://schemas.openxmlformats.org/presentationml/2006/main">
-  <p:cSld>
-    <p:spTree>
-      <p:nvGrpSpPr>
-        <p:cNvPr id="1" name=""/>
-        <p:cNvGrpSpPr/>
-        <p:nvPr/>
-      </p:nvGrpSpPr>
-      <p:grpSpPr>
-        <a:xfrm>
-          <a:off x="0" y="0"/>
-          <a:ext cx="0" cy="0"/>
-          <a:chOff x="0" y="0"/>
-          <a:chExt cx="0" cy="0"/>
-        </a:xfrm>
-      </p:grpSpPr>
-      <p:sp>
-        <p:nvSpPr>
-          <p:cNvPr id="2" name="Title 1"/>
-          <p:cNvSpPr>
-            <a:spLocks noGrp="1"/>
-          </p:cNvSpPr>
-          <p:nvPr>
-            <p:ph type="title"/>
-          </p:nvPr>
-        </p:nvSpPr>
-        <p:spPr/>
-        <p:txBody>
-          <a:bodyPr/>
-          <a:lstStyle/>
-          <a:p>
-            <a:r>
-              <a:rPr lang="en-US" altLang="zh-CN" dirty="0"/>
-              <a:t>Pre-</a:t>
-            </a:r>
-            <a:r>
-              <a:rPr lang="en-US" altLang="zh-CN" dirty="0" smtClean="0"/>
-              <a:t>processing (Cont.)</a:t>
-            </a:r>
-            <a:endParaRPr lang="en-US" dirty="0"/>
-          </a:p>
-        </p:txBody>
-      </p:sp>
-      <p:sp>
-        <p:nvSpPr>
-          <p:cNvPr id="3" name="Content Placeholder 2"/>
-          <p:cNvSpPr>
-            <a:spLocks noGrp="1"/>
-          </p:cNvSpPr>
-          <p:nvPr>
-            <p:ph idx="1"/>
-          </p:nvPr>
-        </p:nvSpPr>
-        <p:spPr/>
-        <p:txBody>
-          <a:bodyPr/>
-          <a:lstStyle/>
-          <a:p>
-            <a:r>
-              <a:rPr lang="en-US" dirty="0" smtClean="0"/>
-              <a:t>Open Date</a:t>
-            </a:r>
-          </a:p>
-          <a:p>
-            <a:pPr lvl="1"/>
-            <a:r>
-              <a:rPr lang="en-US" dirty="0" smtClean="0"/>
-              <a:t>Convert from string to numeric type</a:t>
-            </a:r>
-          </a:p>
-          <a:p>
-            <a:pPr lvl="1"/>
-            <a:r>
-              <a:rPr lang="en-US" dirty="0" smtClean="0"/>
-              <a:t>Days opened till 2/1/2014</a:t>
-            </a:r>
-          </a:p>
-          <a:p>
-            <a:r>
-              <a:rPr lang="en-US" dirty="0" smtClean="0"/>
-              <a:t>Feature Scaling</a:t>
-            </a:r>
-          </a:p>
-          <a:p>
-            <a:pPr lvl="1"/>
-            <a:r>
-              <a:rPr lang="en-US" dirty="0" smtClean="0"/>
-              <a:t>Standardize</a:t>
-            </a:r>
-          </a:p>
-          <a:p>
-            <a:pPr lvl="1"/>
-            <a:r>
-              <a:rPr lang="en-US" dirty="0" smtClean="0"/>
-              <a:t>zero mean</a:t>
-            </a:r>
-          </a:p>
-          <a:p>
-            <a:pPr lvl="1"/>
-            <a:r>
-              <a:rPr lang="en-US" dirty="0" smtClean="0"/>
-              <a:t>unit variance</a:t>
-            </a:r>
-            <a:endParaRPr lang="en-US" dirty="0" smtClean="0"/>
-          </a:p>
-        </p:txBody>
-      </p:sp>
-    </p:spTree>
-    <p:extLst>
-      <p:ext uri="{BB962C8B-B14F-4D97-AF65-F5344CB8AC3E}">
-        <p14:creationId xmlns:p14="http://schemas.microsoft.com/office/powerpoint/2010/main" val="3651053048"/>
-      </p:ext>
-    </p:extLst>
-  </p:cSld>
-  <p:clrMapOvr>
-    <a:masterClrMapping/>
-  </p:clrMapOvr>
-  <p:timing>
-    <p:tnLst>
-      <p:par>
-        <p:cTn xmlns:p14="http://schemas.microsoft.com/office/powerpoint/2010/main" id="1" dur="indefinite" restart="never" nodeType="tmRoot"/>
+        <p:cTn id="1" dur="indefinite" restart="never" nodeType="tmRoot"/>
       </p:par>
     </p:tnLst>
   </p:timing>
@@ -4148,7 +6122,7 @@
       </p:grpSpPr>
       <p:sp>
         <p:nvSpPr>
-          <p:cNvPr id="2" name="标题 1"/>
+          <p:cNvPr id="2" name="Title 1"/>
           <p:cNvSpPr>
             <a:spLocks noGrp="1"/>
           </p:cNvSpPr>
@@ -4162,16 +6136,20 @@
           <a:lstStyle/>
           <a:p>
             <a:r>
-              <a:rPr kumimoji="1" lang="en-US" altLang="zh-CN" dirty="0" smtClean="0"/>
-              <a:t>Exploring the Data</a:t>
-            </a:r>
-            <a:endParaRPr kumimoji="1" lang="zh-CN" altLang="en-US" dirty="0"/>
-          </a:p>
-        </p:txBody>
-      </p:sp>
-      <p:sp>
-        <p:nvSpPr>
-          <p:cNvPr id="3" name="内容占位符 2"/>
+              <a:rPr lang="en-US" altLang="zh-CN" dirty="0"/>
+              <a:t>Pre-</a:t>
+            </a:r>
+            <a:r>
+              <a:rPr lang="en-US" altLang="zh-CN" dirty="0" smtClean="0"/>
+              <a:t>processing (Cont.)</a:t>
+            </a:r>
+            <a:endParaRPr lang="en-US" dirty="0"/>
+          </a:p>
+        </p:txBody>
+      </p:sp>
+      <p:sp>
+        <p:nvSpPr>
+          <p:cNvPr id="3" name="Content Placeholder 2"/>
           <p:cNvSpPr>
             <a:spLocks noGrp="1"/>
           </p:cNvSpPr>
@@ -4185,47 +6163,70 @@
           <a:lstStyle/>
           <a:p>
             <a:r>
-              <a:rPr kumimoji="1" lang="en-US" altLang="zh-CN" dirty="0" smtClean="0"/>
-              <a:t>Days opened is the most correlated attribute </a:t>
-            </a:r>
-            <a:endParaRPr kumimoji="1" lang="zh-CN" altLang="en-US" dirty="0"/>
-          </a:p>
-        </p:txBody>
-      </p:sp>
-      <p:pic>
-        <p:nvPicPr>
-          <p:cNvPr id="5" name="图片 4"/>
-          <p:cNvPicPr>
-            <a:picLocks noChangeAspect="1"/>
-          </p:cNvPicPr>
-          <p:nvPr/>
-        </p:nvPicPr>
-        <p:blipFill>
-          <a:blip r:embed="rId2"/>
-          <a:stretch>
-            <a:fillRect/>
-          </a:stretch>
-        </p:blipFill>
-        <p:spPr>
-          <a:xfrm>
-            <a:off x="1866056" y="2321939"/>
-            <a:ext cx="5079820" cy="4280309"/>
-          </a:xfrm>
-          <a:prstGeom prst="rect">
-            <a:avLst/>
-          </a:prstGeom>
-        </p:spPr>
-      </p:pic>
+              <a:rPr lang="en-US" dirty="0" smtClean="0"/>
+              <a:t>Open Date</a:t>
+            </a:r>
+          </a:p>
+          <a:p>
+            <a:pPr lvl="1"/>
+            <a:r>
+              <a:rPr lang="en-US" dirty="0" smtClean="0"/>
+              <a:t>Convert from string to numeric type</a:t>
+            </a:r>
+          </a:p>
+          <a:p>
+            <a:pPr lvl="1"/>
+            <a:r>
+              <a:rPr lang="en-US" dirty="0" smtClean="0"/>
+              <a:t>Days opened till 2/1/2014</a:t>
+            </a:r>
+          </a:p>
+          <a:p>
+            <a:r>
+              <a:rPr lang="en-US" dirty="0" smtClean="0"/>
+              <a:t>Feature Scaling</a:t>
+            </a:r>
+          </a:p>
+          <a:p>
+            <a:pPr lvl="1"/>
+            <a:r>
+              <a:rPr lang="en-US" dirty="0" smtClean="0"/>
+              <a:t>Standardize</a:t>
+            </a:r>
+          </a:p>
+          <a:p>
+            <a:pPr lvl="1"/>
+            <a:r>
+              <a:rPr lang="en-US" dirty="0" smtClean="0"/>
+              <a:t>zero mean</a:t>
+            </a:r>
+          </a:p>
+          <a:p>
+            <a:pPr lvl="1"/>
+            <a:r>
+              <a:rPr lang="en-US" dirty="0" smtClean="0"/>
+              <a:t>unit variance</a:t>
+            </a:r>
+          </a:p>
+        </p:txBody>
+      </p:sp>
     </p:spTree>
     <p:extLst>
       <p:ext uri="{BB962C8B-B14F-4D97-AF65-F5344CB8AC3E}">
-        <p14:creationId xmlns:p14="http://schemas.microsoft.com/office/powerpoint/2010/main" val="1383306667"/>
+        <p14:creationId xmlns:p14="http://schemas.microsoft.com/office/powerpoint/2010/main" val="3651053048"/>
       </p:ext>
     </p:extLst>
   </p:cSld>
   <p:clrMapOvr>
     <a:masterClrMapping/>
   </p:clrMapOvr>
+  <p:timing>
+    <p:tnLst>
+      <p:par>
+        <p:cTn id="1" dur="indefinite" restart="never" nodeType="tmRoot"/>
+      </p:par>
+    </p:tnLst>
+  </p:timing>
 </p:sld>
 </file>
 
@@ -4262,117 +6263,181 @@
           <a:lstStyle/>
           <a:p>
             <a:r>
+              <a:rPr kumimoji="1" lang="en-US" altLang="zh-CN" dirty="0"/>
+              <a:t>Exploring the Data</a:t>
+            </a:r>
+            <a:endParaRPr lang="en-US" dirty="0"/>
+          </a:p>
+        </p:txBody>
+      </p:sp>
+      <p:sp>
+        <p:nvSpPr>
+          <p:cNvPr id="3" name="Content Placeholder 2"/>
+          <p:cNvSpPr>
+            <a:spLocks noGrp="1"/>
+          </p:cNvSpPr>
+          <p:nvPr>
+            <p:ph idx="1"/>
+          </p:nvPr>
+        </p:nvSpPr>
+        <p:spPr>
+          <a:xfrm>
+            <a:off x="457200" y="1295400"/>
+            <a:ext cx="8229600" cy="4830763"/>
+          </a:xfrm>
+        </p:spPr>
+        <p:txBody>
+          <a:bodyPr/>
+          <a:lstStyle/>
+          <a:p>
+            <a:r>
               <a:rPr lang="en-US" dirty="0" smtClean="0"/>
-              <a:t>Training</a:t>
-            </a:r>
+              <a:t>Correlations</a:t>
+            </a:r>
+          </a:p>
+          <a:p>
             <a:endParaRPr lang="en-US" dirty="0"/>
           </a:p>
         </p:txBody>
       </p:sp>
-      <p:sp>
-        <p:nvSpPr>
-          <p:cNvPr id="3" name="Content Placeholder 2"/>
-          <p:cNvSpPr>
-            <a:spLocks noGrp="1"/>
-          </p:cNvSpPr>
-          <p:nvPr>
-            <p:ph idx="1"/>
-          </p:nvPr>
-        </p:nvSpPr>
-        <p:spPr/>
-        <p:txBody>
-          <a:bodyPr>
-            <a:normAutofit/>
+      <p:pic>
+        <p:nvPicPr>
+          <p:cNvPr id="3074" name="Picture 2"/>
+          <p:cNvPicPr>
+            <a:picLocks noChangeAspect="1" noChangeArrowheads="1"/>
+          </p:cNvPicPr>
+          <p:nvPr/>
+        </p:nvPicPr>
+        <p:blipFill>
+          <a:blip r:embed="rId2">
+            <a:extLst>
+              <a:ext uri="{28A0092B-C50C-407E-A947-70E740481C1C}">
+                <a14:useLocalDpi xmlns:a14="http://schemas.microsoft.com/office/drawing/2010/main" val="0"/>
+              </a:ext>
+            </a:extLst>
+          </a:blip>
+          <a:srcRect/>
+          <a:stretch>
+            <a:fillRect/>
+          </a:stretch>
+        </p:blipFill>
+        <p:spPr bwMode="auto">
+          <a:xfrm>
+            <a:off x="228600" y="1779374"/>
+            <a:ext cx="4800600" cy="4422058"/>
+          </a:xfrm>
+          <a:prstGeom prst="rect">
+            <a:avLst/>
+          </a:prstGeom>
+          <a:noFill/>
+          <a:ln>
+            <a:noFill/>
+          </a:ln>
+          <a:extLst>
+            <a:ext uri="{909E8E84-426E-40DD-AFC4-6F175D3DCCD1}">
+              <a14:hiddenFill xmlns:a14="http://schemas.microsoft.com/office/drawing/2010/main">
+                <a:solidFill>
+                  <a:schemeClr val="accent1"/>
+                </a:solidFill>
+              </a14:hiddenFill>
+            </a:ext>
+            <a:ext uri="{91240B29-F687-4F45-9708-019B960494DF}">
+              <a14:hiddenLine xmlns:a14="http://schemas.microsoft.com/office/drawing/2010/main" w="9525">
+                <a:solidFill>
+                  <a:schemeClr val="tx1"/>
+                </a:solidFill>
+                <a:miter lim="800000"/>
+                <a:headEnd/>
+                <a:tailEnd/>
+              </a14:hiddenLine>
+            </a:ext>
+          </a:extLst>
+        </p:spPr>
+      </p:pic>
+      <p:pic>
+        <p:nvPicPr>
+          <p:cNvPr id="5" name="图片 4"/>
+          <p:cNvPicPr>
+            <a:picLocks noChangeAspect="1"/>
+          </p:cNvPicPr>
+          <p:nvPr/>
+        </p:nvPicPr>
+        <p:blipFill>
+          <a:blip r:embed="rId3"/>
+          <a:stretch>
+            <a:fillRect/>
+          </a:stretch>
+        </p:blipFill>
+        <p:spPr>
+          <a:xfrm>
+            <a:off x="5334000" y="2590800"/>
+            <a:ext cx="3526897" cy="2971800"/>
+          </a:xfrm>
+          <a:prstGeom prst="rect">
+            <a:avLst/>
+          </a:prstGeom>
+        </p:spPr>
+      </p:pic>
+      <p:sp>
+        <p:nvSpPr>
+          <p:cNvPr id="4" name="TextBox 3"/>
+          <p:cNvSpPr txBox="1"/>
+          <p:nvPr/>
+        </p:nvSpPr>
+        <p:spPr>
+          <a:xfrm>
+            <a:off x="5173585" y="1784866"/>
+            <a:ext cx="3880678" cy="369332"/>
+          </a:xfrm>
+          <a:prstGeom prst="rect">
+            <a:avLst/>
+          </a:prstGeom>
+          <a:solidFill>
+            <a:schemeClr val="accent6">
+              <a:lumMod val="20000"/>
+              <a:lumOff val="80000"/>
+            </a:schemeClr>
+          </a:solidFill>
+          <a:ln w="28575">
+            <a:solidFill>
+              <a:schemeClr val="accent6">
+                <a:lumMod val="50000"/>
+              </a:schemeClr>
+            </a:solidFill>
+          </a:ln>
+        </p:spPr>
+        <p:txBody>
+          <a:bodyPr wrap="square" rtlCol="0">
+            <a:spAutoFit/>
           </a:bodyPr>
           <a:lstStyle/>
           <a:p>
             <a:r>
-              <a:rPr lang="en-US" dirty="0" smtClean="0"/>
-              <a:t>Train single model</a:t>
-            </a:r>
-          </a:p>
-          <a:p>
-            <a:pPr lvl="1"/>
-            <a:r>
-              <a:rPr lang="en-US" dirty="0" err="1" smtClean="0"/>
-              <a:t>NuSVR</a:t>
-            </a:r>
-            <a:endParaRPr lang="en-US" dirty="0" smtClean="0"/>
-          </a:p>
-          <a:p>
-            <a:pPr lvl="1"/>
-            <a:r>
-              <a:rPr lang="en-US" dirty="0" smtClean="0"/>
-              <a:t>K Nearest Neighbor</a:t>
-            </a:r>
-          </a:p>
-          <a:p>
-            <a:pPr lvl="1"/>
-            <a:r>
-              <a:rPr lang="en-US" altLang="zh-CN" dirty="0" smtClean="0"/>
-              <a:t>Gradient Boosting </a:t>
-            </a:r>
-            <a:r>
-              <a:rPr lang="en-US" altLang="zh-CN" dirty="0" err="1" smtClean="0"/>
-              <a:t>Regressor</a:t>
-            </a:r>
-            <a:endParaRPr lang="en-US" altLang="zh-CN" dirty="0" smtClean="0"/>
-          </a:p>
-          <a:p>
-            <a:r>
-              <a:rPr lang="en-US" altLang="zh-CN" dirty="0" smtClean="0"/>
-              <a:t>Parameters turned based on 5-folds cross validation</a:t>
-            </a:r>
-            <a:endParaRPr lang="en-US" altLang="zh-CN" dirty="0"/>
-          </a:p>
-          <a:p>
-            <a:r>
-              <a:rPr lang="en-US" dirty="0" smtClean="0"/>
-              <a:t>Average the prediction results</a:t>
-            </a:r>
-          </a:p>
-          <a:p>
-            <a:r>
-              <a:rPr lang="en-US" dirty="0" smtClean="0"/>
-              <a:t>Python + </a:t>
-            </a:r>
-            <a:r>
-              <a:rPr lang="en-US" altLang="zh-CN" dirty="0" err="1"/>
-              <a:t>scikit</a:t>
-            </a:r>
-            <a:r>
-              <a:rPr lang="en-US" altLang="zh-CN" dirty="0"/>
-              <a:t>-</a:t>
-            </a:r>
-            <a:r>
-              <a:rPr lang="en-US" altLang="zh-CN" dirty="0" smtClean="0"/>
-              <a:t>learn </a:t>
-            </a:r>
-            <a:r>
-              <a:rPr lang="en-US" dirty="0" smtClean="0"/>
-              <a:t>library</a:t>
-            </a:r>
-            <a:endParaRPr lang="en-US" dirty="0"/>
+              <a:rPr kumimoji="1" lang="en-US" altLang="zh-CN" dirty="0" smtClean="0"/>
+              <a:t>Open-Date: the </a:t>
+            </a:r>
+            <a:r>
+              <a:rPr kumimoji="1" lang="en-US" altLang="zh-CN" dirty="0"/>
+              <a:t>most </a:t>
+            </a:r>
+            <a:r>
+              <a:rPr kumimoji="1" lang="en-US" altLang="zh-CN" dirty="0" smtClean="0"/>
+              <a:t>correlated one!</a:t>
+            </a:r>
+            <a:endParaRPr kumimoji="1" lang="en-US" dirty="0"/>
           </a:p>
         </p:txBody>
       </p:sp>
     </p:spTree>
     <p:extLst>
       <p:ext uri="{BB962C8B-B14F-4D97-AF65-F5344CB8AC3E}">
-        <p14:creationId xmlns:p14="http://schemas.microsoft.com/office/powerpoint/2010/main" val="1917558454"/>
+        <p14:creationId xmlns:p14="http://schemas.microsoft.com/office/powerpoint/2010/main" val="2144478006"/>
       </p:ext>
     </p:extLst>
   </p:cSld>
   <p:clrMapOvr>
     <a:masterClrMapping/>
   </p:clrMapOvr>
-  <p:timing>
-    <p:tnLst>
-      <p:par>
-        <p:cTn xmlns:p14="http://schemas.microsoft.com/office/powerpoint/2010/main" id="1" dur="indefinite" restart="never" nodeType="tmRoot"/>
-      </p:par>
-    </p:tnLst>
-  </p:timing>
 </p:sld>
 </file>
 
@@ -4395,7 +6460,7 @@
       </p:grpSpPr>
       <p:sp>
         <p:nvSpPr>
-          <p:cNvPr id="2" name="标题 1"/>
+          <p:cNvPr id="2" name="Title 1"/>
           <p:cNvSpPr>
             <a:spLocks noGrp="1"/>
           </p:cNvSpPr>
@@ -4403,29 +6468,22 @@
             <p:ph type="title"/>
           </p:nvPr>
         </p:nvSpPr>
-        <p:spPr>
-          <a:xfrm>
-            <a:off x="457200" y="274638"/>
-            <a:ext cx="8229600" cy="411162"/>
-          </a:xfrm>
-        </p:spPr>
-        <p:txBody>
-          <a:bodyPr>
-            <a:normAutofit fontScale="90000"/>
-          </a:bodyPr>
-          <a:lstStyle/>
-          <a:p>
-            <a:r>
-              <a:rPr kumimoji="1" lang="en-US" altLang="zh-CN" dirty="0" smtClean="0"/>
-              <a:t>Issues</a:t>
-            </a:r>
-            <a:endParaRPr kumimoji="1" lang="zh-CN" altLang="en-US" dirty="0"/>
-          </a:p>
-        </p:txBody>
-      </p:sp>
-      <p:sp>
-        <p:nvSpPr>
-          <p:cNvPr id="3" name="内容占位符 2"/>
+        <p:spPr/>
+        <p:txBody>
+          <a:bodyPr/>
+          <a:lstStyle/>
+          <a:p>
+            <a:r>
+              <a:rPr kumimoji="1" lang="en-US" altLang="zh-CN" dirty="0"/>
+              <a:t>Exploring the Data</a:t>
+            </a:r>
+            <a:endParaRPr lang="en-US" dirty="0"/>
+          </a:p>
+        </p:txBody>
+      </p:sp>
+      <p:sp>
+        <p:nvSpPr>
+          <p:cNvPr id="3" name="Content Placeholder 2"/>
           <p:cNvSpPr>
             <a:spLocks noGrp="1"/>
           </p:cNvSpPr>
@@ -4433,218 +6491,42 @@
             <p:ph idx="1"/>
           </p:nvPr>
         </p:nvSpPr>
-        <p:spPr>
-          <a:xfrm>
-            <a:off x="533400" y="838200"/>
-            <a:ext cx="8229600" cy="4525963"/>
-          </a:xfrm>
-        </p:spPr>
-        <p:txBody>
-          <a:bodyPr/>
-          <a:lstStyle/>
-          <a:p>
-            <a:r>
-              <a:rPr kumimoji="1" lang="en-US" altLang="zh-CN" dirty="0" smtClean="0"/>
-              <a:t>Overfitting (training set is too small)</a:t>
-            </a:r>
-          </a:p>
-          <a:p>
-            <a:r>
-              <a:rPr kumimoji="1" lang="en-US" altLang="zh-CN" dirty="0" smtClean="0"/>
-              <a:t>Cross validation can not estimate the performance on test set</a:t>
-            </a:r>
-            <a:endParaRPr kumimoji="1" lang="zh-CN" altLang="en-US" dirty="0"/>
-          </a:p>
-        </p:txBody>
-      </p:sp>
-      <p:pic>
-        <p:nvPicPr>
-          <p:cNvPr id="4" name="图片 3"/>
-          <p:cNvPicPr>
-            <a:picLocks noChangeAspect="1"/>
-          </p:cNvPicPr>
-          <p:nvPr/>
-        </p:nvPicPr>
-        <p:blipFill>
-          <a:blip r:embed="rId2">
-            <a:extLst>
-              <a:ext uri="{28A0092B-C50C-407E-A947-70E740481C1C}">
-                <a14:useLocalDpi xmlns:a14="http://schemas.microsoft.com/office/drawing/2010/main" val="0"/>
-              </a:ext>
-            </a:extLst>
-          </a:blip>
-          <a:stretch>
-            <a:fillRect/>
-          </a:stretch>
-        </p:blipFill>
-        <p:spPr>
-          <a:xfrm>
-            <a:off x="1600200" y="2487928"/>
-            <a:ext cx="5826762" cy="4370072"/>
-          </a:xfrm>
-          <a:prstGeom prst="rect">
-            <a:avLst/>
-          </a:prstGeom>
-        </p:spPr>
-      </p:pic>
-      <p:sp>
-        <p:nvSpPr>
-          <p:cNvPr id="5" name="线形标注 1 4"/>
-          <p:cNvSpPr/>
-          <p:nvPr/>
-        </p:nvSpPr>
-        <p:spPr>
-          <a:xfrm>
-            <a:off x="3657600" y="4724400"/>
-            <a:ext cx="1295400" cy="457200"/>
-          </a:xfrm>
-          <a:prstGeom prst="borderCallout1">
-            <a:avLst>
-              <a:gd name="adj1" fmla="val 18750"/>
-              <a:gd name="adj2" fmla="val -8333"/>
-              <a:gd name="adj3" fmla="val 217365"/>
-              <a:gd name="adj4" fmla="val -37333"/>
-            </a:avLst>
-          </a:prstGeom>
-        </p:spPr>
-        <p:style>
-          <a:lnRef idx="2">
-            <a:schemeClr val="accent2"/>
-          </a:lnRef>
-          <a:fillRef idx="1">
-            <a:schemeClr val="lt1"/>
-          </a:fillRef>
-          <a:effectRef idx="0">
-            <a:schemeClr val="accent2"/>
-          </a:effectRef>
-          <a:fontRef idx="minor">
-            <a:schemeClr val="dk1"/>
-          </a:fontRef>
-        </p:style>
-        <p:txBody>
-          <a:bodyPr rtlCol="0" anchor="ctr"/>
-          <a:lstStyle/>
-          <a:p>
-            <a:pPr algn="ctr"/>
-            <a:r>
-              <a:rPr kumimoji="1" lang="en-US" altLang="zh-CN" dirty="0" smtClean="0"/>
-              <a:t>Rank 115</a:t>
-            </a:r>
-            <a:endParaRPr kumimoji="1" lang="zh-CN" altLang="en-US" dirty="0"/>
-          </a:p>
-        </p:txBody>
-      </p:sp>
-      <p:sp>
-        <p:nvSpPr>
-          <p:cNvPr id="6" name="线形标注 1 5"/>
-          <p:cNvSpPr/>
-          <p:nvPr/>
-        </p:nvSpPr>
-        <p:spPr>
-          <a:xfrm flipH="1">
-            <a:off x="2667000" y="3581400"/>
-            <a:ext cx="1295400" cy="457200"/>
-          </a:xfrm>
-          <a:prstGeom prst="borderCallout1">
-            <a:avLst>
-              <a:gd name="adj1" fmla="val 18750"/>
-              <a:gd name="adj2" fmla="val -8333"/>
-              <a:gd name="adj3" fmla="val -49049"/>
-              <a:gd name="adj4" fmla="val -43335"/>
-            </a:avLst>
-          </a:prstGeom>
-        </p:spPr>
-        <p:style>
-          <a:lnRef idx="2">
-            <a:schemeClr val="accent2"/>
-          </a:lnRef>
-          <a:fillRef idx="1">
-            <a:schemeClr val="lt1"/>
-          </a:fillRef>
-          <a:effectRef idx="0">
-            <a:schemeClr val="accent2"/>
-          </a:effectRef>
-          <a:fontRef idx="minor">
-            <a:schemeClr val="dk1"/>
-          </a:fontRef>
-        </p:style>
-        <p:txBody>
-          <a:bodyPr rtlCol="0" anchor="ctr"/>
-          <a:lstStyle/>
-          <a:p>
-            <a:pPr algn="ctr"/>
-            <a:r>
-              <a:rPr kumimoji="1" lang="en-US" altLang="zh-CN" dirty="0" smtClean="0"/>
-              <a:t>Rank 1890</a:t>
-            </a:r>
-            <a:endParaRPr kumimoji="1" lang="zh-CN" altLang="en-US" dirty="0"/>
-          </a:p>
-        </p:txBody>
-      </p:sp>
-      <p:sp>
-        <p:nvSpPr>
-          <p:cNvPr id="7" name="线形标注 1 6"/>
-          <p:cNvSpPr/>
-          <p:nvPr/>
-        </p:nvSpPr>
-        <p:spPr>
-          <a:xfrm>
-            <a:off x="5715000" y="4343400"/>
-            <a:ext cx="1295400" cy="457200"/>
-          </a:xfrm>
-          <a:prstGeom prst="borderCallout1">
-            <a:avLst>
-              <a:gd name="adj1" fmla="val 18750"/>
-              <a:gd name="adj2" fmla="val -8333"/>
-              <a:gd name="adj3" fmla="val 135174"/>
-              <a:gd name="adj4" fmla="val -25329"/>
-            </a:avLst>
-          </a:prstGeom>
-        </p:spPr>
-        <p:style>
-          <a:lnRef idx="2">
-            <a:schemeClr val="accent2"/>
-          </a:lnRef>
-          <a:fillRef idx="1">
-            <a:schemeClr val="lt1"/>
-          </a:fillRef>
-          <a:effectRef idx="0">
-            <a:schemeClr val="accent2"/>
-          </a:effectRef>
-          <a:fontRef idx="minor">
-            <a:schemeClr val="dk1"/>
-          </a:fontRef>
-        </p:style>
-        <p:txBody>
-          <a:bodyPr rtlCol="0" anchor="ctr"/>
-          <a:lstStyle/>
-          <a:p>
-            <a:pPr algn="ctr"/>
-            <a:r>
-              <a:rPr kumimoji="1" lang="en-US" altLang="zh-CN" dirty="0" smtClean="0"/>
-              <a:t>Rank 866</a:t>
-            </a:r>
-            <a:endParaRPr kumimoji="1" lang="zh-CN" altLang="en-US" dirty="0"/>
+        <p:spPr/>
+        <p:txBody>
+          <a:bodyPr/>
+          <a:lstStyle/>
+          <a:p>
+            <a:r>
+              <a:rPr lang="en-US" dirty="0" smtClean="0"/>
+              <a:t>Feature </a:t>
+            </a:r>
+            <a:r>
+              <a:rPr lang="en-US" dirty="0" smtClean="0"/>
+              <a:t>Rank</a:t>
+            </a:r>
+          </a:p>
+          <a:p>
+            <a:endParaRPr lang="en-US" dirty="0"/>
+          </a:p>
+          <a:p>
+            <a:r>
+              <a:rPr lang="en-US" dirty="0" smtClean="0"/>
+              <a:t>PCA</a:t>
+            </a:r>
+            <a:endParaRPr lang="en-US" dirty="0"/>
           </a:p>
         </p:txBody>
       </p:sp>
     </p:spTree>
     <p:extLst>
       <p:ext uri="{BB962C8B-B14F-4D97-AF65-F5344CB8AC3E}">
-        <p14:creationId xmlns:p14="http://schemas.microsoft.com/office/powerpoint/2010/main" val="4262006165"/>
+        <p14:creationId xmlns:p14="http://schemas.microsoft.com/office/powerpoint/2010/main" val="299007785"/>
       </p:ext>
     </p:extLst>
   </p:cSld>
   <p:clrMapOvr>
     <a:masterClrMapping/>
   </p:clrMapOvr>
-  <p:timing>
-    <p:tnLst>
-      <p:par>
-        <p:cTn xmlns:p14="http://schemas.microsoft.com/office/powerpoint/2010/main" id="1" dur="indefinite" restart="never" nodeType="tmRoot"/>
-      </p:par>
-    </p:tnLst>
-  </p:timing>
 </p:sld>
 </file>
 
@@ -4667,7 +6549,7 @@
       </p:grpSpPr>
       <p:sp>
         <p:nvSpPr>
-          <p:cNvPr id="2" name="标题 1"/>
+          <p:cNvPr id="2" name="Title 1"/>
           <p:cNvSpPr>
             <a:spLocks noGrp="1"/>
           </p:cNvSpPr>
@@ -4681,16 +6563,16 @@
           <a:lstStyle/>
           <a:p>
             <a:r>
-              <a:rPr kumimoji="1" lang="en-US" altLang="zh-CN" dirty="0" smtClean="0"/>
-              <a:t>Results on Public Board</a:t>
-            </a:r>
-            <a:endParaRPr kumimoji="1" lang="zh-CN" altLang="en-US" dirty="0"/>
-          </a:p>
-        </p:txBody>
-      </p:sp>
-      <p:sp>
-        <p:nvSpPr>
-          <p:cNvPr id="3" name="内容占位符 2"/>
+              <a:rPr lang="en-US" dirty="0" smtClean="0"/>
+              <a:t>Training</a:t>
+            </a:r>
+            <a:endParaRPr lang="en-US" dirty="0"/>
+          </a:p>
+        </p:txBody>
+      </p:sp>
+      <p:sp>
+        <p:nvSpPr>
+          <p:cNvPr id="3" name="Content Placeholder 2"/>
           <p:cNvSpPr>
             <a:spLocks noGrp="1"/>
           </p:cNvSpPr>
@@ -4700,98 +6582,85 @@
         </p:nvSpPr>
         <p:spPr/>
         <p:txBody>
-          <a:bodyPr/>
-          <a:lstStyle/>
-          <a:p>
-            <a:r>
-              <a:rPr kumimoji="1" lang="en-US" altLang="zh-CN" dirty="0" smtClean="0"/>
-              <a:t>Rank 1xx / 22xx teams</a:t>
-            </a:r>
-            <a:endParaRPr kumimoji="1" lang="zh-CN" altLang="en-US" dirty="0"/>
-          </a:p>
-        </p:txBody>
-      </p:sp>
-      <p:pic>
-        <p:nvPicPr>
-          <p:cNvPr id="4" name="图片 3"/>
-          <p:cNvPicPr>
-            <a:picLocks noChangeAspect="1"/>
-          </p:cNvPicPr>
-          <p:nvPr/>
-        </p:nvPicPr>
-        <p:blipFill>
-          <a:blip r:embed="rId2">
-            <a:extLst>
-              <a:ext uri="{28A0092B-C50C-407E-A947-70E740481C1C}">
-                <a14:useLocalDpi xmlns:a14="http://schemas.microsoft.com/office/drawing/2010/main" val="0"/>
-              </a:ext>
-            </a:extLst>
-          </a:blip>
-          <a:stretch>
-            <a:fillRect/>
-          </a:stretch>
-        </p:blipFill>
-        <p:spPr>
-          <a:xfrm>
-            <a:off x="1295400" y="2057400"/>
-            <a:ext cx="6400800" cy="4800600"/>
-          </a:xfrm>
-          <a:prstGeom prst="rect">
-            <a:avLst/>
-          </a:prstGeom>
-        </p:spPr>
-      </p:pic>
-      <p:sp>
-        <p:nvSpPr>
-          <p:cNvPr id="5" name="线形标注 1 4"/>
-          <p:cNvSpPr/>
-          <p:nvPr/>
-        </p:nvSpPr>
-        <p:spPr>
-          <a:xfrm>
-            <a:off x="3048000" y="3962400"/>
-            <a:ext cx="1905000" cy="609600"/>
-          </a:xfrm>
-          <a:prstGeom prst="borderCallout1">
-            <a:avLst>
-              <a:gd name="adj1" fmla="val 18750"/>
-              <a:gd name="adj2" fmla="val -8333"/>
-              <a:gd name="adj3" fmla="val 280426"/>
-              <a:gd name="adj4" fmla="val -40374"/>
-            </a:avLst>
-          </a:prstGeom>
-        </p:spPr>
-        <p:style>
-          <a:lnRef idx="2">
-            <a:schemeClr val="accent2"/>
-          </a:lnRef>
-          <a:fillRef idx="1">
-            <a:schemeClr val="lt1"/>
-          </a:fillRef>
-          <a:effectRef idx="0">
-            <a:schemeClr val="accent2"/>
-          </a:effectRef>
-          <a:fontRef idx="minor">
-            <a:schemeClr val="dk1"/>
-          </a:fontRef>
-        </p:style>
-        <p:txBody>
-          <a:bodyPr rtlCol="0" anchor="ctr"/>
-          <a:lstStyle/>
-          <a:p>
-            <a:pPr algn="ctr"/>
-            <a:r>
-              <a:rPr kumimoji="1" lang="en-US" altLang="zh-CN" dirty="0" smtClean="0"/>
-              <a:t>We are here</a:t>
-            </a:r>
-            <a:endParaRPr kumimoji="1" lang="zh-CN" altLang="en-US" dirty="0"/>
+          <a:bodyPr>
+            <a:normAutofit/>
+          </a:bodyPr>
+          <a:lstStyle/>
+          <a:p>
+            <a:r>
+              <a:rPr lang="en-US" dirty="0" smtClean="0"/>
+              <a:t>Train single model</a:t>
+            </a:r>
+          </a:p>
+          <a:p>
+            <a:pPr lvl="1"/>
+            <a:r>
+              <a:rPr lang="en-US" dirty="0" err="1" smtClean="0"/>
+              <a:t>NuSVR</a:t>
+            </a:r>
+            <a:endParaRPr lang="en-US" dirty="0" smtClean="0"/>
+          </a:p>
+          <a:p>
+            <a:pPr lvl="1"/>
+            <a:r>
+              <a:rPr lang="en-US" dirty="0" smtClean="0"/>
+              <a:t>K Nearest Neighbor</a:t>
+            </a:r>
+          </a:p>
+          <a:p>
+            <a:pPr lvl="1"/>
+            <a:r>
+              <a:rPr lang="en-US" altLang="zh-CN" dirty="0" smtClean="0"/>
+              <a:t>Gradient Boosting </a:t>
+            </a:r>
+            <a:r>
+              <a:rPr lang="en-US" altLang="zh-CN" dirty="0" err="1" smtClean="0"/>
+              <a:t>Regressor</a:t>
+            </a:r>
+            <a:endParaRPr lang="en-US" altLang="zh-CN" dirty="0" smtClean="0"/>
+          </a:p>
+          <a:p>
+            <a:r>
+              <a:rPr lang="en-US" altLang="zh-CN" dirty="0" smtClean="0"/>
+              <a:t>Parameters turned based on 5-folds cross validation</a:t>
+            </a:r>
+            <a:endParaRPr lang="en-US" altLang="zh-CN" dirty="0"/>
+          </a:p>
+          <a:p>
+            <a:r>
+              <a:rPr lang="en-US" dirty="0" smtClean="0"/>
+              <a:t>Average the prediction results</a:t>
+            </a:r>
+          </a:p>
+          <a:p>
+            <a:r>
+              <a:rPr lang="en-US" dirty="0" smtClean="0"/>
+              <a:t>Python + </a:t>
+            </a:r>
+            <a:r>
+              <a:rPr lang="en-US" altLang="zh-CN" dirty="0" err="1"/>
+              <a:t>scikit</a:t>
+            </a:r>
+            <a:r>
+              <a:rPr lang="en-US" altLang="zh-CN" dirty="0"/>
+              <a:t>-</a:t>
+            </a:r>
+            <a:r>
+              <a:rPr lang="en-US" altLang="zh-CN" dirty="0" smtClean="0"/>
+              <a:t>learn </a:t>
+            </a:r>
+            <a:r>
+              <a:rPr lang="en-US" dirty="0" smtClean="0"/>
+              <a:t>library</a:t>
+            </a:r>
+            <a:endParaRPr lang="en-US" dirty="0"/>
           </a:p>
         </p:txBody>
       </p:sp>
     </p:spTree>
     <p:extLst>
       <p:ext uri="{BB962C8B-B14F-4D97-AF65-F5344CB8AC3E}">
-        <p14:creationId xmlns:p14="http://schemas.microsoft.com/office/powerpoint/2010/main" val="4030098551"/>
+        <p14:creationId xmlns:p14="http://schemas.microsoft.com/office/powerpoint/2010/main" val="1917558454"/>
       </p:ext>
     </p:extLst>
   </p:cSld>
@@ -4801,7 +6670,7 @@
   <p:timing>
     <p:tnLst>
       <p:par>
-        <p:cTn xmlns:p14="http://schemas.microsoft.com/office/powerpoint/2010/main" id="1" dur="indefinite" restart="never" nodeType="tmRoot"/>
+        <p:cTn id="1" dur="indefinite" restart="never" nodeType="tmRoot"/>
       </p:par>
     </p:tnLst>
   </p:timing>
@@ -5089,4 +6958,289 @@
   <a:objectDefaults/>
   <a:extraClrSchemeLst/>
 </a:theme>
+</file>
+
+<file path=ppt/theme/theme2.xml><?xml version="1.0" encoding="utf-8"?>
+<a:theme xmlns:a="http://schemas.openxmlformats.org/drawingml/2006/main" name="Office Theme">
+  <a:themeElements>
+    <a:clrScheme name="Office">
+      <a:dk1>
+        <a:sysClr val="windowText" lastClr="000000"/>
+      </a:dk1>
+      <a:lt1>
+        <a:sysClr val="window" lastClr="FFFFFF"/>
+      </a:lt1>
+      <a:dk2>
+        <a:srgbClr val="1F497D"/>
+      </a:dk2>
+      <a:lt2>
+        <a:srgbClr val="EEECE1"/>
+      </a:lt2>
+      <a:accent1>
+        <a:srgbClr val="4F81BD"/>
+      </a:accent1>
+      <a:accent2>
+        <a:srgbClr val="C0504D"/>
+      </a:accent2>
+      <a:accent3>
+        <a:srgbClr val="9BBB59"/>
+      </a:accent3>
+      <a:accent4>
+        <a:srgbClr val="8064A2"/>
+      </a:accent4>
+      <a:accent5>
+        <a:srgbClr val="4BACC6"/>
+      </a:accent5>
+      <a:accent6>
+        <a:srgbClr val="F79646"/>
+      </a:accent6>
+      <a:hlink>
+        <a:srgbClr val="0000FF"/>
+      </a:hlink>
+      <a:folHlink>
+        <a:srgbClr val="800080"/>
+      </a:folHlink>
+    </a:clrScheme>
+    <a:fontScheme name="Office">
+      <a:majorFont>
+        <a:latin typeface="Calibri"/>
+        <a:ea typeface=""/>
+        <a:cs typeface=""/>
+        <a:font script="Jpan" typeface="ＭＳ Ｐゴシック"/>
+        <a:font script="Hang" typeface="맑은 고딕"/>
+        <a:font script="Hans" typeface="宋体"/>
+        <a:font script="Hant" typeface="新細明體"/>
+        <a:font script="Arab" typeface="Times New Roman"/>
+        <a:font script="Hebr" typeface="Times New Roman"/>
+        <a:font script="Thai" typeface="Angsana New"/>
+        <a:font script="Ethi" typeface="Nyala"/>
+        <a:font script="Beng" typeface="Vrinda"/>
+        <a:font script="Gujr" typeface="Shruti"/>
+        <a:font script="Khmr" typeface="MoolBoran"/>
+        <a:font script="Knda" typeface="Tunga"/>
+        <a:font script="Guru" typeface="Raavi"/>
+        <a:font script="Cans" typeface="Euphemia"/>
+        <a:font script="Cher" typeface="Plantagenet Cherokee"/>
+        <a:font script="Yiii" typeface="Microsoft Yi Baiti"/>
+        <a:font script="Tibt" typeface="Microsoft Himalaya"/>
+        <a:font script="Thaa" typeface="MV Boli"/>
+        <a:font script="Deva" typeface="Mangal"/>
+        <a:font script="Telu" typeface="Gautami"/>
+        <a:font script="Taml" typeface="Latha"/>
+        <a:font script="Syrc" typeface="Estrangelo Edessa"/>
+        <a:font script="Orya" typeface="Kalinga"/>
+        <a:font script="Mlym" typeface="Kartika"/>
+        <a:font script="Laoo" typeface="DokChampa"/>
+        <a:font script="Sinh" typeface="Iskoola Pota"/>
+        <a:font script="Mong" typeface="Mongolian Baiti"/>
+        <a:font script="Viet" typeface="Times New Roman"/>
+        <a:font script="Uigh" typeface="Microsoft Uighur"/>
+        <a:font script="Geor" typeface="Sylfaen"/>
+      </a:majorFont>
+      <a:minorFont>
+        <a:latin typeface="Calibri"/>
+        <a:ea typeface=""/>
+        <a:cs typeface=""/>
+        <a:font script="Jpan" typeface="ＭＳ Ｐゴシック"/>
+        <a:font script="Hang" typeface="맑은 고딕"/>
+        <a:font script="Hans" typeface="宋体"/>
+        <a:font script="Hant" typeface="新細明體"/>
+        <a:font script="Arab" typeface="Arial"/>
+        <a:font script="Hebr" typeface="Arial"/>
+        <a:font script="Thai" typeface="Cordia New"/>
+        <a:font script="Ethi" typeface="Nyala"/>
+        <a:font script="Beng" typeface="Vrinda"/>
+        <a:font script="Gujr" typeface="Shruti"/>
+        <a:font script="Khmr" typeface="DaunPenh"/>
+        <a:font script="Knda" typeface="Tunga"/>
+        <a:font script="Guru" typeface="Raavi"/>
+        <a:font script="Cans" typeface="Euphemia"/>
+        <a:font script="Cher" typeface="Plantagenet Cherokee"/>
+        <a:font script="Yiii" typeface="Microsoft Yi Baiti"/>
+        <a:font script="Tibt" typeface="Microsoft Himalaya"/>
+        <a:font script="Thaa" typeface="MV Boli"/>
+        <a:font script="Deva" typeface="Mangal"/>
+        <a:font script="Telu" typeface="Gautami"/>
+        <a:font script="Taml" typeface="Latha"/>
+        <a:font script="Syrc" typeface="Estrangelo Edessa"/>
+        <a:font script="Orya" typeface="Kalinga"/>
+        <a:font script="Mlym" typeface="Kartika"/>
+        <a:font script="Laoo" typeface="DokChampa"/>
+        <a:font script="Sinh" typeface="Iskoola Pota"/>
+        <a:font script="Mong" typeface="Mongolian Baiti"/>
+        <a:font script="Viet" typeface="Arial"/>
+        <a:font script="Uigh" typeface="Microsoft Uighur"/>
+        <a:font script="Geor" typeface="Sylfaen"/>
+      </a:minorFont>
+    </a:fontScheme>
+    <a:fmtScheme name="Office">
+      <a:fillStyleLst>
+        <a:solidFill>
+          <a:schemeClr val="phClr"/>
+        </a:solidFill>
+        <a:gradFill rotWithShape="1">
+          <a:gsLst>
+            <a:gs pos="0">
+              <a:schemeClr val="phClr">
+                <a:tint val="50000"/>
+                <a:satMod val="300000"/>
+              </a:schemeClr>
+            </a:gs>
+            <a:gs pos="35000">
+              <a:schemeClr val="phClr">
+                <a:tint val="37000"/>
+                <a:satMod val="300000"/>
+              </a:schemeClr>
+            </a:gs>
+            <a:gs pos="100000">
+              <a:schemeClr val="phClr">
+                <a:tint val="15000"/>
+                <a:satMod val="350000"/>
+              </a:schemeClr>
+            </a:gs>
+          </a:gsLst>
+          <a:lin ang="16200000" scaled="1"/>
+        </a:gradFill>
+        <a:gradFill rotWithShape="1">
+          <a:gsLst>
+            <a:gs pos="0">
+              <a:schemeClr val="phClr">
+                <a:shade val="51000"/>
+                <a:satMod val="130000"/>
+              </a:schemeClr>
+            </a:gs>
+            <a:gs pos="80000">
+              <a:schemeClr val="phClr">
+                <a:shade val="93000"/>
+                <a:satMod val="130000"/>
+              </a:schemeClr>
+            </a:gs>
+            <a:gs pos="100000">
+              <a:schemeClr val="phClr">
+                <a:shade val="94000"/>
+                <a:satMod val="135000"/>
+              </a:schemeClr>
+            </a:gs>
+          </a:gsLst>
+          <a:lin ang="16200000" scaled="0"/>
+        </a:gradFill>
+      </a:fillStyleLst>
+      <a:lnStyleLst>
+        <a:ln w="9525" cap="flat" cmpd="sng" algn="ctr">
+          <a:solidFill>
+            <a:schemeClr val="phClr">
+              <a:shade val="95000"/>
+              <a:satMod val="105000"/>
+            </a:schemeClr>
+          </a:solidFill>
+          <a:prstDash val="solid"/>
+        </a:ln>
+        <a:ln w="25400" cap="flat" cmpd="sng" algn="ctr">
+          <a:solidFill>
+            <a:schemeClr val="phClr"/>
+          </a:solidFill>
+          <a:prstDash val="solid"/>
+        </a:ln>
+        <a:ln w="38100" cap="flat" cmpd="sng" algn="ctr">
+          <a:solidFill>
+            <a:schemeClr val="phClr"/>
+          </a:solidFill>
+          <a:prstDash val="solid"/>
+        </a:ln>
+      </a:lnStyleLst>
+      <a:effectStyleLst>
+        <a:effectStyle>
+          <a:effectLst>
+            <a:outerShdw blurRad="40000" dist="20000" dir="5400000" rotWithShape="0">
+              <a:srgbClr val="000000">
+                <a:alpha val="38000"/>
+              </a:srgbClr>
+            </a:outerShdw>
+          </a:effectLst>
+        </a:effectStyle>
+        <a:effectStyle>
+          <a:effectLst>
+            <a:outerShdw blurRad="40000" dist="23000" dir="5400000" rotWithShape="0">
+              <a:srgbClr val="000000">
+                <a:alpha val="35000"/>
+              </a:srgbClr>
+            </a:outerShdw>
+          </a:effectLst>
+        </a:effectStyle>
+        <a:effectStyle>
+          <a:effectLst>
+            <a:outerShdw blurRad="40000" dist="23000" dir="5400000" rotWithShape="0">
+              <a:srgbClr val="000000">
+                <a:alpha val="35000"/>
+              </a:srgbClr>
+            </a:outerShdw>
+          </a:effectLst>
+          <a:scene3d>
+            <a:camera prst="orthographicFront">
+              <a:rot lat="0" lon="0" rev="0"/>
+            </a:camera>
+            <a:lightRig rig="threePt" dir="t">
+              <a:rot lat="0" lon="0" rev="1200000"/>
+            </a:lightRig>
+          </a:scene3d>
+          <a:sp3d>
+            <a:bevelT w="63500" h="25400"/>
+          </a:sp3d>
+        </a:effectStyle>
+      </a:effectStyleLst>
+      <a:bgFillStyleLst>
+        <a:solidFill>
+          <a:schemeClr val="phClr"/>
+        </a:solidFill>
+        <a:gradFill rotWithShape="1">
+          <a:gsLst>
+            <a:gs pos="0">
+              <a:schemeClr val="phClr">
+                <a:tint val="40000"/>
+                <a:satMod val="350000"/>
+              </a:schemeClr>
+            </a:gs>
+            <a:gs pos="40000">
+              <a:schemeClr val="phClr">
+                <a:tint val="45000"/>
+                <a:shade val="99000"/>
+                <a:satMod val="350000"/>
+              </a:schemeClr>
+            </a:gs>
+            <a:gs pos="100000">
+              <a:schemeClr val="phClr">
+                <a:shade val="20000"/>
+                <a:satMod val="255000"/>
+              </a:schemeClr>
+            </a:gs>
+          </a:gsLst>
+          <a:path path="circle">
+            <a:fillToRect l="50000" t="-80000" r="50000" b="180000"/>
+          </a:path>
+        </a:gradFill>
+        <a:gradFill rotWithShape="1">
+          <a:gsLst>
+            <a:gs pos="0">
+              <a:schemeClr val="phClr">
+                <a:tint val="80000"/>
+                <a:satMod val="300000"/>
+              </a:schemeClr>
+            </a:gs>
+            <a:gs pos="100000">
+              <a:schemeClr val="phClr">
+                <a:shade val="30000"/>
+                <a:satMod val="200000"/>
+              </a:schemeClr>
+            </a:gs>
+          </a:gsLst>
+          <a:path path="circle">
+            <a:fillToRect l="50000" t="50000" r="50000" b="50000"/>
+          </a:path>
+        </a:gradFill>
+      </a:bgFillStyleLst>
+    </a:fmtScheme>
+  </a:themeElements>
+  <a:objectDefaults/>
+  <a:extraClrSchemeLst/>
+</a:theme>
 </file>